--- a/list/fig/fig.pptx
+++ b/list/fig/fig.pptx
@@ -10,9 +10,12 @@
     <p:sldId id="266" r:id="rId4"/>
     <p:sldId id="268" r:id="rId5"/>
     <p:sldId id="269" r:id="rId6"/>
-    <p:sldId id="256" r:id="rId7"/>
-    <p:sldId id="257" r:id="rId8"/>
-    <p:sldId id="258" r:id="rId9"/>
+    <p:sldId id="270" r:id="rId7"/>
+    <p:sldId id="271" r:id="rId8"/>
+    <p:sldId id="272" r:id="rId9"/>
+    <p:sldId id="256" r:id="rId10"/>
+    <p:sldId id="257" r:id="rId11"/>
+    <p:sldId id="258" r:id="rId12"/>
   </p:sldIdLst>
   <p:sldSz cx="9144000" cy="6858000" type="screen4x3"/>
   <p:notesSz cx="6858000" cy="9144000"/>
@@ -2840,6 +2843,1769 @@
 </p:sld>
 </file>
 
+<file path=ppt/slides/slide10.xml><?xml version="1.0" encoding="utf-8"?>
+<p:sld xmlns:a="http://schemas.openxmlformats.org/drawingml/2006/main" xmlns:r="http://schemas.openxmlformats.org/officeDocument/2006/relationships" xmlns:p="http://schemas.openxmlformats.org/presentationml/2006/main">
+  <p:cSld>
+    <p:spTree>
+      <p:nvGrpSpPr>
+        <p:cNvPr id="1" name=""/>
+        <p:cNvGrpSpPr/>
+        <p:nvPr/>
+      </p:nvGrpSpPr>
+      <p:grpSpPr>
+        <a:xfrm>
+          <a:off x="0" y="0"/>
+          <a:ext cx="0" cy="0"/>
+          <a:chOff x="0" y="0"/>
+          <a:chExt cx="0" cy="0"/>
+        </a:xfrm>
+      </p:grpSpPr>
+      <p:sp>
+        <p:nvSpPr>
+          <p:cNvPr id="25" name="角丸四角形 24"/>
+          <p:cNvSpPr/>
+          <p:nvPr/>
+        </p:nvSpPr>
+        <p:spPr>
+          <a:xfrm>
+            <a:off x="2334557" y="364749"/>
+            <a:ext cx="4325675" cy="2056139"/>
+          </a:xfrm>
+          <a:prstGeom prst="roundRect">
+            <a:avLst/>
+          </a:prstGeom>
+          <a:solidFill>
+            <a:schemeClr val="bg1"/>
+          </a:solidFill>
+          <a:ln>
+            <a:solidFill>
+              <a:schemeClr val="tx1"/>
+            </a:solidFill>
+          </a:ln>
+          <a:effectLst>
+            <a:outerShdw blurRad="50800" dist="38100" dir="2700000" algn="tl" rotWithShape="0">
+              <a:prstClr val="black">
+                <a:alpha val="40000"/>
+              </a:prstClr>
+            </a:outerShdw>
+          </a:effectLst>
+        </p:spPr>
+        <p:style>
+          <a:lnRef idx="2">
+            <a:schemeClr val="accent1">
+              <a:shade val="50000"/>
+            </a:schemeClr>
+          </a:lnRef>
+          <a:fillRef idx="1">
+            <a:schemeClr val="accent1"/>
+          </a:fillRef>
+          <a:effectRef idx="0">
+            <a:schemeClr val="accent1"/>
+          </a:effectRef>
+          <a:fontRef idx="minor">
+            <a:schemeClr val="lt1"/>
+          </a:fontRef>
+        </p:style>
+        <p:txBody>
+          <a:bodyPr rtlCol="0" anchor="ctr"/>
+          <a:lstStyle/>
+          <a:p>
+            <a:pPr algn="ctr"/>
+            <a:endParaRPr kumimoji="1" lang="ja-JP" altLang="en-US"/>
+          </a:p>
+        </p:txBody>
+      </p:sp>
+      <p:cxnSp>
+        <p:nvCxnSpPr>
+          <p:cNvPr id="4" name="直線矢印コネクタ 3"/>
+          <p:cNvCxnSpPr/>
+          <p:nvPr/>
+        </p:nvCxnSpPr>
+        <p:spPr>
+          <a:xfrm>
+            <a:off x="399842" y="3505200"/>
+            <a:ext cx="1744663" cy="0"/>
+          </a:xfrm>
+          <a:prstGeom prst="straightConnector1">
+            <a:avLst/>
+          </a:prstGeom>
+          <a:ln w="12700">
+            <a:solidFill>
+              <a:schemeClr val="tx1"/>
+            </a:solidFill>
+            <a:tailEnd type="triangle"/>
+          </a:ln>
+        </p:spPr>
+        <p:style>
+          <a:lnRef idx="1">
+            <a:schemeClr val="accent1"/>
+          </a:lnRef>
+          <a:fillRef idx="0">
+            <a:schemeClr val="accent1"/>
+          </a:fillRef>
+          <a:effectRef idx="0">
+            <a:schemeClr val="accent1"/>
+          </a:effectRef>
+          <a:fontRef idx="minor">
+            <a:schemeClr val="tx1"/>
+          </a:fontRef>
+        </p:style>
+      </p:cxnSp>
+      <p:grpSp>
+        <p:nvGrpSpPr>
+          <p:cNvPr id="13" name="グループ化 12"/>
+          <p:cNvGrpSpPr/>
+          <p:nvPr/>
+        </p:nvGrpSpPr>
+        <p:grpSpPr>
+          <a:xfrm>
+            <a:off x="4068375" y="2997201"/>
+            <a:ext cx="1744663" cy="511610"/>
+            <a:chOff x="3779559" y="2160470"/>
+            <a:chExt cx="1744663" cy="511610"/>
+          </a:xfrm>
+        </p:grpSpPr>
+        <p:cxnSp>
+          <p:nvCxnSpPr>
+            <p:cNvPr id="6" name="直線矢印コネクタ 5"/>
+            <p:cNvCxnSpPr/>
+            <p:nvPr/>
+          </p:nvCxnSpPr>
+          <p:spPr>
+            <a:xfrm>
+              <a:off x="3779559" y="2672080"/>
+              <a:ext cx="577864" cy="0"/>
+            </a:xfrm>
+            <a:prstGeom prst="straightConnector1">
+              <a:avLst/>
+            </a:prstGeom>
+            <a:ln w="12700">
+              <a:solidFill>
+                <a:schemeClr val="tx1"/>
+              </a:solidFill>
+              <a:tailEnd type="triangle"/>
+            </a:ln>
+          </p:spPr>
+          <p:style>
+            <a:lnRef idx="1">
+              <a:schemeClr val="accent1"/>
+            </a:lnRef>
+            <a:fillRef idx="0">
+              <a:schemeClr val="accent1"/>
+            </a:fillRef>
+            <a:effectRef idx="0">
+              <a:schemeClr val="accent1"/>
+            </a:effectRef>
+            <a:fontRef idx="minor">
+              <a:schemeClr val="tx1"/>
+            </a:fontRef>
+          </p:style>
+        </p:cxnSp>
+        <p:cxnSp>
+          <p:nvCxnSpPr>
+            <p:cNvPr id="7" name="直線矢印コネクタ 6"/>
+            <p:cNvCxnSpPr/>
+            <p:nvPr/>
+          </p:nvCxnSpPr>
+          <p:spPr>
+            <a:xfrm>
+              <a:off x="4946358" y="2672080"/>
+              <a:ext cx="577864" cy="0"/>
+            </a:xfrm>
+            <a:prstGeom prst="straightConnector1">
+              <a:avLst/>
+            </a:prstGeom>
+            <a:ln w="12700">
+              <a:solidFill>
+                <a:schemeClr val="tx1"/>
+              </a:solidFill>
+              <a:tailEnd type="triangle"/>
+            </a:ln>
+          </p:spPr>
+          <p:style>
+            <a:lnRef idx="1">
+              <a:schemeClr val="accent1"/>
+            </a:lnRef>
+            <a:fillRef idx="0">
+              <a:schemeClr val="accent1"/>
+            </a:fillRef>
+            <a:effectRef idx="0">
+              <a:schemeClr val="accent1"/>
+            </a:effectRef>
+            <a:fontRef idx="minor">
+              <a:schemeClr val="tx1"/>
+            </a:fontRef>
+          </p:style>
+        </p:cxnSp>
+        <p:cxnSp>
+          <p:nvCxnSpPr>
+            <p:cNvPr id="9" name="直線矢印コネクタ 8"/>
+            <p:cNvCxnSpPr/>
+            <p:nvPr/>
+          </p:nvCxnSpPr>
+          <p:spPr>
+            <a:xfrm flipV="1">
+              <a:off x="4357423" y="2160470"/>
+              <a:ext cx="298148" cy="511610"/>
+            </a:xfrm>
+            <a:prstGeom prst="straightConnector1">
+              <a:avLst/>
+            </a:prstGeom>
+            <a:ln w="12700">
+              <a:solidFill>
+                <a:schemeClr val="tx1"/>
+              </a:solidFill>
+              <a:tailEnd type="triangle"/>
+            </a:ln>
+          </p:spPr>
+          <p:style>
+            <a:lnRef idx="1">
+              <a:schemeClr val="accent1"/>
+            </a:lnRef>
+            <a:fillRef idx="0">
+              <a:schemeClr val="accent1"/>
+            </a:fillRef>
+            <a:effectRef idx="0">
+              <a:schemeClr val="accent1"/>
+            </a:effectRef>
+            <a:fontRef idx="minor">
+              <a:schemeClr val="tx1"/>
+            </a:fontRef>
+          </p:style>
+        </p:cxnSp>
+        <p:cxnSp>
+          <p:nvCxnSpPr>
+            <p:cNvPr id="11" name="直線矢印コネクタ 10"/>
+            <p:cNvCxnSpPr/>
+            <p:nvPr/>
+          </p:nvCxnSpPr>
+          <p:spPr>
+            <a:xfrm>
+              <a:off x="4655571" y="2160470"/>
+              <a:ext cx="290787" cy="511610"/>
+            </a:xfrm>
+            <a:prstGeom prst="straightConnector1">
+              <a:avLst/>
+            </a:prstGeom>
+            <a:ln w="12700">
+              <a:solidFill>
+                <a:schemeClr val="tx1"/>
+              </a:solidFill>
+              <a:tailEnd type="triangle"/>
+            </a:ln>
+          </p:spPr>
+          <p:style>
+            <a:lnRef idx="1">
+              <a:schemeClr val="accent1"/>
+            </a:lnRef>
+            <a:fillRef idx="0">
+              <a:schemeClr val="accent1"/>
+            </a:fillRef>
+            <a:effectRef idx="0">
+              <a:schemeClr val="accent1"/>
+            </a:effectRef>
+            <a:fontRef idx="minor">
+              <a:schemeClr val="tx1"/>
+            </a:fontRef>
+          </p:style>
+        </p:cxnSp>
+      </p:grpSp>
+      <p:sp>
+        <p:nvSpPr>
+          <p:cNvPr id="20" name="テキスト ボックス 19"/>
+          <p:cNvSpPr txBox="1"/>
+          <p:nvPr/>
+        </p:nvSpPr>
+        <p:spPr>
+          <a:xfrm>
+            <a:off x="395536" y="2699628"/>
+            <a:ext cx="1983921" cy="369332"/>
+          </a:xfrm>
+          <a:prstGeom prst="rect">
+            <a:avLst/>
+          </a:prstGeom>
+          <a:noFill/>
+        </p:spPr>
+        <p:txBody>
+          <a:bodyPr wrap="square" rtlCol="0">
+            <a:spAutoFit/>
+          </a:bodyPr>
+          <a:lstStyle/>
+          <a:p>
+            <a:r>
+              <a:rPr lang="ja-JP" altLang="en-US" dirty="0"/>
+              <a:t>入力ベクトル</a:t>
+            </a:r>
+            <a:endParaRPr kumimoji="1" lang="ja-JP" altLang="en-US" dirty="0"/>
+          </a:p>
+        </p:txBody>
+      </p:sp>
+      <p:sp>
+        <p:nvSpPr>
+          <p:cNvPr id="22" name="テキスト ボックス 21"/>
+          <p:cNvSpPr txBox="1"/>
+          <p:nvPr/>
+        </p:nvSpPr>
+        <p:spPr>
+          <a:xfrm>
+            <a:off x="4097819" y="2625024"/>
+            <a:ext cx="1983921" cy="369332"/>
+          </a:xfrm>
+          <a:prstGeom prst="rect">
+            <a:avLst/>
+          </a:prstGeom>
+          <a:noFill/>
+        </p:spPr>
+        <p:txBody>
+          <a:bodyPr wrap="square" rtlCol="0">
+            <a:spAutoFit/>
+          </a:bodyPr>
+          <a:lstStyle/>
+          <a:p>
+            <a:r>
+              <a:rPr lang="ja-JP" altLang="en-US" dirty="0"/>
+              <a:t>出力ベクトル</a:t>
+            </a:r>
+            <a:endParaRPr kumimoji="1" lang="ja-JP" altLang="en-US" dirty="0"/>
+          </a:p>
+        </p:txBody>
+      </p:sp>
+      <p:sp>
+        <p:nvSpPr>
+          <p:cNvPr id="23" name="右矢印 22"/>
+          <p:cNvSpPr/>
+          <p:nvPr/>
+        </p:nvSpPr>
+        <p:spPr>
+          <a:xfrm>
+            <a:off x="2898570" y="3289176"/>
+            <a:ext cx="432048" cy="432048"/>
+          </a:xfrm>
+          <a:prstGeom prst="rightArrow">
+            <a:avLst/>
+          </a:prstGeom>
+          <a:solidFill>
+            <a:srgbClr val="FF0000"/>
+          </a:solidFill>
+          <a:ln>
+            <a:solidFill>
+              <a:schemeClr val="tx1"/>
+            </a:solidFill>
+          </a:ln>
+        </p:spPr>
+        <p:style>
+          <a:lnRef idx="2">
+            <a:schemeClr val="accent1">
+              <a:shade val="50000"/>
+            </a:schemeClr>
+          </a:lnRef>
+          <a:fillRef idx="1">
+            <a:schemeClr val="accent1"/>
+          </a:fillRef>
+          <a:effectRef idx="0">
+            <a:schemeClr val="accent1"/>
+          </a:effectRef>
+          <a:fontRef idx="minor">
+            <a:schemeClr val="lt1"/>
+          </a:fontRef>
+        </p:style>
+        <p:txBody>
+          <a:bodyPr rtlCol="0" anchor="ctr"/>
+          <a:lstStyle/>
+          <a:p>
+            <a:pPr algn="ctr"/>
+            <a:endParaRPr kumimoji="1" lang="ja-JP" altLang="en-US"/>
+          </a:p>
+        </p:txBody>
+      </p:sp>
+      <p:cxnSp>
+        <p:nvCxnSpPr>
+          <p:cNvPr id="24" name="直線矢印コネクタ 23"/>
+          <p:cNvCxnSpPr/>
+          <p:nvPr/>
+        </p:nvCxnSpPr>
+        <p:spPr>
+          <a:xfrm flipV="1">
+            <a:off x="884271" y="4753780"/>
+            <a:ext cx="1060471" cy="1362808"/>
+          </a:xfrm>
+          <a:prstGeom prst="straightConnector1">
+            <a:avLst/>
+          </a:prstGeom>
+          <a:ln w="12700">
+            <a:solidFill>
+              <a:schemeClr val="tx1"/>
+            </a:solidFill>
+            <a:tailEnd type="triangle"/>
+          </a:ln>
+        </p:spPr>
+        <p:style>
+          <a:lnRef idx="1">
+            <a:schemeClr val="accent1"/>
+          </a:lnRef>
+          <a:fillRef idx="0">
+            <a:schemeClr val="accent1"/>
+          </a:fillRef>
+          <a:effectRef idx="0">
+            <a:schemeClr val="accent1"/>
+          </a:effectRef>
+          <a:fontRef idx="minor">
+            <a:schemeClr val="tx1"/>
+          </a:fontRef>
+        </p:style>
+      </p:cxnSp>
+      <p:sp>
+        <p:nvSpPr>
+          <p:cNvPr id="32" name="右矢印 31"/>
+          <p:cNvSpPr/>
+          <p:nvPr/>
+        </p:nvSpPr>
+        <p:spPr>
+          <a:xfrm>
+            <a:off x="2888410" y="5412616"/>
+            <a:ext cx="432048" cy="432048"/>
+          </a:xfrm>
+          <a:prstGeom prst="rightArrow">
+            <a:avLst/>
+          </a:prstGeom>
+          <a:solidFill>
+            <a:srgbClr val="FF0000"/>
+          </a:solidFill>
+          <a:ln>
+            <a:solidFill>
+              <a:schemeClr val="tx1"/>
+            </a:solidFill>
+          </a:ln>
+        </p:spPr>
+        <p:style>
+          <a:lnRef idx="2">
+            <a:schemeClr val="accent1">
+              <a:shade val="50000"/>
+            </a:schemeClr>
+          </a:lnRef>
+          <a:fillRef idx="1">
+            <a:schemeClr val="accent1"/>
+          </a:fillRef>
+          <a:effectRef idx="0">
+            <a:schemeClr val="accent1"/>
+          </a:effectRef>
+          <a:fontRef idx="minor">
+            <a:schemeClr val="lt1"/>
+          </a:fontRef>
+        </p:style>
+        <p:txBody>
+          <a:bodyPr rtlCol="0" anchor="ctr"/>
+          <a:lstStyle/>
+          <a:p>
+            <a:pPr algn="ctr"/>
+            <a:endParaRPr kumimoji="1" lang="ja-JP" altLang="en-US"/>
+          </a:p>
+        </p:txBody>
+      </p:sp>
+      <p:grpSp>
+        <p:nvGrpSpPr>
+          <p:cNvPr id="36" name="グループ化 35"/>
+          <p:cNvGrpSpPr/>
+          <p:nvPr/>
+        </p:nvGrpSpPr>
+        <p:grpSpPr>
+          <a:xfrm rot="18421979">
+            <a:off x="3868557" y="4949657"/>
+            <a:ext cx="1744663" cy="511610"/>
+            <a:chOff x="3779559" y="2160470"/>
+            <a:chExt cx="1744663" cy="511610"/>
+          </a:xfrm>
+        </p:grpSpPr>
+        <p:cxnSp>
+          <p:nvCxnSpPr>
+            <p:cNvPr id="37" name="直線矢印コネクタ 36"/>
+            <p:cNvCxnSpPr/>
+            <p:nvPr/>
+          </p:nvCxnSpPr>
+          <p:spPr>
+            <a:xfrm>
+              <a:off x="3779559" y="2672080"/>
+              <a:ext cx="577864" cy="0"/>
+            </a:xfrm>
+            <a:prstGeom prst="straightConnector1">
+              <a:avLst/>
+            </a:prstGeom>
+            <a:ln w="12700">
+              <a:solidFill>
+                <a:schemeClr val="tx1"/>
+              </a:solidFill>
+              <a:tailEnd type="triangle"/>
+            </a:ln>
+          </p:spPr>
+          <p:style>
+            <a:lnRef idx="1">
+              <a:schemeClr val="accent1"/>
+            </a:lnRef>
+            <a:fillRef idx="0">
+              <a:schemeClr val="accent1"/>
+            </a:fillRef>
+            <a:effectRef idx="0">
+              <a:schemeClr val="accent1"/>
+            </a:effectRef>
+            <a:fontRef idx="minor">
+              <a:schemeClr val="tx1"/>
+            </a:fontRef>
+          </p:style>
+        </p:cxnSp>
+        <p:cxnSp>
+          <p:nvCxnSpPr>
+            <p:cNvPr id="38" name="直線矢印コネクタ 37"/>
+            <p:cNvCxnSpPr/>
+            <p:nvPr/>
+          </p:nvCxnSpPr>
+          <p:spPr>
+            <a:xfrm>
+              <a:off x="4946358" y="2672080"/>
+              <a:ext cx="577864" cy="0"/>
+            </a:xfrm>
+            <a:prstGeom prst="straightConnector1">
+              <a:avLst/>
+            </a:prstGeom>
+            <a:ln w="12700">
+              <a:solidFill>
+                <a:schemeClr val="tx1"/>
+              </a:solidFill>
+              <a:tailEnd type="triangle"/>
+            </a:ln>
+          </p:spPr>
+          <p:style>
+            <a:lnRef idx="1">
+              <a:schemeClr val="accent1"/>
+            </a:lnRef>
+            <a:fillRef idx="0">
+              <a:schemeClr val="accent1"/>
+            </a:fillRef>
+            <a:effectRef idx="0">
+              <a:schemeClr val="accent1"/>
+            </a:effectRef>
+            <a:fontRef idx="minor">
+              <a:schemeClr val="tx1"/>
+            </a:fontRef>
+          </p:style>
+        </p:cxnSp>
+        <p:cxnSp>
+          <p:nvCxnSpPr>
+            <p:cNvPr id="39" name="直線矢印コネクタ 38"/>
+            <p:cNvCxnSpPr/>
+            <p:nvPr/>
+          </p:nvCxnSpPr>
+          <p:spPr>
+            <a:xfrm flipV="1">
+              <a:off x="4357423" y="2160470"/>
+              <a:ext cx="298148" cy="511610"/>
+            </a:xfrm>
+            <a:prstGeom prst="straightConnector1">
+              <a:avLst/>
+            </a:prstGeom>
+            <a:ln w="12700">
+              <a:solidFill>
+                <a:schemeClr val="tx1"/>
+              </a:solidFill>
+              <a:tailEnd type="triangle"/>
+            </a:ln>
+          </p:spPr>
+          <p:style>
+            <a:lnRef idx="1">
+              <a:schemeClr val="accent1"/>
+            </a:lnRef>
+            <a:fillRef idx="0">
+              <a:schemeClr val="accent1"/>
+            </a:fillRef>
+            <a:effectRef idx="0">
+              <a:schemeClr val="accent1"/>
+            </a:effectRef>
+            <a:fontRef idx="minor">
+              <a:schemeClr val="tx1"/>
+            </a:fontRef>
+          </p:style>
+        </p:cxnSp>
+        <p:cxnSp>
+          <p:nvCxnSpPr>
+            <p:cNvPr id="40" name="直線矢印コネクタ 39"/>
+            <p:cNvCxnSpPr/>
+            <p:nvPr/>
+          </p:nvCxnSpPr>
+          <p:spPr>
+            <a:xfrm>
+              <a:off x="4655571" y="2160470"/>
+              <a:ext cx="290787" cy="511610"/>
+            </a:xfrm>
+            <a:prstGeom prst="straightConnector1">
+              <a:avLst/>
+            </a:prstGeom>
+            <a:ln w="12700">
+              <a:solidFill>
+                <a:schemeClr val="tx1"/>
+              </a:solidFill>
+              <a:tailEnd type="triangle"/>
+            </a:ln>
+          </p:spPr>
+          <p:style>
+            <a:lnRef idx="1">
+              <a:schemeClr val="accent1"/>
+            </a:lnRef>
+            <a:fillRef idx="0">
+              <a:schemeClr val="accent1"/>
+            </a:fillRef>
+            <a:effectRef idx="0">
+              <a:schemeClr val="accent1"/>
+            </a:effectRef>
+            <a:fontRef idx="minor">
+              <a:schemeClr val="tx1"/>
+            </a:fontRef>
+          </p:style>
+        </p:cxnSp>
+      </p:grpSp>
+      <p:grpSp>
+        <p:nvGrpSpPr>
+          <p:cNvPr id="41" name="グループ化 40"/>
+          <p:cNvGrpSpPr/>
+          <p:nvPr/>
+        </p:nvGrpSpPr>
+        <p:grpSpPr>
+          <a:xfrm>
+            <a:off x="2458519" y="1046865"/>
+            <a:ext cx="3892780" cy="1141530"/>
+            <a:chOff x="3779559" y="2160470"/>
+            <a:chExt cx="1744663" cy="511610"/>
+          </a:xfrm>
+        </p:grpSpPr>
+        <p:cxnSp>
+          <p:nvCxnSpPr>
+            <p:cNvPr id="42" name="直線矢印コネクタ 41"/>
+            <p:cNvCxnSpPr/>
+            <p:nvPr/>
+          </p:nvCxnSpPr>
+          <p:spPr>
+            <a:xfrm>
+              <a:off x="3779559" y="2672080"/>
+              <a:ext cx="577864" cy="0"/>
+            </a:xfrm>
+            <a:prstGeom prst="straightConnector1">
+              <a:avLst/>
+            </a:prstGeom>
+            <a:ln w="12700">
+              <a:solidFill>
+                <a:schemeClr val="tx1"/>
+              </a:solidFill>
+              <a:tailEnd type="triangle"/>
+            </a:ln>
+          </p:spPr>
+          <p:style>
+            <a:lnRef idx="1">
+              <a:schemeClr val="accent1"/>
+            </a:lnRef>
+            <a:fillRef idx="0">
+              <a:schemeClr val="accent1"/>
+            </a:fillRef>
+            <a:effectRef idx="0">
+              <a:schemeClr val="accent1"/>
+            </a:effectRef>
+            <a:fontRef idx="minor">
+              <a:schemeClr val="tx1"/>
+            </a:fontRef>
+          </p:style>
+        </p:cxnSp>
+        <p:cxnSp>
+          <p:nvCxnSpPr>
+            <p:cNvPr id="43" name="直線矢印コネクタ 42"/>
+            <p:cNvCxnSpPr/>
+            <p:nvPr/>
+          </p:nvCxnSpPr>
+          <p:spPr>
+            <a:xfrm>
+              <a:off x="4946358" y="2672080"/>
+              <a:ext cx="577864" cy="0"/>
+            </a:xfrm>
+            <a:prstGeom prst="straightConnector1">
+              <a:avLst/>
+            </a:prstGeom>
+            <a:ln w="12700">
+              <a:solidFill>
+                <a:schemeClr val="tx1"/>
+              </a:solidFill>
+              <a:tailEnd type="triangle"/>
+            </a:ln>
+          </p:spPr>
+          <p:style>
+            <a:lnRef idx="1">
+              <a:schemeClr val="accent1"/>
+            </a:lnRef>
+            <a:fillRef idx="0">
+              <a:schemeClr val="accent1"/>
+            </a:fillRef>
+            <a:effectRef idx="0">
+              <a:schemeClr val="accent1"/>
+            </a:effectRef>
+            <a:fontRef idx="minor">
+              <a:schemeClr val="tx1"/>
+            </a:fontRef>
+          </p:style>
+        </p:cxnSp>
+        <p:cxnSp>
+          <p:nvCxnSpPr>
+            <p:cNvPr id="44" name="直線矢印コネクタ 43"/>
+            <p:cNvCxnSpPr/>
+            <p:nvPr/>
+          </p:nvCxnSpPr>
+          <p:spPr>
+            <a:xfrm flipV="1">
+              <a:off x="4357423" y="2160470"/>
+              <a:ext cx="298148" cy="511610"/>
+            </a:xfrm>
+            <a:prstGeom prst="straightConnector1">
+              <a:avLst/>
+            </a:prstGeom>
+            <a:ln w="12700">
+              <a:solidFill>
+                <a:schemeClr val="tx1"/>
+              </a:solidFill>
+              <a:tailEnd type="triangle"/>
+            </a:ln>
+          </p:spPr>
+          <p:style>
+            <a:lnRef idx="1">
+              <a:schemeClr val="accent1"/>
+            </a:lnRef>
+            <a:fillRef idx="0">
+              <a:schemeClr val="accent1"/>
+            </a:fillRef>
+            <a:effectRef idx="0">
+              <a:schemeClr val="accent1"/>
+            </a:effectRef>
+            <a:fontRef idx="minor">
+              <a:schemeClr val="tx1"/>
+            </a:fontRef>
+          </p:style>
+        </p:cxnSp>
+        <p:cxnSp>
+          <p:nvCxnSpPr>
+            <p:cNvPr id="45" name="直線矢印コネクタ 44"/>
+            <p:cNvCxnSpPr/>
+            <p:nvPr/>
+          </p:nvCxnSpPr>
+          <p:spPr>
+            <a:xfrm>
+              <a:off x="4655571" y="2160470"/>
+              <a:ext cx="290787" cy="511610"/>
+            </a:xfrm>
+            <a:prstGeom prst="straightConnector1">
+              <a:avLst/>
+            </a:prstGeom>
+            <a:ln w="12700">
+              <a:solidFill>
+                <a:schemeClr val="tx1"/>
+              </a:solidFill>
+              <a:tailEnd type="triangle"/>
+            </a:ln>
+          </p:spPr>
+          <p:style>
+            <a:lnRef idx="1">
+              <a:schemeClr val="accent1"/>
+            </a:lnRef>
+            <a:fillRef idx="0">
+              <a:schemeClr val="accent1"/>
+            </a:fillRef>
+            <a:effectRef idx="0">
+              <a:schemeClr val="accent1"/>
+            </a:effectRef>
+            <a:fontRef idx="minor">
+              <a:schemeClr val="tx1"/>
+            </a:fontRef>
+          </p:style>
+        </p:cxnSp>
+      </p:grpSp>
+      <p:sp>
+        <p:nvSpPr>
+          <p:cNvPr id="46" name="テキスト ボックス 45"/>
+          <p:cNvSpPr txBox="1"/>
+          <p:nvPr/>
+        </p:nvSpPr>
+        <p:spPr>
+          <a:xfrm>
+            <a:off x="3393821" y="576666"/>
+            <a:ext cx="2312798" cy="369332"/>
+          </a:xfrm>
+          <a:prstGeom prst="rect">
+            <a:avLst/>
+          </a:prstGeom>
+          <a:noFill/>
+        </p:spPr>
+        <p:txBody>
+          <a:bodyPr wrap="square" rtlCol="0">
+            <a:spAutoFit/>
+          </a:bodyPr>
+          <a:lstStyle/>
+          <a:p>
+            <a:r>
+              <a:rPr lang="ja-JP" altLang="en-US" dirty="0"/>
+              <a:t>変換ベクトルリスト</a:t>
+            </a:r>
+            <a:endParaRPr kumimoji="1" lang="ja-JP" altLang="en-US" dirty="0"/>
+          </a:p>
+        </p:txBody>
+      </p:sp>
+      <p:sp>
+        <p:nvSpPr>
+          <p:cNvPr id="2" name="テキスト ボックス 1"/>
+          <p:cNvSpPr txBox="1"/>
+          <p:nvPr/>
+        </p:nvSpPr>
+        <p:spPr>
+          <a:xfrm>
+            <a:off x="6531317" y="3289176"/>
+            <a:ext cx="2262158" cy="369332"/>
+          </a:xfrm>
+          <a:prstGeom prst="rect">
+            <a:avLst/>
+          </a:prstGeom>
+          <a:noFill/>
+        </p:spPr>
+        <p:txBody>
+          <a:bodyPr wrap="none" rtlCol="0">
+            <a:spAutoFit/>
+          </a:bodyPr>
+          <a:lstStyle/>
+          <a:p>
+            <a:r>
+              <a:rPr lang="ja-JP" altLang="en-US" dirty="0"/>
+              <a:t>長さをスケールする</a:t>
+            </a:r>
+            <a:endParaRPr kumimoji="1" lang="ja-JP" altLang="en-US" dirty="0"/>
+          </a:p>
+        </p:txBody>
+      </p:sp>
+      <p:sp>
+        <p:nvSpPr>
+          <p:cNvPr id="26" name="テキスト ボックス 25"/>
+          <p:cNvSpPr txBox="1"/>
+          <p:nvPr/>
+        </p:nvSpPr>
+        <p:spPr>
+          <a:xfrm>
+            <a:off x="6762149" y="4788853"/>
+            <a:ext cx="1800493" cy="646331"/>
+          </a:xfrm>
+          <a:prstGeom prst="rect">
+            <a:avLst/>
+          </a:prstGeom>
+          <a:noFill/>
+        </p:spPr>
+        <p:txBody>
+          <a:bodyPr wrap="none" rtlCol="0">
+            <a:spAutoFit/>
+          </a:bodyPr>
+          <a:lstStyle/>
+          <a:p>
+            <a:r>
+              <a:rPr lang="ja-JP" altLang="en-US" dirty="0"/>
+              <a:t>傾いた入力には</a:t>
+            </a:r>
+            <a:endParaRPr lang="en-US" altLang="ja-JP" dirty="0"/>
+          </a:p>
+          <a:p>
+            <a:r>
+              <a:rPr kumimoji="1" lang="ja-JP" altLang="en-US" dirty="0"/>
+              <a:t>傾いた出力</a:t>
+            </a:r>
+          </a:p>
+        </p:txBody>
+      </p:sp>
+    </p:spTree>
+    <p:extLst>
+      <p:ext uri="{BB962C8B-B14F-4D97-AF65-F5344CB8AC3E}">
+        <p14:creationId xmlns:p14="http://schemas.microsoft.com/office/powerpoint/2010/main" val="3207741852"/>
+      </p:ext>
+    </p:extLst>
+  </p:cSld>
+  <p:clrMapOvr>
+    <a:masterClrMapping/>
+  </p:clrMapOvr>
+</p:sld>
+</file>
+
+<file path=ppt/slides/slide11.xml><?xml version="1.0" encoding="utf-8"?>
+<p:sld xmlns:a="http://schemas.openxmlformats.org/drawingml/2006/main" xmlns:r="http://schemas.openxmlformats.org/officeDocument/2006/relationships" xmlns:p="http://schemas.openxmlformats.org/presentationml/2006/main">
+  <p:cSld>
+    <p:spTree>
+      <p:nvGrpSpPr>
+        <p:cNvPr id="1" name=""/>
+        <p:cNvGrpSpPr/>
+        <p:nvPr/>
+      </p:nvGrpSpPr>
+      <p:grpSpPr>
+        <a:xfrm>
+          <a:off x="0" y="0"/>
+          <a:ext cx="0" cy="0"/>
+          <a:chOff x="0" y="0"/>
+          <a:chExt cx="0" cy="0"/>
+        </a:xfrm>
+      </p:grpSpPr>
+      <p:sp>
+        <p:nvSpPr>
+          <p:cNvPr id="48" name="角丸四角形 47"/>
+          <p:cNvSpPr/>
+          <p:nvPr/>
+        </p:nvSpPr>
+        <p:spPr>
+          <a:xfrm>
+            <a:off x="3203848" y="116632"/>
+            <a:ext cx="2709272" cy="1580088"/>
+          </a:xfrm>
+          <a:prstGeom prst="roundRect">
+            <a:avLst/>
+          </a:prstGeom>
+          <a:solidFill>
+            <a:schemeClr val="bg1"/>
+          </a:solidFill>
+          <a:ln>
+            <a:solidFill>
+              <a:schemeClr val="tx1"/>
+            </a:solidFill>
+          </a:ln>
+          <a:effectLst>
+            <a:outerShdw blurRad="50800" dist="38100" dir="2700000" algn="tl" rotWithShape="0">
+              <a:prstClr val="black">
+                <a:alpha val="40000"/>
+              </a:prstClr>
+            </a:outerShdw>
+          </a:effectLst>
+        </p:spPr>
+        <p:style>
+          <a:lnRef idx="2">
+            <a:schemeClr val="accent1">
+              <a:shade val="50000"/>
+            </a:schemeClr>
+          </a:lnRef>
+          <a:fillRef idx="1">
+            <a:schemeClr val="accent1"/>
+          </a:fillRef>
+          <a:effectRef idx="0">
+            <a:schemeClr val="accent1"/>
+          </a:effectRef>
+          <a:fontRef idx="minor">
+            <a:schemeClr val="lt1"/>
+          </a:fontRef>
+        </p:style>
+        <p:txBody>
+          <a:bodyPr rtlCol="0" anchor="ctr"/>
+          <a:lstStyle/>
+          <a:p>
+            <a:pPr algn="ctr"/>
+            <a:endParaRPr kumimoji="1" lang="ja-JP" altLang="en-US"/>
+          </a:p>
+        </p:txBody>
+      </p:sp>
+      <p:sp>
+        <p:nvSpPr>
+          <p:cNvPr id="3" name="テキスト ボックス 2"/>
+          <p:cNvSpPr txBox="1"/>
+          <p:nvPr/>
+        </p:nvSpPr>
+        <p:spPr>
+          <a:xfrm>
+            <a:off x="3419872" y="260648"/>
+            <a:ext cx="2312798" cy="369332"/>
+          </a:xfrm>
+          <a:prstGeom prst="rect">
+            <a:avLst/>
+          </a:prstGeom>
+          <a:noFill/>
+        </p:spPr>
+        <p:txBody>
+          <a:bodyPr wrap="square" rtlCol="0">
+            <a:spAutoFit/>
+          </a:bodyPr>
+          <a:lstStyle/>
+          <a:p>
+            <a:r>
+              <a:rPr lang="ja-JP" altLang="en-US" dirty="0"/>
+              <a:t>変換ベクトルリスト</a:t>
+            </a:r>
+            <a:endParaRPr kumimoji="1" lang="ja-JP" altLang="en-US" dirty="0"/>
+          </a:p>
+        </p:txBody>
+      </p:sp>
+      <p:cxnSp>
+        <p:nvCxnSpPr>
+          <p:cNvPr id="5" name="直線矢印コネクタ 4"/>
+          <p:cNvCxnSpPr/>
+          <p:nvPr/>
+        </p:nvCxnSpPr>
+        <p:spPr>
+          <a:xfrm flipV="1">
+            <a:off x="3779912" y="836712"/>
+            <a:ext cx="720080" cy="720080"/>
+          </a:xfrm>
+          <a:prstGeom prst="straightConnector1">
+            <a:avLst/>
+          </a:prstGeom>
+          <a:ln w="12700">
+            <a:solidFill>
+              <a:schemeClr val="tx1"/>
+            </a:solidFill>
+            <a:tailEnd type="triangle"/>
+          </a:ln>
+        </p:spPr>
+        <p:style>
+          <a:lnRef idx="1">
+            <a:schemeClr val="accent1"/>
+          </a:lnRef>
+          <a:fillRef idx="0">
+            <a:schemeClr val="accent1"/>
+          </a:fillRef>
+          <a:effectRef idx="0">
+            <a:schemeClr val="accent1"/>
+          </a:effectRef>
+          <a:fontRef idx="minor">
+            <a:schemeClr val="tx1"/>
+          </a:fontRef>
+        </p:style>
+      </p:cxnSp>
+      <p:cxnSp>
+        <p:nvCxnSpPr>
+          <p:cNvPr id="7" name="直線矢印コネクタ 6"/>
+          <p:cNvCxnSpPr/>
+          <p:nvPr/>
+        </p:nvCxnSpPr>
+        <p:spPr>
+          <a:xfrm>
+            <a:off x="4499992" y="836712"/>
+            <a:ext cx="720080" cy="720080"/>
+          </a:xfrm>
+          <a:prstGeom prst="straightConnector1">
+            <a:avLst/>
+          </a:prstGeom>
+          <a:ln w="12700">
+            <a:solidFill>
+              <a:schemeClr val="tx1"/>
+            </a:solidFill>
+            <a:tailEnd type="triangle"/>
+          </a:ln>
+        </p:spPr>
+        <p:style>
+          <a:lnRef idx="1">
+            <a:schemeClr val="accent1"/>
+          </a:lnRef>
+          <a:fillRef idx="0">
+            <a:schemeClr val="accent1"/>
+          </a:fillRef>
+          <a:effectRef idx="0">
+            <a:schemeClr val="accent1"/>
+          </a:effectRef>
+          <a:fontRef idx="minor">
+            <a:schemeClr val="tx1"/>
+          </a:fontRef>
+        </p:style>
+      </p:cxnSp>
+      <p:cxnSp>
+        <p:nvCxnSpPr>
+          <p:cNvPr id="8" name="直線矢印コネクタ 7"/>
+          <p:cNvCxnSpPr/>
+          <p:nvPr/>
+        </p:nvCxnSpPr>
+        <p:spPr>
+          <a:xfrm>
+            <a:off x="1722802" y="2704432"/>
+            <a:ext cx="1409038" cy="0"/>
+          </a:xfrm>
+          <a:prstGeom prst="straightConnector1">
+            <a:avLst/>
+          </a:prstGeom>
+          <a:ln w="12700">
+            <a:solidFill>
+              <a:schemeClr val="tx1"/>
+            </a:solidFill>
+            <a:tailEnd type="triangle"/>
+          </a:ln>
+        </p:spPr>
+        <p:style>
+          <a:lnRef idx="1">
+            <a:schemeClr val="accent1"/>
+          </a:lnRef>
+          <a:fillRef idx="0">
+            <a:schemeClr val="accent1"/>
+          </a:fillRef>
+          <a:effectRef idx="0">
+            <a:schemeClr val="accent1"/>
+          </a:effectRef>
+          <a:fontRef idx="minor">
+            <a:schemeClr val="tx1"/>
+          </a:fontRef>
+        </p:style>
+      </p:cxnSp>
+      <p:sp>
+        <p:nvSpPr>
+          <p:cNvPr id="14" name="テキスト ボックス 13"/>
+          <p:cNvSpPr txBox="1"/>
+          <p:nvPr/>
+        </p:nvSpPr>
+        <p:spPr>
+          <a:xfrm>
+            <a:off x="90271" y="2519766"/>
+            <a:ext cx="1983921" cy="369332"/>
+          </a:xfrm>
+          <a:prstGeom prst="rect">
+            <a:avLst/>
+          </a:prstGeom>
+          <a:noFill/>
+        </p:spPr>
+        <p:txBody>
+          <a:bodyPr wrap="square" rtlCol="0">
+            <a:spAutoFit/>
+          </a:bodyPr>
+          <a:lstStyle/>
+          <a:p>
+            <a:r>
+              <a:rPr lang="ja-JP" altLang="en-US" dirty="0"/>
+              <a:t>入力ベクトル</a:t>
+            </a:r>
+            <a:endParaRPr kumimoji="1" lang="ja-JP" altLang="en-US" dirty="0"/>
+          </a:p>
+        </p:txBody>
+      </p:sp>
+      <p:sp>
+        <p:nvSpPr>
+          <p:cNvPr id="15" name="テキスト ボックス 14"/>
+          <p:cNvSpPr txBox="1"/>
+          <p:nvPr/>
+        </p:nvSpPr>
+        <p:spPr>
+          <a:xfrm>
+            <a:off x="35496" y="4487777"/>
+            <a:ext cx="1983921" cy="369332"/>
+          </a:xfrm>
+          <a:prstGeom prst="rect">
+            <a:avLst/>
+          </a:prstGeom>
+          <a:noFill/>
+        </p:spPr>
+        <p:txBody>
+          <a:bodyPr wrap="square" rtlCol="0">
+            <a:spAutoFit/>
+          </a:bodyPr>
+          <a:lstStyle/>
+          <a:p>
+            <a:r>
+              <a:rPr lang="ja-JP" altLang="en-US" dirty="0"/>
+              <a:t>出力ベクトル</a:t>
+            </a:r>
+            <a:endParaRPr kumimoji="1" lang="ja-JP" altLang="en-US" dirty="0"/>
+          </a:p>
+        </p:txBody>
+      </p:sp>
+      <p:grpSp>
+        <p:nvGrpSpPr>
+          <p:cNvPr id="37" name="グループ化 36"/>
+          <p:cNvGrpSpPr/>
+          <p:nvPr/>
+        </p:nvGrpSpPr>
+        <p:grpSpPr>
+          <a:xfrm>
+            <a:off x="1637649" y="4293096"/>
+            <a:ext cx="1439417" cy="720080"/>
+            <a:chOff x="5292823" y="2348880"/>
+            <a:chExt cx="1439417" cy="720080"/>
+          </a:xfrm>
+        </p:grpSpPr>
+        <p:cxnSp>
+          <p:nvCxnSpPr>
+            <p:cNvPr id="18" name="直線矢印コネクタ 17"/>
+            <p:cNvCxnSpPr/>
+            <p:nvPr/>
+          </p:nvCxnSpPr>
+          <p:spPr>
+            <a:xfrm flipV="1">
+              <a:off x="5292823" y="2348880"/>
+              <a:ext cx="704519" cy="720080"/>
+            </a:xfrm>
+            <a:prstGeom prst="straightConnector1">
+              <a:avLst/>
+            </a:prstGeom>
+            <a:ln w="12700">
+              <a:solidFill>
+                <a:schemeClr val="tx1"/>
+              </a:solidFill>
+              <a:tailEnd type="triangle"/>
+            </a:ln>
+          </p:spPr>
+          <p:style>
+            <a:lnRef idx="1">
+              <a:schemeClr val="accent1"/>
+            </a:lnRef>
+            <a:fillRef idx="0">
+              <a:schemeClr val="accent1"/>
+            </a:fillRef>
+            <a:effectRef idx="0">
+              <a:schemeClr val="accent1"/>
+            </a:effectRef>
+            <a:fontRef idx="minor">
+              <a:schemeClr val="tx1"/>
+            </a:fontRef>
+          </p:style>
+        </p:cxnSp>
+        <p:cxnSp>
+          <p:nvCxnSpPr>
+            <p:cNvPr id="20" name="直線矢印コネクタ 19"/>
+            <p:cNvCxnSpPr/>
+            <p:nvPr/>
+          </p:nvCxnSpPr>
+          <p:spPr>
+            <a:xfrm>
+              <a:off x="6012160" y="2348880"/>
+              <a:ext cx="720080" cy="720080"/>
+            </a:xfrm>
+            <a:prstGeom prst="straightConnector1">
+              <a:avLst/>
+            </a:prstGeom>
+            <a:ln w="12700">
+              <a:solidFill>
+                <a:schemeClr val="tx1"/>
+              </a:solidFill>
+              <a:tailEnd type="triangle"/>
+            </a:ln>
+          </p:spPr>
+          <p:style>
+            <a:lnRef idx="1">
+              <a:schemeClr val="accent1"/>
+            </a:lnRef>
+            <a:fillRef idx="0">
+              <a:schemeClr val="accent1"/>
+            </a:fillRef>
+            <a:effectRef idx="0">
+              <a:schemeClr val="accent1"/>
+            </a:effectRef>
+            <a:fontRef idx="minor">
+              <a:schemeClr val="tx1"/>
+            </a:fontRef>
+          </p:style>
+        </p:cxnSp>
+      </p:grpSp>
+      <p:cxnSp>
+        <p:nvCxnSpPr>
+          <p:cNvPr id="23" name="直線矢印コネクタ 22"/>
+          <p:cNvCxnSpPr/>
+          <p:nvPr/>
+        </p:nvCxnSpPr>
+        <p:spPr>
+          <a:xfrm flipV="1">
+            <a:off x="4572000" y="1984352"/>
+            <a:ext cx="0" cy="1440160"/>
+          </a:xfrm>
+          <a:prstGeom prst="straightConnector1">
+            <a:avLst/>
+          </a:prstGeom>
+          <a:ln w="12700">
+            <a:solidFill>
+              <a:schemeClr val="tx1"/>
+            </a:solidFill>
+            <a:tailEnd type="triangle"/>
+          </a:ln>
+        </p:spPr>
+        <p:style>
+          <a:lnRef idx="1">
+            <a:schemeClr val="accent1"/>
+          </a:lnRef>
+          <a:fillRef idx="0">
+            <a:schemeClr val="accent1"/>
+          </a:fillRef>
+          <a:effectRef idx="0">
+            <a:schemeClr val="accent1"/>
+          </a:effectRef>
+          <a:fontRef idx="minor">
+            <a:schemeClr val="tx1"/>
+          </a:fontRef>
+        </p:style>
+      </p:cxnSp>
+      <p:sp>
+        <p:nvSpPr>
+          <p:cNvPr id="25" name="右矢印 24"/>
+          <p:cNvSpPr/>
+          <p:nvPr/>
+        </p:nvSpPr>
+        <p:spPr>
+          <a:xfrm rot="5400000">
+            <a:off x="2211297" y="3552352"/>
+            <a:ext cx="432048" cy="432048"/>
+          </a:xfrm>
+          <a:prstGeom prst="rightArrow">
+            <a:avLst/>
+          </a:prstGeom>
+          <a:solidFill>
+            <a:srgbClr val="FF0000"/>
+          </a:solidFill>
+          <a:ln>
+            <a:solidFill>
+              <a:schemeClr val="tx1"/>
+            </a:solidFill>
+          </a:ln>
+        </p:spPr>
+        <p:style>
+          <a:lnRef idx="2">
+            <a:schemeClr val="accent1">
+              <a:shade val="50000"/>
+            </a:schemeClr>
+          </a:lnRef>
+          <a:fillRef idx="1">
+            <a:schemeClr val="accent1"/>
+          </a:fillRef>
+          <a:effectRef idx="0">
+            <a:schemeClr val="accent1"/>
+          </a:effectRef>
+          <a:fontRef idx="minor">
+            <a:schemeClr val="lt1"/>
+          </a:fontRef>
+        </p:style>
+        <p:txBody>
+          <a:bodyPr rtlCol="0" anchor="ctr"/>
+          <a:lstStyle/>
+          <a:p>
+            <a:pPr algn="ctr"/>
+            <a:endParaRPr kumimoji="1" lang="ja-JP" altLang="en-US"/>
+          </a:p>
+        </p:txBody>
+      </p:sp>
+      <p:grpSp>
+        <p:nvGrpSpPr>
+          <p:cNvPr id="38" name="グループ化 37"/>
+          <p:cNvGrpSpPr/>
+          <p:nvPr/>
+        </p:nvGrpSpPr>
+        <p:grpSpPr>
+          <a:xfrm>
+            <a:off x="3797320" y="4293096"/>
+            <a:ext cx="720080" cy="1440160"/>
+            <a:chOff x="5436096" y="3501008"/>
+            <a:chExt cx="720080" cy="1440160"/>
+          </a:xfrm>
+        </p:grpSpPr>
+        <p:cxnSp>
+          <p:nvCxnSpPr>
+            <p:cNvPr id="27" name="直線矢印コネクタ 26"/>
+            <p:cNvCxnSpPr/>
+            <p:nvPr/>
+          </p:nvCxnSpPr>
+          <p:spPr>
+            <a:xfrm flipH="1" flipV="1">
+              <a:off x="5436096" y="4221088"/>
+              <a:ext cx="720080" cy="720080"/>
+            </a:xfrm>
+            <a:prstGeom prst="straightConnector1">
+              <a:avLst/>
+            </a:prstGeom>
+            <a:ln w="12700">
+              <a:solidFill>
+                <a:schemeClr val="tx1"/>
+              </a:solidFill>
+              <a:tailEnd type="triangle"/>
+            </a:ln>
+          </p:spPr>
+          <p:style>
+            <a:lnRef idx="1">
+              <a:schemeClr val="accent1"/>
+            </a:lnRef>
+            <a:fillRef idx="0">
+              <a:schemeClr val="accent1"/>
+            </a:fillRef>
+            <a:effectRef idx="0">
+              <a:schemeClr val="accent1"/>
+            </a:effectRef>
+            <a:fontRef idx="minor">
+              <a:schemeClr val="tx1"/>
+            </a:fontRef>
+          </p:style>
+        </p:cxnSp>
+        <p:cxnSp>
+          <p:nvCxnSpPr>
+            <p:cNvPr id="29" name="直線矢印コネクタ 28"/>
+            <p:cNvCxnSpPr/>
+            <p:nvPr/>
+          </p:nvCxnSpPr>
+          <p:spPr>
+            <a:xfrm flipV="1">
+              <a:off x="5436096" y="3501008"/>
+              <a:ext cx="720080" cy="720080"/>
+            </a:xfrm>
+            <a:prstGeom prst="straightConnector1">
+              <a:avLst/>
+            </a:prstGeom>
+            <a:ln w="12700">
+              <a:solidFill>
+                <a:schemeClr val="tx1"/>
+              </a:solidFill>
+              <a:tailEnd type="triangle"/>
+            </a:ln>
+          </p:spPr>
+          <p:style>
+            <a:lnRef idx="1">
+              <a:schemeClr val="accent1"/>
+            </a:lnRef>
+            <a:fillRef idx="0">
+              <a:schemeClr val="accent1"/>
+            </a:fillRef>
+            <a:effectRef idx="0">
+              <a:schemeClr val="accent1"/>
+            </a:effectRef>
+            <a:fontRef idx="minor">
+              <a:schemeClr val="tx1"/>
+            </a:fontRef>
+          </p:style>
+        </p:cxnSp>
+      </p:grpSp>
+      <p:cxnSp>
+        <p:nvCxnSpPr>
+          <p:cNvPr id="31" name="直線矢印コネクタ 30"/>
+          <p:cNvCxnSpPr/>
+          <p:nvPr/>
+        </p:nvCxnSpPr>
+        <p:spPr>
+          <a:xfrm flipV="1">
+            <a:off x="5994926" y="1991312"/>
+            <a:ext cx="1409038" cy="1440160"/>
+          </a:xfrm>
+          <a:prstGeom prst="straightConnector1">
+            <a:avLst/>
+          </a:prstGeom>
+          <a:ln w="12700">
+            <a:solidFill>
+              <a:schemeClr val="tx1"/>
+            </a:solidFill>
+            <a:tailEnd type="triangle"/>
+          </a:ln>
+        </p:spPr>
+        <p:style>
+          <a:lnRef idx="1">
+            <a:schemeClr val="accent1"/>
+          </a:lnRef>
+          <a:fillRef idx="0">
+            <a:schemeClr val="accent1"/>
+          </a:fillRef>
+          <a:effectRef idx="0">
+            <a:schemeClr val="accent1"/>
+          </a:effectRef>
+          <a:fontRef idx="minor">
+            <a:schemeClr val="tx1"/>
+          </a:fontRef>
+        </p:style>
+      </p:cxnSp>
+      <p:grpSp>
+        <p:nvGrpSpPr>
+          <p:cNvPr id="39" name="グループ化 38"/>
+          <p:cNvGrpSpPr/>
+          <p:nvPr/>
+        </p:nvGrpSpPr>
+        <p:grpSpPr>
+          <a:xfrm>
+            <a:off x="5940152" y="4308718"/>
+            <a:ext cx="1435889" cy="1447800"/>
+            <a:chOff x="4576271" y="4861520"/>
+            <a:chExt cx="1435889" cy="1447800"/>
+          </a:xfrm>
+        </p:grpSpPr>
+        <p:cxnSp>
+          <p:nvCxnSpPr>
+            <p:cNvPr id="33" name="直線矢印コネクタ 32"/>
+            <p:cNvCxnSpPr/>
+            <p:nvPr/>
+          </p:nvCxnSpPr>
+          <p:spPr>
+            <a:xfrm flipV="1">
+              <a:off x="4576271" y="4869160"/>
+              <a:ext cx="0" cy="1440160"/>
+            </a:xfrm>
+            <a:prstGeom prst="straightConnector1">
+              <a:avLst/>
+            </a:prstGeom>
+            <a:ln w="12700">
+              <a:solidFill>
+                <a:schemeClr val="tx1"/>
+              </a:solidFill>
+              <a:tailEnd type="triangle"/>
+            </a:ln>
+          </p:spPr>
+          <p:style>
+            <a:lnRef idx="1">
+              <a:schemeClr val="accent1"/>
+            </a:lnRef>
+            <a:fillRef idx="0">
+              <a:schemeClr val="accent1"/>
+            </a:fillRef>
+            <a:effectRef idx="0">
+              <a:schemeClr val="accent1"/>
+            </a:effectRef>
+            <a:fontRef idx="minor">
+              <a:schemeClr val="tx1"/>
+            </a:fontRef>
+          </p:style>
+        </p:cxnSp>
+        <p:cxnSp>
+          <p:nvCxnSpPr>
+            <p:cNvPr id="35" name="直線矢印コネクタ 34"/>
+            <p:cNvCxnSpPr/>
+            <p:nvPr/>
+          </p:nvCxnSpPr>
+          <p:spPr>
+            <a:xfrm>
+              <a:off x="4576271" y="4861520"/>
+              <a:ext cx="1435889" cy="0"/>
+            </a:xfrm>
+            <a:prstGeom prst="straightConnector1">
+              <a:avLst/>
+            </a:prstGeom>
+            <a:ln w="12700">
+              <a:solidFill>
+                <a:schemeClr val="tx1"/>
+              </a:solidFill>
+              <a:tailEnd type="triangle"/>
+            </a:ln>
+          </p:spPr>
+          <p:style>
+            <a:lnRef idx="1">
+              <a:schemeClr val="accent1"/>
+            </a:lnRef>
+            <a:fillRef idx="0">
+              <a:schemeClr val="accent1"/>
+            </a:fillRef>
+            <a:effectRef idx="0">
+              <a:schemeClr val="accent1"/>
+            </a:effectRef>
+            <a:fontRef idx="minor">
+              <a:schemeClr val="tx1"/>
+            </a:fontRef>
+          </p:style>
+        </p:cxnSp>
+      </p:grpSp>
+      <p:cxnSp>
+        <p:nvCxnSpPr>
+          <p:cNvPr id="40" name="直線矢印コネクタ 39"/>
+          <p:cNvCxnSpPr/>
+          <p:nvPr/>
+        </p:nvCxnSpPr>
+        <p:spPr>
+          <a:xfrm>
+            <a:off x="1652467" y="5095862"/>
+            <a:ext cx="1409038" cy="0"/>
+          </a:xfrm>
+          <a:prstGeom prst="straightConnector1">
+            <a:avLst/>
+          </a:prstGeom>
+          <a:ln w="12700">
+            <a:solidFill>
+              <a:schemeClr val="bg1">
+                <a:lumMod val="65000"/>
+              </a:schemeClr>
+            </a:solidFill>
+            <a:prstDash val="sysDash"/>
+            <a:tailEnd type="triangle"/>
+          </a:ln>
+        </p:spPr>
+        <p:style>
+          <a:lnRef idx="1">
+            <a:schemeClr val="accent1"/>
+          </a:lnRef>
+          <a:fillRef idx="0">
+            <a:schemeClr val="accent1"/>
+          </a:fillRef>
+          <a:effectRef idx="0">
+            <a:schemeClr val="accent1"/>
+          </a:effectRef>
+          <a:fontRef idx="minor">
+            <a:schemeClr val="tx1"/>
+          </a:fontRef>
+        </p:style>
+      </p:cxnSp>
+      <p:cxnSp>
+        <p:nvCxnSpPr>
+          <p:cNvPr id="41" name="直線矢印コネクタ 40"/>
+          <p:cNvCxnSpPr/>
+          <p:nvPr/>
+        </p:nvCxnSpPr>
+        <p:spPr>
+          <a:xfrm flipV="1">
+            <a:off x="4589234" y="4293096"/>
+            <a:ext cx="0" cy="1463422"/>
+          </a:xfrm>
+          <a:prstGeom prst="straightConnector1">
+            <a:avLst/>
+          </a:prstGeom>
+          <a:ln w="12700">
+            <a:solidFill>
+              <a:schemeClr val="bg1">
+                <a:lumMod val="65000"/>
+              </a:schemeClr>
+            </a:solidFill>
+            <a:prstDash val="sysDash"/>
+            <a:tailEnd type="triangle"/>
+          </a:ln>
+        </p:spPr>
+        <p:style>
+          <a:lnRef idx="1">
+            <a:schemeClr val="accent1"/>
+          </a:lnRef>
+          <a:fillRef idx="0">
+            <a:schemeClr val="accent1"/>
+          </a:fillRef>
+          <a:effectRef idx="0">
+            <a:schemeClr val="accent1"/>
+          </a:effectRef>
+          <a:fontRef idx="minor">
+            <a:schemeClr val="tx1"/>
+          </a:fontRef>
+        </p:style>
+      </p:cxnSp>
+      <p:cxnSp>
+        <p:nvCxnSpPr>
+          <p:cNvPr id="43" name="直線矢印コネクタ 42"/>
+          <p:cNvCxnSpPr/>
+          <p:nvPr/>
+        </p:nvCxnSpPr>
+        <p:spPr>
+          <a:xfrm flipV="1">
+            <a:off x="5971274" y="4365686"/>
+            <a:ext cx="1409038" cy="1450256"/>
+          </a:xfrm>
+          <a:prstGeom prst="straightConnector1">
+            <a:avLst/>
+          </a:prstGeom>
+          <a:ln w="12700">
+            <a:solidFill>
+              <a:schemeClr val="bg1">
+                <a:lumMod val="65000"/>
+              </a:schemeClr>
+            </a:solidFill>
+            <a:prstDash val="sysDash"/>
+            <a:tailEnd type="triangle"/>
+          </a:ln>
+        </p:spPr>
+        <p:style>
+          <a:lnRef idx="1">
+            <a:schemeClr val="accent1"/>
+          </a:lnRef>
+          <a:fillRef idx="0">
+            <a:schemeClr val="accent1"/>
+          </a:fillRef>
+          <a:effectRef idx="0">
+            <a:schemeClr val="accent1"/>
+          </a:effectRef>
+          <a:fontRef idx="minor">
+            <a:schemeClr val="tx1"/>
+          </a:fontRef>
+        </p:style>
+      </p:cxnSp>
+      <p:sp>
+        <p:nvSpPr>
+          <p:cNvPr id="46" name="右矢印 45"/>
+          <p:cNvSpPr/>
+          <p:nvPr/>
+        </p:nvSpPr>
+        <p:spPr>
+          <a:xfrm rot="5400000">
+            <a:off x="4355976" y="3552352"/>
+            <a:ext cx="432048" cy="432048"/>
+          </a:xfrm>
+          <a:prstGeom prst="rightArrow">
+            <a:avLst/>
+          </a:prstGeom>
+          <a:solidFill>
+            <a:srgbClr val="FF0000"/>
+          </a:solidFill>
+          <a:ln>
+            <a:solidFill>
+              <a:schemeClr val="tx1"/>
+            </a:solidFill>
+          </a:ln>
+        </p:spPr>
+        <p:style>
+          <a:lnRef idx="2">
+            <a:schemeClr val="accent1">
+              <a:shade val="50000"/>
+            </a:schemeClr>
+          </a:lnRef>
+          <a:fillRef idx="1">
+            <a:schemeClr val="accent1"/>
+          </a:fillRef>
+          <a:effectRef idx="0">
+            <a:schemeClr val="accent1"/>
+          </a:effectRef>
+          <a:fontRef idx="minor">
+            <a:schemeClr val="lt1"/>
+          </a:fontRef>
+        </p:style>
+        <p:txBody>
+          <a:bodyPr rtlCol="0" anchor="ctr"/>
+          <a:lstStyle/>
+          <a:p>
+            <a:pPr algn="ctr"/>
+            <a:endParaRPr kumimoji="1" lang="ja-JP" altLang="en-US"/>
+          </a:p>
+        </p:txBody>
+      </p:sp>
+      <p:sp>
+        <p:nvSpPr>
+          <p:cNvPr id="47" name="右矢印 46"/>
+          <p:cNvSpPr/>
+          <p:nvPr/>
+        </p:nvSpPr>
+        <p:spPr>
+          <a:xfrm rot="5400000">
+            <a:off x="6483421" y="3543156"/>
+            <a:ext cx="432048" cy="432048"/>
+          </a:xfrm>
+          <a:prstGeom prst="rightArrow">
+            <a:avLst/>
+          </a:prstGeom>
+          <a:solidFill>
+            <a:srgbClr val="FF0000"/>
+          </a:solidFill>
+          <a:ln>
+            <a:solidFill>
+              <a:schemeClr val="tx1"/>
+            </a:solidFill>
+          </a:ln>
+        </p:spPr>
+        <p:style>
+          <a:lnRef idx="2">
+            <a:schemeClr val="accent1">
+              <a:shade val="50000"/>
+            </a:schemeClr>
+          </a:lnRef>
+          <a:fillRef idx="1">
+            <a:schemeClr val="accent1"/>
+          </a:fillRef>
+          <a:effectRef idx="0">
+            <a:schemeClr val="accent1"/>
+          </a:effectRef>
+          <a:fontRef idx="minor">
+            <a:schemeClr val="lt1"/>
+          </a:fontRef>
+        </p:style>
+        <p:txBody>
+          <a:bodyPr rtlCol="0" anchor="ctr"/>
+          <a:lstStyle/>
+          <a:p>
+            <a:pPr algn="ctr"/>
+            <a:endParaRPr kumimoji="1" lang="ja-JP" altLang="en-US"/>
+          </a:p>
+        </p:txBody>
+      </p:sp>
+    </p:spTree>
+    <p:extLst>
+      <p:ext uri="{BB962C8B-B14F-4D97-AF65-F5344CB8AC3E}">
+        <p14:creationId xmlns:p14="http://schemas.microsoft.com/office/powerpoint/2010/main" val="965351112"/>
+      </p:ext>
+    </p:extLst>
+  </p:cSld>
+  <p:clrMapOvr>
+    <a:masterClrMapping/>
+  </p:clrMapOvr>
+</p:sld>
+</file>
+
 <file path=ppt/slides/slide2.xml><?xml version="1.0" encoding="utf-8"?>
 <p:sld xmlns:a="http://schemas.openxmlformats.org/drawingml/2006/main" xmlns:r="http://schemas.openxmlformats.org/officeDocument/2006/relationships" xmlns:p="http://schemas.openxmlformats.org/presentationml/2006/main">
   <p:cSld>
@@ -12445,6 +14211,5961 @@
 </file>
 
 <file path=ppt/slides/slide6.xml><?xml version="1.0" encoding="utf-8"?>
+<p:sld xmlns:a="http://schemas.openxmlformats.org/drawingml/2006/main" xmlns:r="http://schemas.openxmlformats.org/officeDocument/2006/relationships" xmlns:p="http://schemas.openxmlformats.org/presentationml/2006/main">
+  <p:cSld>
+    <p:spTree>
+      <p:nvGrpSpPr>
+        <p:cNvPr id="1" name=""/>
+        <p:cNvGrpSpPr/>
+        <p:nvPr/>
+      </p:nvGrpSpPr>
+      <p:grpSpPr>
+        <a:xfrm>
+          <a:off x="0" y="0"/>
+          <a:ext cx="0" cy="0"/>
+          <a:chOff x="0" y="0"/>
+          <a:chExt cx="0" cy="0"/>
+        </a:xfrm>
+      </p:grpSpPr>
+      <p:sp>
+        <p:nvSpPr>
+          <p:cNvPr id="46" name="正方形/長方形 45">
+            <a:extLst>
+              <a:ext uri="{FF2B5EF4-FFF2-40B4-BE49-F238E27FC236}">
+                <a16:creationId xmlns:a16="http://schemas.microsoft.com/office/drawing/2014/main" id="{2B302516-6691-8E4A-9537-D4A1F4CA624B}"/>
+              </a:ext>
+            </a:extLst>
+          </p:cNvPr>
+          <p:cNvSpPr/>
+          <p:nvPr/>
+        </p:nvSpPr>
+        <p:spPr>
+          <a:xfrm>
+            <a:off x="340792" y="599440"/>
+            <a:ext cx="1955368" cy="1723112"/>
+          </a:xfrm>
+          <a:prstGeom prst="rect">
+            <a:avLst/>
+          </a:prstGeom>
+          <a:solidFill>
+            <a:schemeClr val="accent1">
+              <a:lumMod val="20000"/>
+              <a:lumOff val="80000"/>
+            </a:schemeClr>
+          </a:solidFill>
+          <a:ln>
+            <a:noFill/>
+          </a:ln>
+        </p:spPr>
+        <p:style>
+          <a:lnRef idx="2">
+            <a:schemeClr val="accent1">
+              <a:shade val="50000"/>
+            </a:schemeClr>
+          </a:lnRef>
+          <a:fillRef idx="1">
+            <a:schemeClr val="accent1"/>
+          </a:fillRef>
+          <a:effectRef idx="0">
+            <a:schemeClr val="accent1"/>
+          </a:effectRef>
+          <a:fontRef idx="minor">
+            <a:schemeClr val="lt1"/>
+          </a:fontRef>
+        </p:style>
+        <p:txBody>
+          <a:bodyPr rtlCol="0" anchor="ctr"/>
+          <a:lstStyle/>
+          <a:p>
+            <a:pPr algn="ctr"/>
+            <a:endParaRPr kumimoji="1" lang="ja-JP" altLang="en-US">
+              <a:solidFill>
+                <a:schemeClr val="tx1"/>
+              </a:solidFill>
+            </a:endParaRPr>
+          </a:p>
+        </p:txBody>
+      </p:sp>
+      <p:sp>
+        <p:nvSpPr>
+          <p:cNvPr id="47" name="正方形/長方形 46">
+            <a:extLst>
+              <a:ext uri="{FF2B5EF4-FFF2-40B4-BE49-F238E27FC236}">
+                <a16:creationId xmlns:a16="http://schemas.microsoft.com/office/drawing/2014/main" id="{900CF734-0E66-F645-8D5B-ED52DE91FE28}"/>
+              </a:ext>
+            </a:extLst>
+          </p:cNvPr>
+          <p:cNvSpPr/>
+          <p:nvPr/>
+        </p:nvSpPr>
+        <p:spPr>
+          <a:xfrm>
+            <a:off x="946448" y="943248"/>
+            <a:ext cx="1319232" cy="316592"/>
+          </a:xfrm>
+          <a:prstGeom prst="rect">
+            <a:avLst/>
+          </a:prstGeom>
+          <a:solidFill>
+            <a:srgbClr val="FF8AD8"/>
+          </a:solidFill>
+          <a:ln>
+            <a:noFill/>
+          </a:ln>
+        </p:spPr>
+        <p:style>
+          <a:lnRef idx="2">
+            <a:schemeClr val="accent1">
+              <a:shade val="50000"/>
+            </a:schemeClr>
+          </a:lnRef>
+          <a:fillRef idx="1">
+            <a:schemeClr val="accent1"/>
+          </a:fillRef>
+          <a:effectRef idx="0">
+            <a:schemeClr val="accent1"/>
+          </a:effectRef>
+          <a:fontRef idx="minor">
+            <a:schemeClr val="lt1"/>
+          </a:fontRef>
+        </p:style>
+        <p:txBody>
+          <a:bodyPr rtlCol="0" anchor="ctr"/>
+          <a:lstStyle/>
+          <a:p>
+            <a:pPr algn="ctr"/>
+            <a:endParaRPr kumimoji="1" lang="ja-JP" altLang="en-US">
+              <a:solidFill>
+                <a:schemeClr val="tx1"/>
+              </a:solidFill>
+            </a:endParaRPr>
+          </a:p>
+        </p:txBody>
+      </p:sp>
+      <p:sp>
+        <p:nvSpPr>
+          <p:cNvPr id="2" name="正方形/長方形 1">
+            <a:extLst>
+              <a:ext uri="{FF2B5EF4-FFF2-40B4-BE49-F238E27FC236}">
+                <a16:creationId xmlns:a16="http://schemas.microsoft.com/office/drawing/2014/main" id="{A95F8D33-AAB8-5844-91AF-5F8CBEC46287}"/>
+              </a:ext>
+            </a:extLst>
+          </p:cNvPr>
+          <p:cNvSpPr/>
+          <p:nvPr/>
+        </p:nvSpPr>
+        <p:spPr>
+          <a:xfrm>
+            <a:off x="1382440" y="2588280"/>
+            <a:ext cx="720680" cy="360040"/>
+          </a:xfrm>
+          <a:prstGeom prst="rect">
+            <a:avLst/>
+          </a:prstGeom>
+          <a:noFill/>
+          <a:ln>
+            <a:solidFill>
+              <a:schemeClr val="tx1"/>
+            </a:solidFill>
+          </a:ln>
+        </p:spPr>
+        <p:style>
+          <a:lnRef idx="2">
+            <a:schemeClr val="accent1">
+              <a:shade val="50000"/>
+            </a:schemeClr>
+          </a:lnRef>
+          <a:fillRef idx="1">
+            <a:schemeClr val="accent1"/>
+          </a:fillRef>
+          <a:effectRef idx="0">
+            <a:schemeClr val="accent1"/>
+          </a:effectRef>
+          <a:fontRef idx="minor">
+            <a:schemeClr val="lt1"/>
+          </a:fontRef>
+        </p:style>
+        <p:txBody>
+          <a:bodyPr rtlCol="0" anchor="ctr"/>
+          <a:lstStyle/>
+          <a:p>
+            <a:pPr algn="ctr"/>
+            <a:r>
+              <a:rPr kumimoji="1" lang="en-US" altLang="ja-JP">
+                <a:solidFill>
+                  <a:schemeClr val="tx1"/>
+                </a:solidFill>
+              </a:rPr>
+              <a:t>1</a:t>
+            </a:r>
+            <a:endParaRPr kumimoji="1" lang="ja-JP" altLang="en-US">
+              <a:solidFill>
+                <a:schemeClr val="tx1"/>
+              </a:solidFill>
+            </a:endParaRPr>
+          </a:p>
+        </p:txBody>
+      </p:sp>
+      <p:sp>
+        <p:nvSpPr>
+          <p:cNvPr id="3" name="正方形/長方形 2">
+            <a:extLst>
+              <a:ext uri="{FF2B5EF4-FFF2-40B4-BE49-F238E27FC236}">
+                <a16:creationId xmlns:a16="http://schemas.microsoft.com/office/drawing/2014/main" id="{49976579-AB76-6246-B167-A10A7183FAF4}"/>
+              </a:ext>
+            </a:extLst>
+          </p:cNvPr>
+          <p:cNvSpPr/>
+          <p:nvPr/>
+        </p:nvSpPr>
+        <p:spPr>
+          <a:xfrm>
+            <a:off x="1382440" y="2948320"/>
+            <a:ext cx="720680" cy="360040"/>
+          </a:xfrm>
+          <a:prstGeom prst="rect">
+            <a:avLst/>
+          </a:prstGeom>
+          <a:noFill/>
+          <a:ln>
+            <a:solidFill>
+              <a:schemeClr val="tx1"/>
+            </a:solidFill>
+          </a:ln>
+        </p:spPr>
+        <p:style>
+          <a:lnRef idx="2">
+            <a:schemeClr val="accent1">
+              <a:shade val="50000"/>
+            </a:schemeClr>
+          </a:lnRef>
+          <a:fillRef idx="1">
+            <a:schemeClr val="accent1"/>
+          </a:fillRef>
+          <a:effectRef idx="0">
+            <a:schemeClr val="accent1"/>
+          </a:effectRef>
+          <a:fontRef idx="minor">
+            <a:schemeClr val="lt1"/>
+          </a:fontRef>
+        </p:style>
+        <p:txBody>
+          <a:bodyPr rtlCol="0" anchor="ctr"/>
+          <a:lstStyle/>
+          <a:p>
+            <a:pPr algn="ctr"/>
+            <a:endParaRPr kumimoji="1" lang="ja-JP" altLang="en-US">
+              <a:solidFill>
+                <a:schemeClr val="tx1"/>
+              </a:solidFill>
+            </a:endParaRPr>
+          </a:p>
+        </p:txBody>
+      </p:sp>
+      <p:sp>
+        <p:nvSpPr>
+          <p:cNvPr id="4" name="正方形/長方形 3">
+            <a:extLst>
+              <a:ext uri="{FF2B5EF4-FFF2-40B4-BE49-F238E27FC236}">
+                <a16:creationId xmlns:a16="http://schemas.microsoft.com/office/drawing/2014/main" id="{C614DC3C-B73B-6446-B519-7C71EDDBD1FC}"/>
+              </a:ext>
+            </a:extLst>
+          </p:cNvPr>
+          <p:cNvSpPr/>
+          <p:nvPr/>
+        </p:nvSpPr>
+        <p:spPr>
+          <a:xfrm>
+            <a:off x="1382440" y="3308360"/>
+            <a:ext cx="720680" cy="360040"/>
+          </a:xfrm>
+          <a:prstGeom prst="rect">
+            <a:avLst/>
+          </a:prstGeom>
+          <a:noFill/>
+          <a:ln>
+            <a:solidFill>
+              <a:schemeClr val="tx1"/>
+            </a:solidFill>
+          </a:ln>
+        </p:spPr>
+        <p:style>
+          <a:lnRef idx="2">
+            <a:schemeClr val="accent1">
+              <a:shade val="50000"/>
+            </a:schemeClr>
+          </a:lnRef>
+          <a:fillRef idx="1">
+            <a:schemeClr val="accent1"/>
+          </a:fillRef>
+          <a:effectRef idx="0">
+            <a:schemeClr val="accent1"/>
+          </a:effectRef>
+          <a:fontRef idx="minor">
+            <a:schemeClr val="lt1"/>
+          </a:fontRef>
+        </p:style>
+        <p:txBody>
+          <a:bodyPr rtlCol="0" anchor="ctr"/>
+          <a:lstStyle/>
+          <a:p>
+            <a:pPr algn="ctr"/>
+            <a:endParaRPr kumimoji="1" lang="ja-JP" altLang="en-US">
+              <a:solidFill>
+                <a:srgbClr val="FF0000"/>
+              </a:solidFill>
+            </a:endParaRPr>
+          </a:p>
+        </p:txBody>
+      </p:sp>
+      <p:sp>
+        <p:nvSpPr>
+          <p:cNvPr id="8" name="1 つの角を切り取った四角形 7">
+            <a:extLst>
+              <a:ext uri="{FF2B5EF4-FFF2-40B4-BE49-F238E27FC236}">
+                <a16:creationId xmlns:a16="http://schemas.microsoft.com/office/drawing/2014/main" id="{F24ECF5D-6E8C-F94F-B837-3A85F5F581F8}"/>
+              </a:ext>
+            </a:extLst>
+          </p:cNvPr>
+          <p:cNvSpPr/>
+          <p:nvPr/>
+        </p:nvSpPr>
+        <p:spPr>
+          <a:xfrm>
+            <a:off x="230312" y="2624284"/>
+            <a:ext cx="864096" cy="288032"/>
+          </a:xfrm>
+          <a:prstGeom prst="snip1Rect">
+            <a:avLst/>
+          </a:prstGeom>
+          <a:noFill/>
+          <a:ln>
+            <a:solidFill>
+              <a:schemeClr val="tx1"/>
+            </a:solidFill>
+          </a:ln>
+        </p:spPr>
+        <p:style>
+          <a:lnRef idx="2">
+            <a:schemeClr val="accent1">
+              <a:shade val="50000"/>
+            </a:schemeClr>
+          </a:lnRef>
+          <a:fillRef idx="1">
+            <a:schemeClr val="accent1"/>
+          </a:fillRef>
+          <a:effectRef idx="0">
+            <a:schemeClr val="accent1"/>
+          </a:effectRef>
+          <a:fontRef idx="minor">
+            <a:schemeClr val="lt1"/>
+          </a:fontRef>
+        </p:style>
+        <p:txBody>
+          <a:bodyPr rtlCol="0" anchor="ctr"/>
+          <a:lstStyle/>
+          <a:p>
+            <a:pPr algn="ctr"/>
+            <a:r>
+              <a:rPr kumimoji="1" lang="en-US" altLang="ja-JP" sz="2000">
+                <a:solidFill>
+                  <a:schemeClr val="tx1"/>
+                </a:solidFill>
+              </a:rPr>
+              <a:t>a</a:t>
+            </a:r>
+            <a:endParaRPr kumimoji="1" lang="ja-JP" altLang="en-US" sz="2000">
+              <a:solidFill>
+                <a:schemeClr val="tx1"/>
+              </a:solidFill>
+            </a:endParaRPr>
+          </a:p>
+        </p:txBody>
+      </p:sp>
+      <p:cxnSp>
+        <p:nvCxnSpPr>
+          <p:cNvPr id="10" name="直線矢印コネクタ 9">
+            <a:extLst>
+              <a:ext uri="{FF2B5EF4-FFF2-40B4-BE49-F238E27FC236}">
+                <a16:creationId xmlns:a16="http://schemas.microsoft.com/office/drawing/2014/main" id="{CA72B34E-2CB6-0A44-8E29-CA1C39F3DC2B}"/>
+              </a:ext>
+            </a:extLst>
+          </p:cNvPr>
+          <p:cNvCxnSpPr>
+            <a:cxnSpLocks/>
+            <a:stCxn id="8" idx="0"/>
+            <a:endCxn id="2" idx="1"/>
+          </p:cNvCxnSpPr>
+          <p:nvPr/>
+        </p:nvCxnSpPr>
+        <p:spPr>
+          <a:xfrm>
+            <a:off x="1094408" y="2768300"/>
+            <a:ext cx="288032" cy="0"/>
+          </a:xfrm>
+          <a:prstGeom prst="straightConnector1">
+            <a:avLst/>
+          </a:prstGeom>
+          <a:ln w="12700">
+            <a:solidFill>
+              <a:schemeClr val="tx1"/>
+            </a:solidFill>
+            <a:tailEnd type="triangle"/>
+          </a:ln>
+        </p:spPr>
+        <p:style>
+          <a:lnRef idx="1">
+            <a:schemeClr val="accent1"/>
+          </a:lnRef>
+          <a:fillRef idx="0">
+            <a:schemeClr val="accent1"/>
+          </a:fillRef>
+          <a:effectRef idx="0">
+            <a:schemeClr val="accent1"/>
+          </a:effectRef>
+          <a:fontRef idx="minor">
+            <a:schemeClr val="tx1"/>
+          </a:fontRef>
+        </p:style>
+      </p:cxnSp>
+      <p:sp>
+        <p:nvSpPr>
+          <p:cNvPr id="13" name="正方形/長方形 12">
+            <a:extLst>
+              <a:ext uri="{FF2B5EF4-FFF2-40B4-BE49-F238E27FC236}">
+                <a16:creationId xmlns:a16="http://schemas.microsoft.com/office/drawing/2014/main" id="{E35F2EEC-D47C-2E44-A5DB-575E0B8E19A5}"/>
+              </a:ext>
+            </a:extLst>
+          </p:cNvPr>
+          <p:cNvSpPr/>
+          <p:nvPr/>
+        </p:nvSpPr>
+        <p:spPr>
+          <a:xfrm>
+            <a:off x="4515976" y="2619648"/>
+            <a:ext cx="716424" cy="360040"/>
+          </a:xfrm>
+          <a:prstGeom prst="rect">
+            <a:avLst/>
+          </a:prstGeom>
+          <a:noFill/>
+          <a:ln>
+            <a:solidFill>
+              <a:schemeClr val="tx1"/>
+            </a:solidFill>
+          </a:ln>
+        </p:spPr>
+        <p:style>
+          <a:lnRef idx="2">
+            <a:schemeClr val="accent1">
+              <a:shade val="50000"/>
+            </a:schemeClr>
+          </a:lnRef>
+          <a:fillRef idx="1">
+            <a:schemeClr val="accent1"/>
+          </a:fillRef>
+          <a:effectRef idx="0">
+            <a:schemeClr val="accent1"/>
+          </a:effectRef>
+          <a:fontRef idx="minor">
+            <a:schemeClr val="lt1"/>
+          </a:fontRef>
+        </p:style>
+        <p:txBody>
+          <a:bodyPr rtlCol="0" anchor="ctr"/>
+          <a:lstStyle/>
+          <a:p>
+            <a:pPr algn="ctr"/>
+            <a:r>
+              <a:rPr kumimoji="1" lang="en-US" altLang="ja-JP">
+                <a:solidFill>
+                  <a:schemeClr val="tx1"/>
+                </a:solidFill>
+              </a:rPr>
+              <a:t>1</a:t>
+            </a:r>
+            <a:endParaRPr kumimoji="1" lang="ja-JP" altLang="en-US">
+              <a:solidFill>
+                <a:schemeClr val="tx1"/>
+              </a:solidFill>
+            </a:endParaRPr>
+          </a:p>
+        </p:txBody>
+      </p:sp>
+      <p:sp>
+        <p:nvSpPr>
+          <p:cNvPr id="14" name="正方形/長方形 13">
+            <a:extLst>
+              <a:ext uri="{FF2B5EF4-FFF2-40B4-BE49-F238E27FC236}">
+                <a16:creationId xmlns:a16="http://schemas.microsoft.com/office/drawing/2014/main" id="{151956EB-8C61-534A-AF6B-73D55CE51D22}"/>
+              </a:ext>
+            </a:extLst>
+          </p:cNvPr>
+          <p:cNvSpPr/>
+          <p:nvPr/>
+        </p:nvSpPr>
+        <p:spPr>
+          <a:xfrm>
+            <a:off x="4515976" y="2979688"/>
+            <a:ext cx="716424" cy="360040"/>
+          </a:xfrm>
+          <a:prstGeom prst="rect">
+            <a:avLst/>
+          </a:prstGeom>
+          <a:noFill/>
+          <a:ln>
+            <a:solidFill>
+              <a:schemeClr val="tx1"/>
+            </a:solidFill>
+          </a:ln>
+        </p:spPr>
+        <p:style>
+          <a:lnRef idx="2">
+            <a:schemeClr val="accent1">
+              <a:shade val="50000"/>
+            </a:schemeClr>
+          </a:lnRef>
+          <a:fillRef idx="1">
+            <a:schemeClr val="accent1"/>
+          </a:fillRef>
+          <a:effectRef idx="0">
+            <a:schemeClr val="accent1"/>
+          </a:effectRef>
+          <a:fontRef idx="minor">
+            <a:schemeClr val="lt1"/>
+          </a:fontRef>
+        </p:style>
+        <p:txBody>
+          <a:bodyPr rtlCol="0" anchor="ctr"/>
+          <a:lstStyle/>
+          <a:p>
+            <a:pPr algn="ctr"/>
+            <a:r>
+              <a:rPr kumimoji="1" lang="en-US" altLang="ja-JP">
+                <a:solidFill>
+                  <a:srgbClr val="FF0000"/>
+                </a:solidFill>
+              </a:rPr>
+              <a:t>1</a:t>
+            </a:r>
+            <a:endParaRPr kumimoji="1" lang="ja-JP" altLang="en-US">
+              <a:solidFill>
+                <a:srgbClr val="FF0000"/>
+              </a:solidFill>
+            </a:endParaRPr>
+          </a:p>
+        </p:txBody>
+      </p:sp>
+      <p:sp>
+        <p:nvSpPr>
+          <p:cNvPr id="15" name="正方形/長方形 14">
+            <a:extLst>
+              <a:ext uri="{FF2B5EF4-FFF2-40B4-BE49-F238E27FC236}">
+                <a16:creationId xmlns:a16="http://schemas.microsoft.com/office/drawing/2014/main" id="{A04A7BDE-E3E7-FA4B-A439-F6261072F61D}"/>
+              </a:ext>
+            </a:extLst>
+          </p:cNvPr>
+          <p:cNvSpPr/>
+          <p:nvPr/>
+        </p:nvSpPr>
+        <p:spPr>
+          <a:xfrm>
+            <a:off x="4515976" y="3339728"/>
+            <a:ext cx="716424" cy="360040"/>
+          </a:xfrm>
+          <a:prstGeom prst="rect">
+            <a:avLst/>
+          </a:prstGeom>
+          <a:noFill/>
+          <a:ln>
+            <a:solidFill>
+              <a:schemeClr val="tx1"/>
+            </a:solidFill>
+          </a:ln>
+        </p:spPr>
+        <p:style>
+          <a:lnRef idx="2">
+            <a:schemeClr val="accent1">
+              <a:shade val="50000"/>
+            </a:schemeClr>
+          </a:lnRef>
+          <a:fillRef idx="1">
+            <a:schemeClr val="accent1"/>
+          </a:fillRef>
+          <a:effectRef idx="0">
+            <a:schemeClr val="accent1"/>
+          </a:effectRef>
+          <a:fontRef idx="minor">
+            <a:schemeClr val="lt1"/>
+          </a:fontRef>
+        </p:style>
+        <p:txBody>
+          <a:bodyPr rtlCol="0" anchor="ctr"/>
+          <a:lstStyle/>
+          <a:p>
+            <a:pPr algn="ctr"/>
+            <a:endParaRPr kumimoji="1" lang="ja-JP" altLang="en-US">
+              <a:solidFill>
+                <a:srgbClr val="FF0000"/>
+              </a:solidFill>
+            </a:endParaRPr>
+          </a:p>
+        </p:txBody>
+      </p:sp>
+      <p:sp>
+        <p:nvSpPr>
+          <p:cNvPr id="19" name="1 つの角を切り取った四角形 18">
+            <a:extLst>
+              <a:ext uri="{FF2B5EF4-FFF2-40B4-BE49-F238E27FC236}">
+                <a16:creationId xmlns:a16="http://schemas.microsoft.com/office/drawing/2014/main" id="{C36BBA6C-0CC3-3A49-8A1E-A635E910A16D}"/>
+              </a:ext>
+            </a:extLst>
+          </p:cNvPr>
+          <p:cNvSpPr/>
+          <p:nvPr/>
+        </p:nvSpPr>
+        <p:spPr>
+          <a:xfrm>
+            <a:off x="3363848" y="2655652"/>
+            <a:ext cx="864096" cy="288032"/>
+          </a:xfrm>
+          <a:prstGeom prst="snip1Rect">
+            <a:avLst/>
+          </a:prstGeom>
+          <a:noFill/>
+          <a:ln>
+            <a:solidFill>
+              <a:schemeClr val="tx1"/>
+            </a:solidFill>
+          </a:ln>
+        </p:spPr>
+        <p:style>
+          <a:lnRef idx="2">
+            <a:schemeClr val="accent1">
+              <a:shade val="50000"/>
+            </a:schemeClr>
+          </a:lnRef>
+          <a:fillRef idx="1">
+            <a:schemeClr val="accent1"/>
+          </a:fillRef>
+          <a:effectRef idx="0">
+            <a:schemeClr val="accent1"/>
+          </a:effectRef>
+          <a:fontRef idx="minor">
+            <a:schemeClr val="lt1"/>
+          </a:fontRef>
+        </p:style>
+        <p:txBody>
+          <a:bodyPr rtlCol="0" anchor="ctr"/>
+          <a:lstStyle/>
+          <a:p>
+            <a:pPr algn="ctr"/>
+            <a:r>
+              <a:rPr kumimoji="1" lang="en-US" altLang="ja-JP" sz="2000">
+                <a:solidFill>
+                  <a:schemeClr val="tx1"/>
+                </a:solidFill>
+              </a:rPr>
+              <a:t>a</a:t>
+            </a:r>
+            <a:endParaRPr kumimoji="1" lang="ja-JP" altLang="en-US" sz="2000">
+              <a:solidFill>
+                <a:schemeClr val="tx1"/>
+              </a:solidFill>
+            </a:endParaRPr>
+          </a:p>
+        </p:txBody>
+      </p:sp>
+      <p:sp>
+        <p:nvSpPr>
+          <p:cNvPr id="20" name="1 つの角を切り取った四角形 19">
+            <a:extLst>
+              <a:ext uri="{FF2B5EF4-FFF2-40B4-BE49-F238E27FC236}">
+                <a16:creationId xmlns:a16="http://schemas.microsoft.com/office/drawing/2014/main" id="{16CFE3E3-AF2C-294E-8329-F30B7496F1A2}"/>
+              </a:ext>
+            </a:extLst>
+          </p:cNvPr>
+          <p:cNvSpPr/>
+          <p:nvPr/>
+        </p:nvSpPr>
+        <p:spPr>
+          <a:xfrm>
+            <a:off x="2834640" y="3015692"/>
+            <a:ext cx="1393304" cy="286308"/>
+          </a:xfrm>
+          <a:prstGeom prst="snip1Rect">
+            <a:avLst/>
+          </a:prstGeom>
+          <a:noFill/>
+          <a:ln>
+            <a:solidFill>
+              <a:schemeClr val="tx1"/>
+            </a:solidFill>
+          </a:ln>
+        </p:spPr>
+        <p:style>
+          <a:lnRef idx="2">
+            <a:schemeClr val="accent1">
+              <a:shade val="50000"/>
+            </a:schemeClr>
+          </a:lnRef>
+          <a:fillRef idx="1">
+            <a:schemeClr val="accent1"/>
+          </a:fillRef>
+          <a:effectRef idx="0">
+            <a:schemeClr val="accent1"/>
+          </a:effectRef>
+          <a:fontRef idx="minor">
+            <a:schemeClr val="lt1"/>
+          </a:fontRef>
+        </p:style>
+        <p:txBody>
+          <a:bodyPr rtlCol="0" anchor="ctr"/>
+          <a:lstStyle/>
+          <a:p>
+            <a:pPr algn="ctr"/>
+            <a:r>
+              <a:rPr kumimoji="1" lang="ja-JP" altLang="en-US" sz="2000">
+                <a:solidFill>
+                  <a:schemeClr val="tx1"/>
+                </a:solidFill>
+              </a:rPr>
+              <a:t>関数</a:t>
+            </a:r>
+            <a:r>
+              <a:rPr lang="ja-JP" altLang="en-US" sz="2000">
+                <a:solidFill>
+                  <a:schemeClr val="tx1"/>
+                </a:solidFill>
+              </a:rPr>
+              <a:t>内の</a:t>
+            </a:r>
+            <a:r>
+              <a:rPr kumimoji="1" lang="en-US" altLang="ja-JP" sz="2000">
+                <a:solidFill>
+                  <a:schemeClr val="tx1"/>
+                </a:solidFill>
+              </a:rPr>
+              <a:t>a</a:t>
+            </a:r>
+            <a:endParaRPr kumimoji="1" lang="ja-JP" altLang="en-US" sz="2000">
+              <a:solidFill>
+                <a:schemeClr val="tx1"/>
+              </a:solidFill>
+            </a:endParaRPr>
+          </a:p>
+        </p:txBody>
+      </p:sp>
+      <p:cxnSp>
+        <p:nvCxnSpPr>
+          <p:cNvPr id="21" name="直線矢印コネクタ 20">
+            <a:extLst>
+              <a:ext uri="{FF2B5EF4-FFF2-40B4-BE49-F238E27FC236}">
+                <a16:creationId xmlns:a16="http://schemas.microsoft.com/office/drawing/2014/main" id="{0424549F-F933-5B49-B8C9-B8644CF66BAC}"/>
+              </a:ext>
+            </a:extLst>
+          </p:cNvPr>
+          <p:cNvCxnSpPr>
+            <a:stCxn id="19" idx="0"/>
+            <a:endCxn id="13" idx="1"/>
+          </p:cNvCxnSpPr>
+          <p:nvPr/>
+        </p:nvCxnSpPr>
+        <p:spPr>
+          <a:xfrm>
+            <a:off x="4227944" y="2799668"/>
+            <a:ext cx="288032" cy="0"/>
+          </a:xfrm>
+          <a:prstGeom prst="straightConnector1">
+            <a:avLst/>
+          </a:prstGeom>
+          <a:ln w="12700">
+            <a:solidFill>
+              <a:schemeClr val="tx1"/>
+            </a:solidFill>
+            <a:tailEnd type="triangle"/>
+          </a:ln>
+        </p:spPr>
+        <p:style>
+          <a:lnRef idx="1">
+            <a:schemeClr val="accent1"/>
+          </a:lnRef>
+          <a:fillRef idx="0">
+            <a:schemeClr val="accent1"/>
+          </a:fillRef>
+          <a:effectRef idx="0">
+            <a:schemeClr val="accent1"/>
+          </a:effectRef>
+          <a:fontRef idx="minor">
+            <a:schemeClr val="tx1"/>
+          </a:fontRef>
+        </p:style>
+      </p:cxnSp>
+      <p:cxnSp>
+        <p:nvCxnSpPr>
+          <p:cNvPr id="22" name="直線矢印コネクタ 21">
+            <a:extLst>
+              <a:ext uri="{FF2B5EF4-FFF2-40B4-BE49-F238E27FC236}">
+                <a16:creationId xmlns:a16="http://schemas.microsoft.com/office/drawing/2014/main" id="{AE5011C6-E9AD-7E40-8623-B5D74651D0D0}"/>
+              </a:ext>
+            </a:extLst>
+          </p:cNvPr>
+          <p:cNvCxnSpPr>
+            <a:cxnSpLocks/>
+            <a:stCxn id="20" idx="0"/>
+            <a:endCxn id="14" idx="1"/>
+          </p:cNvCxnSpPr>
+          <p:nvPr/>
+        </p:nvCxnSpPr>
+        <p:spPr>
+          <a:xfrm>
+            <a:off x="4227944" y="3158846"/>
+            <a:ext cx="288032" cy="862"/>
+          </a:xfrm>
+          <a:prstGeom prst="straightConnector1">
+            <a:avLst/>
+          </a:prstGeom>
+          <a:ln w="12700">
+            <a:solidFill>
+              <a:schemeClr val="tx1"/>
+            </a:solidFill>
+            <a:tailEnd type="triangle"/>
+          </a:ln>
+        </p:spPr>
+        <p:style>
+          <a:lnRef idx="1">
+            <a:schemeClr val="accent1"/>
+          </a:lnRef>
+          <a:fillRef idx="0">
+            <a:schemeClr val="accent1"/>
+          </a:fillRef>
+          <a:effectRef idx="0">
+            <a:schemeClr val="accent1"/>
+          </a:effectRef>
+          <a:fontRef idx="minor">
+            <a:schemeClr val="tx1"/>
+          </a:fontRef>
+        </p:style>
+      </p:cxnSp>
+      <p:sp>
+        <p:nvSpPr>
+          <p:cNvPr id="35" name="右矢印 34">
+            <a:extLst>
+              <a:ext uri="{FF2B5EF4-FFF2-40B4-BE49-F238E27FC236}">
+                <a16:creationId xmlns:a16="http://schemas.microsoft.com/office/drawing/2014/main" id="{B0245862-AA23-9F4D-B7D9-E6C428B15B2D}"/>
+              </a:ext>
+            </a:extLst>
+          </p:cNvPr>
+          <p:cNvSpPr/>
+          <p:nvPr/>
+        </p:nvSpPr>
+        <p:spPr>
+          <a:xfrm>
+            <a:off x="2297440" y="2988960"/>
+            <a:ext cx="360040" cy="288032"/>
+          </a:xfrm>
+          <a:prstGeom prst="rightArrow">
+            <a:avLst/>
+          </a:prstGeom>
+          <a:solidFill>
+            <a:srgbClr val="FF0000"/>
+          </a:solidFill>
+          <a:ln>
+            <a:solidFill>
+              <a:schemeClr val="tx1"/>
+            </a:solidFill>
+          </a:ln>
+        </p:spPr>
+        <p:style>
+          <a:lnRef idx="2">
+            <a:schemeClr val="accent1">
+              <a:shade val="50000"/>
+            </a:schemeClr>
+          </a:lnRef>
+          <a:fillRef idx="1">
+            <a:schemeClr val="accent1"/>
+          </a:fillRef>
+          <a:effectRef idx="0">
+            <a:schemeClr val="accent1"/>
+          </a:effectRef>
+          <a:fontRef idx="minor">
+            <a:schemeClr val="lt1"/>
+          </a:fontRef>
+        </p:style>
+        <p:txBody>
+          <a:bodyPr rtlCol="0" anchor="ctr"/>
+          <a:lstStyle/>
+          <a:p>
+            <a:pPr algn="ctr"/>
+            <a:endParaRPr kumimoji="1" lang="ja-JP" altLang="en-US"/>
+          </a:p>
+        </p:txBody>
+      </p:sp>
+      <p:sp>
+        <p:nvSpPr>
+          <p:cNvPr id="9" name="正方形/長方形 8">
+            <a:extLst>
+              <a:ext uri="{FF2B5EF4-FFF2-40B4-BE49-F238E27FC236}">
+                <a16:creationId xmlns:a16="http://schemas.microsoft.com/office/drawing/2014/main" id="{AC90D4E8-FFE5-A443-A219-5404ED81E0D7}"/>
+              </a:ext>
+            </a:extLst>
+          </p:cNvPr>
+          <p:cNvSpPr/>
+          <p:nvPr/>
+        </p:nvSpPr>
+        <p:spPr>
+          <a:xfrm>
+            <a:off x="416560" y="617696"/>
+            <a:ext cx="2286000" cy="1477328"/>
+          </a:xfrm>
+          <a:prstGeom prst="rect">
+            <a:avLst/>
+          </a:prstGeom>
+          <a:noFill/>
+        </p:spPr>
+        <p:txBody>
+          <a:bodyPr wrap="square">
+            <a:spAutoFit/>
+          </a:bodyPr>
+          <a:lstStyle/>
+          <a:p>
+            <a:r>
+              <a:rPr lang="en" altLang="ja-JP" b="0">
+                <a:effectLst/>
+                <a:latin typeface="Menlo" panose="020B0609030804020204" pitchFamily="49" charset="0"/>
+              </a:rPr>
+              <a:t>def func(a):</a:t>
+            </a:r>
+          </a:p>
+          <a:p>
+            <a:r>
+              <a:rPr lang="en" altLang="ja-JP" b="0">
+                <a:effectLst/>
+                <a:latin typeface="Menlo" panose="020B0609030804020204" pitchFamily="49" charset="0"/>
+              </a:rPr>
+              <a:t>    a = 2</a:t>
+            </a:r>
+          </a:p>
+          <a:p>
+            <a:br>
+              <a:rPr lang="en" altLang="ja-JP" b="0">
+                <a:effectLst/>
+                <a:latin typeface="Menlo" panose="020B0609030804020204" pitchFamily="49" charset="0"/>
+              </a:rPr>
+            </a:br>
+            <a:r>
+              <a:rPr lang="en" altLang="ja-JP" b="0">
+                <a:effectLst/>
+                <a:latin typeface="Menlo" panose="020B0609030804020204" pitchFamily="49" charset="0"/>
+              </a:rPr>
+              <a:t>a = 1</a:t>
+            </a:r>
+          </a:p>
+          <a:p>
+            <a:r>
+              <a:rPr lang="en" altLang="ja-JP" b="0">
+                <a:effectLst/>
+                <a:latin typeface="Menlo" panose="020B0609030804020204" pitchFamily="49" charset="0"/>
+              </a:rPr>
+              <a:t>func(a)</a:t>
+            </a:r>
+          </a:p>
+        </p:txBody>
+      </p:sp>
+      <p:sp>
+        <p:nvSpPr>
+          <p:cNvPr id="38" name="正方形/長方形 37">
+            <a:extLst>
+              <a:ext uri="{FF2B5EF4-FFF2-40B4-BE49-F238E27FC236}">
+                <a16:creationId xmlns:a16="http://schemas.microsoft.com/office/drawing/2014/main" id="{9743C1AD-EE6D-5B40-BF7F-F9BB311AC4B0}"/>
+              </a:ext>
+            </a:extLst>
+          </p:cNvPr>
+          <p:cNvSpPr/>
+          <p:nvPr/>
+        </p:nvSpPr>
+        <p:spPr>
+          <a:xfrm>
+            <a:off x="7523336" y="2579008"/>
+            <a:ext cx="716424" cy="360040"/>
+          </a:xfrm>
+          <a:prstGeom prst="rect">
+            <a:avLst/>
+          </a:prstGeom>
+          <a:noFill/>
+          <a:ln>
+            <a:solidFill>
+              <a:schemeClr val="tx1"/>
+            </a:solidFill>
+          </a:ln>
+        </p:spPr>
+        <p:style>
+          <a:lnRef idx="2">
+            <a:schemeClr val="accent1">
+              <a:shade val="50000"/>
+            </a:schemeClr>
+          </a:lnRef>
+          <a:fillRef idx="1">
+            <a:schemeClr val="accent1"/>
+          </a:fillRef>
+          <a:effectRef idx="0">
+            <a:schemeClr val="accent1"/>
+          </a:effectRef>
+          <a:fontRef idx="minor">
+            <a:schemeClr val="lt1"/>
+          </a:fontRef>
+        </p:style>
+        <p:txBody>
+          <a:bodyPr rtlCol="0" anchor="ctr"/>
+          <a:lstStyle/>
+          <a:p>
+            <a:pPr algn="ctr"/>
+            <a:r>
+              <a:rPr kumimoji="1" lang="en-US" altLang="ja-JP">
+                <a:solidFill>
+                  <a:schemeClr val="tx1"/>
+                </a:solidFill>
+              </a:rPr>
+              <a:t>1</a:t>
+            </a:r>
+            <a:endParaRPr kumimoji="1" lang="ja-JP" altLang="en-US">
+              <a:solidFill>
+                <a:schemeClr val="tx1"/>
+              </a:solidFill>
+            </a:endParaRPr>
+          </a:p>
+        </p:txBody>
+      </p:sp>
+      <p:sp>
+        <p:nvSpPr>
+          <p:cNvPr id="39" name="正方形/長方形 38">
+            <a:extLst>
+              <a:ext uri="{FF2B5EF4-FFF2-40B4-BE49-F238E27FC236}">
+                <a16:creationId xmlns:a16="http://schemas.microsoft.com/office/drawing/2014/main" id="{9D0A8D39-1620-A042-A0F2-0DDC19A8B097}"/>
+              </a:ext>
+            </a:extLst>
+          </p:cNvPr>
+          <p:cNvSpPr/>
+          <p:nvPr/>
+        </p:nvSpPr>
+        <p:spPr>
+          <a:xfrm>
+            <a:off x="7523336" y="2939048"/>
+            <a:ext cx="716424" cy="360040"/>
+          </a:xfrm>
+          <a:prstGeom prst="rect">
+            <a:avLst/>
+          </a:prstGeom>
+          <a:noFill/>
+          <a:ln>
+            <a:solidFill>
+              <a:schemeClr val="tx1"/>
+            </a:solidFill>
+          </a:ln>
+        </p:spPr>
+        <p:style>
+          <a:lnRef idx="2">
+            <a:schemeClr val="accent1">
+              <a:shade val="50000"/>
+            </a:schemeClr>
+          </a:lnRef>
+          <a:fillRef idx="1">
+            <a:schemeClr val="accent1"/>
+          </a:fillRef>
+          <a:effectRef idx="0">
+            <a:schemeClr val="accent1"/>
+          </a:effectRef>
+          <a:fontRef idx="minor">
+            <a:schemeClr val="lt1"/>
+          </a:fontRef>
+        </p:style>
+        <p:txBody>
+          <a:bodyPr rtlCol="0" anchor="ctr"/>
+          <a:lstStyle/>
+          <a:p>
+            <a:pPr algn="ctr"/>
+            <a:r>
+              <a:rPr kumimoji="1" lang="en-US" altLang="ja-JP">
+                <a:solidFill>
+                  <a:srgbClr val="FF0000"/>
+                </a:solidFill>
+              </a:rPr>
+              <a:t>2</a:t>
+            </a:r>
+            <a:endParaRPr kumimoji="1" lang="ja-JP" altLang="en-US">
+              <a:solidFill>
+                <a:srgbClr val="FF0000"/>
+              </a:solidFill>
+            </a:endParaRPr>
+          </a:p>
+        </p:txBody>
+      </p:sp>
+      <p:sp>
+        <p:nvSpPr>
+          <p:cNvPr id="40" name="正方形/長方形 39">
+            <a:extLst>
+              <a:ext uri="{FF2B5EF4-FFF2-40B4-BE49-F238E27FC236}">
+                <a16:creationId xmlns:a16="http://schemas.microsoft.com/office/drawing/2014/main" id="{63F57F4A-8A1A-B541-9779-340160A34E19}"/>
+              </a:ext>
+            </a:extLst>
+          </p:cNvPr>
+          <p:cNvSpPr/>
+          <p:nvPr/>
+        </p:nvSpPr>
+        <p:spPr>
+          <a:xfrm>
+            <a:off x="7523336" y="3299088"/>
+            <a:ext cx="716424" cy="360040"/>
+          </a:xfrm>
+          <a:prstGeom prst="rect">
+            <a:avLst/>
+          </a:prstGeom>
+          <a:noFill/>
+          <a:ln>
+            <a:solidFill>
+              <a:schemeClr val="tx1"/>
+            </a:solidFill>
+          </a:ln>
+        </p:spPr>
+        <p:style>
+          <a:lnRef idx="2">
+            <a:schemeClr val="accent1">
+              <a:shade val="50000"/>
+            </a:schemeClr>
+          </a:lnRef>
+          <a:fillRef idx="1">
+            <a:schemeClr val="accent1"/>
+          </a:fillRef>
+          <a:effectRef idx="0">
+            <a:schemeClr val="accent1"/>
+          </a:effectRef>
+          <a:fontRef idx="minor">
+            <a:schemeClr val="lt1"/>
+          </a:fontRef>
+        </p:style>
+        <p:txBody>
+          <a:bodyPr rtlCol="0" anchor="ctr"/>
+          <a:lstStyle/>
+          <a:p>
+            <a:pPr algn="ctr"/>
+            <a:endParaRPr kumimoji="1" lang="ja-JP" altLang="en-US">
+              <a:solidFill>
+                <a:srgbClr val="FF0000"/>
+              </a:solidFill>
+            </a:endParaRPr>
+          </a:p>
+        </p:txBody>
+      </p:sp>
+      <p:sp>
+        <p:nvSpPr>
+          <p:cNvPr id="41" name="1 つの角を切り取った四角形 40">
+            <a:extLst>
+              <a:ext uri="{FF2B5EF4-FFF2-40B4-BE49-F238E27FC236}">
+                <a16:creationId xmlns:a16="http://schemas.microsoft.com/office/drawing/2014/main" id="{B618EE86-EB38-114C-A87F-7012C8B8BD0D}"/>
+              </a:ext>
+            </a:extLst>
+          </p:cNvPr>
+          <p:cNvSpPr/>
+          <p:nvPr/>
+        </p:nvSpPr>
+        <p:spPr>
+          <a:xfrm>
+            <a:off x="6371208" y="2615012"/>
+            <a:ext cx="864096" cy="288032"/>
+          </a:xfrm>
+          <a:prstGeom prst="snip1Rect">
+            <a:avLst/>
+          </a:prstGeom>
+          <a:noFill/>
+          <a:ln>
+            <a:solidFill>
+              <a:schemeClr val="tx1"/>
+            </a:solidFill>
+          </a:ln>
+        </p:spPr>
+        <p:style>
+          <a:lnRef idx="2">
+            <a:schemeClr val="accent1">
+              <a:shade val="50000"/>
+            </a:schemeClr>
+          </a:lnRef>
+          <a:fillRef idx="1">
+            <a:schemeClr val="accent1"/>
+          </a:fillRef>
+          <a:effectRef idx="0">
+            <a:schemeClr val="accent1"/>
+          </a:effectRef>
+          <a:fontRef idx="minor">
+            <a:schemeClr val="lt1"/>
+          </a:fontRef>
+        </p:style>
+        <p:txBody>
+          <a:bodyPr rtlCol="0" anchor="ctr"/>
+          <a:lstStyle/>
+          <a:p>
+            <a:pPr algn="ctr"/>
+            <a:r>
+              <a:rPr kumimoji="1" lang="en-US" altLang="ja-JP" sz="2000">
+                <a:solidFill>
+                  <a:schemeClr val="tx1"/>
+                </a:solidFill>
+              </a:rPr>
+              <a:t>a</a:t>
+            </a:r>
+            <a:endParaRPr kumimoji="1" lang="ja-JP" altLang="en-US" sz="2000">
+              <a:solidFill>
+                <a:schemeClr val="tx1"/>
+              </a:solidFill>
+            </a:endParaRPr>
+          </a:p>
+        </p:txBody>
+      </p:sp>
+      <p:sp>
+        <p:nvSpPr>
+          <p:cNvPr id="42" name="1 つの角を切り取った四角形 41">
+            <a:extLst>
+              <a:ext uri="{FF2B5EF4-FFF2-40B4-BE49-F238E27FC236}">
+                <a16:creationId xmlns:a16="http://schemas.microsoft.com/office/drawing/2014/main" id="{9F36158E-D550-2F40-A5B5-D5EE31F83B85}"/>
+              </a:ext>
+            </a:extLst>
+          </p:cNvPr>
+          <p:cNvSpPr/>
+          <p:nvPr/>
+        </p:nvSpPr>
+        <p:spPr>
+          <a:xfrm>
+            <a:off x="5842000" y="2975052"/>
+            <a:ext cx="1393304" cy="286308"/>
+          </a:xfrm>
+          <a:prstGeom prst="snip1Rect">
+            <a:avLst/>
+          </a:prstGeom>
+          <a:noFill/>
+          <a:ln>
+            <a:solidFill>
+              <a:schemeClr val="tx1"/>
+            </a:solidFill>
+          </a:ln>
+        </p:spPr>
+        <p:style>
+          <a:lnRef idx="2">
+            <a:schemeClr val="accent1">
+              <a:shade val="50000"/>
+            </a:schemeClr>
+          </a:lnRef>
+          <a:fillRef idx="1">
+            <a:schemeClr val="accent1"/>
+          </a:fillRef>
+          <a:effectRef idx="0">
+            <a:schemeClr val="accent1"/>
+          </a:effectRef>
+          <a:fontRef idx="minor">
+            <a:schemeClr val="lt1"/>
+          </a:fontRef>
+        </p:style>
+        <p:txBody>
+          <a:bodyPr rtlCol="0" anchor="ctr"/>
+          <a:lstStyle/>
+          <a:p>
+            <a:pPr algn="ctr"/>
+            <a:r>
+              <a:rPr kumimoji="1" lang="ja-JP" altLang="en-US" sz="2000">
+                <a:solidFill>
+                  <a:schemeClr val="tx1"/>
+                </a:solidFill>
+              </a:rPr>
+              <a:t>関数</a:t>
+            </a:r>
+            <a:r>
+              <a:rPr lang="ja-JP" altLang="en-US" sz="2000">
+                <a:solidFill>
+                  <a:schemeClr val="tx1"/>
+                </a:solidFill>
+              </a:rPr>
+              <a:t>内の</a:t>
+            </a:r>
+            <a:r>
+              <a:rPr kumimoji="1" lang="en-US" altLang="ja-JP" sz="2000">
+                <a:solidFill>
+                  <a:schemeClr val="tx1"/>
+                </a:solidFill>
+              </a:rPr>
+              <a:t>a</a:t>
+            </a:r>
+            <a:endParaRPr kumimoji="1" lang="ja-JP" altLang="en-US" sz="2000">
+              <a:solidFill>
+                <a:schemeClr val="tx1"/>
+              </a:solidFill>
+            </a:endParaRPr>
+          </a:p>
+        </p:txBody>
+      </p:sp>
+      <p:cxnSp>
+        <p:nvCxnSpPr>
+          <p:cNvPr id="43" name="直線矢印コネクタ 42">
+            <a:extLst>
+              <a:ext uri="{FF2B5EF4-FFF2-40B4-BE49-F238E27FC236}">
+                <a16:creationId xmlns:a16="http://schemas.microsoft.com/office/drawing/2014/main" id="{A938D5C9-F76B-D14E-8556-8C1AB84332CE}"/>
+              </a:ext>
+            </a:extLst>
+          </p:cNvPr>
+          <p:cNvCxnSpPr>
+            <a:stCxn id="41" idx="0"/>
+            <a:endCxn id="38" idx="1"/>
+          </p:cNvCxnSpPr>
+          <p:nvPr/>
+        </p:nvCxnSpPr>
+        <p:spPr>
+          <a:xfrm>
+            <a:off x="7235304" y="2759028"/>
+            <a:ext cx="288032" cy="0"/>
+          </a:xfrm>
+          <a:prstGeom prst="straightConnector1">
+            <a:avLst/>
+          </a:prstGeom>
+          <a:ln w="12700">
+            <a:solidFill>
+              <a:schemeClr val="tx1"/>
+            </a:solidFill>
+            <a:tailEnd type="triangle"/>
+          </a:ln>
+        </p:spPr>
+        <p:style>
+          <a:lnRef idx="1">
+            <a:schemeClr val="accent1"/>
+          </a:lnRef>
+          <a:fillRef idx="0">
+            <a:schemeClr val="accent1"/>
+          </a:fillRef>
+          <a:effectRef idx="0">
+            <a:schemeClr val="accent1"/>
+          </a:effectRef>
+          <a:fontRef idx="minor">
+            <a:schemeClr val="tx1"/>
+          </a:fontRef>
+        </p:style>
+      </p:cxnSp>
+      <p:cxnSp>
+        <p:nvCxnSpPr>
+          <p:cNvPr id="44" name="直線矢印コネクタ 43">
+            <a:extLst>
+              <a:ext uri="{FF2B5EF4-FFF2-40B4-BE49-F238E27FC236}">
+                <a16:creationId xmlns:a16="http://schemas.microsoft.com/office/drawing/2014/main" id="{AF1A3598-B147-524C-AAE1-F2FA9541F586}"/>
+              </a:ext>
+            </a:extLst>
+          </p:cNvPr>
+          <p:cNvCxnSpPr>
+            <a:cxnSpLocks/>
+            <a:stCxn id="42" idx="0"/>
+            <a:endCxn id="39" idx="1"/>
+          </p:cNvCxnSpPr>
+          <p:nvPr/>
+        </p:nvCxnSpPr>
+        <p:spPr>
+          <a:xfrm>
+            <a:off x="7235304" y="3118206"/>
+            <a:ext cx="288032" cy="862"/>
+          </a:xfrm>
+          <a:prstGeom prst="straightConnector1">
+            <a:avLst/>
+          </a:prstGeom>
+          <a:ln w="12700">
+            <a:solidFill>
+              <a:schemeClr val="tx1"/>
+            </a:solidFill>
+            <a:tailEnd type="triangle"/>
+          </a:ln>
+        </p:spPr>
+        <p:style>
+          <a:lnRef idx="1">
+            <a:schemeClr val="accent1"/>
+          </a:lnRef>
+          <a:fillRef idx="0">
+            <a:schemeClr val="accent1"/>
+          </a:fillRef>
+          <a:effectRef idx="0">
+            <a:schemeClr val="accent1"/>
+          </a:effectRef>
+          <a:fontRef idx="minor">
+            <a:schemeClr val="tx1"/>
+          </a:fontRef>
+        </p:style>
+      </p:cxnSp>
+      <p:sp>
+        <p:nvSpPr>
+          <p:cNvPr id="45" name="右矢印 44">
+            <a:extLst>
+              <a:ext uri="{FF2B5EF4-FFF2-40B4-BE49-F238E27FC236}">
+                <a16:creationId xmlns:a16="http://schemas.microsoft.com/office/drawing/2014/main" id="{F72596A6-3FEF-7047-86A5-FC4ECDFA659A}"/>
+              </a:ext>
+            </a:extLst>
+          </p:cNvPr>
+          <p:cNvSpPr/>
+          <p:nvPr/>
+        </p:nvSpPr>
+        <p:spPr>
+          <a:xfrm>
+            <a:off x="5304800" y="2948320"/>
+            <a:ext cx="360040" cy="288032"/>
+          </a:xfrm>
+          <a:prstGeom prst="rightArrow">
+            <a:avLst/>
+          </a:prstGeom>
+          <a:solidFill>
+            <a:srgbClr val="FF0000"/>
+          </a:solidFill>
+          <a:ln>
+            <a:solidFill>
+              <a:schemeClr val="tx1"/>
+            </a:solidFill>
+          </a:ln>
+        </p:spPr>
+        <p:style>
+          <a:lnRef idx="2">
+            <a:schemeClr val="accent1">
+              <a:shade val="50000"/>
+            </a:schemeClr>
+          </a:lnRef>
+          <a:fillRef idx="1">
+            <a:schemeClr val="accent1"/>
+          </a:fillRef>
+          <a:effectRef idx="0">
+            <a:schemeClr val="accent1"/>
+          </a:effectRef>
+          <a:fontRef idx="minor">
+            <a:schemeClr val="lt1"/>
+          </a:fontRef>
+        </p:style>
+        <p:txBody>
+          <a:bodyPr rtlCol="0" anchor="ctr"/>
+          <a:lstStyle/>
+          <a:p>
+            <a:pPr algn="ctr"/>
+            <a:endParaRPr kumimoji="1" lang="ja-JP" altLang="en-US"/>
+          </a:p>
+        </p:txBody>
+      </p:sp>
+      <p:sp>
+        <p:nvSpPr>
+          <p:cNvPr id="18" name="テキスト ボックス 17">
+            <a:extLst>
+              <a:ext uri="{FF2B5EF4-FFF2-40B4-BE49-F238E27FC236}">
+                <a16:creationId xmlns:a16="http://schemas.microsoft.com/office/drawing/2014/main" id="{8250C8C4-62C1-164D-8F06-A8C1330EB423}"/>
+              </a:ext>
+            </a:extLst>
+          </p:cNvPr>
+          <p:cNvSpPr txBox="1"/>
+          <p:nvPr/>
+        </p:nvSpPr>
+        <p:spPr>
+          <a:xfrm>
+            <a:off x="2997200" y="599440"/>
+            <a:ext cx="3757760" cy="369332"/>
+          </a:xfrm>
+          <a:prstGeom prst="rect">
+            <a:avLst/>
+          </a:prstGeom>
+          <a:noFill/>
+        </p:spPr>
+        <p:txBody>
+          <a:bodyPr wrap="none" rtlCol="0">
+            <a:spAutoFit/>
+          </a:bodyPr>
+          <a:lstStyle/>
+          <a:p>
+            <a:r>
+              <a:rPr kumimoji="1" lang="en-US" altLang="ja-JP"/>
+              <a:t>a</a:t>
+            </a:r>
+            <a:r>
+              <a:rPr lang="ja-JP" altLang="en-US"/>
+              <a:t>の値がコピーされて渡されてくる</a:t>
+            </a:r>
+            <a:endParaRPr kumimoji="1" lang="ja-JP" altLang="en-US"/>
+          </a:p>
+        </p:txBody>
+      </p:sp>
+      <p:sp>
+        <p:nvSpPr>
+          <p:cNvPr id="48" name="テキスト ボックス 47">
+            <a:extLst>
+              <a:ext uri="{FF2B5EF4-FFF2-40B4-BE49-F238E27FC236}">
+                <a16:creationId xmlns:a16="http://schemas.microsoft.com/office/drawing/2014/main" id="{CE1F415F-9D83-3144-A2AF-DA95B9D092A8}"/>
+              </a:ext>
+            </a:extLst>
+          </p:cNvPr>
+          <p:cNvSpPr txBox="1"/>
+          <p:nvPr/>
+        </p:nvSpPr>
+        <p:spPr>
+          <a:xfrm>
+            <a:off x="5598160" y="1402080"/>
+            <a:ext cx="2834430" cy="646331"/>
+          </a:xfrm>
+          <a:prstGeom prst="rect">
+            <a:avLst/>
+          </a:prstGeom>
+          <a:noFill/>
+        </p:spPr>
+        <p:txBody>
+          <a:bodyPr wrap="none" rtlCol="0">
+            <a:spAutoFit/>
+          </a:bodyPr>
+          <a:lstStyle/>
+          <a:p>
+            <a:r>
+              <a:rPr kumimoji="1" lang="ja-JP" altLang="en-US"/>
+              <a:t>関数内の</a:t>
+            </a:r>
+            <a:r>
+              <a:rPr kumimoji="1" lang="en-US" altLang="ja-JP"/>
+              <a:t>a</a:t>
+            </a:r>
+            <a:r>
+              <a:rPr kumimoji="1" lang="ja-JP" altLang="en-US"/>
+              <a:t>が修正されても</a:t>
+            </a:r>
+            <a:endParaRPr kumimoji="1" lang="en-US" altLang="ja-JP"/>
+          </a:p>
+          <a:p>
+            <a:r>
+              <a:rPr kumimoji="1" lang="ja-JP" altLang="en-US"/>
+              <a:t>元の</a:t>
+            </a:r>
+            <a:r>
+              <a:rPr kumimoji="1" lang="en-US" altLang="ja-JP"/>
+              <a:t>a</a:t>
+            </a:r>
+            <a:r>
+              <a:rPr kumimoji="1" lang="ja-JP" altLang="en-US"/>
+              <a:t>は</a:t>
+            </a:r>
+            <a:r>
+              <a:rPr lang="ja-JP" altLang="en-US"/>
+              <a:t>影響を受けない</a:t>
+            </a:r>
+            <a:endParaRPr kumimoji="1" lang="ja-JP" altLang="en-US"/>
+          </a:p>
+        </p:txBody>
+      </p:sp>
+      <p:cxnSp>
+        <p:nvCxnSpPr>
+          <p:cNvPr id="50" name="直線矢印コネクタ 49">
+            <a:extLst>
+              <a:ext uri="{FF2B5EF4-FFF2-40B4-BE49-F238E27FC236}">
+                <a16:creationId xmlns:a16="http://schemas.microsoft.com/office/drawing/2014/main" id="{DB9D6DC7-DC53-9D48-AA32-EA8388635147}"/>
+              </a:ext>
+            </a:extLst>
+          </p:cNvPr>
+          <p:cNvCxnSpPr>
+            <a:cxnSpLocks/>
+          </p:cNvCxnSpPr>
+          <p:nvPr/>
+        </p:nvCxnSpPr>
+        <p:spPr>
+          <a:xfrm flipH="1">
+            <a:off x="2194560" y="794266"/>
+            <a:ext cx="822960" cy="0"/>
+          </a:xfrm>
+          <a:prstGeom prst="straightConnector1">
+            <a:avLst/>
+          </a:prstGeom>
+          <a:ln w="12700">
+            <a:solidFill>
+              <a:schemeClr val="tx1"/>
+            </a:solidFill>
+            <a:tailEnd type="triangle"/>
+          </a:ln>
+        </p:spPr>
+        <p:style>
+          <a:lnRef idx="1">
+            <a:schemeClr val="accent1"/>
+          </a:lnRef>
+          <a:fillRef idx="0">
+            <a:schemeClr val="accent1"/>
+          </a:fillRef>
+          <a:effectRef idx="0">
+            <a:schemeClr val="accent1"/>
+          </a:effectRef>
+          <a:fontRef idx="minor">
+            <a:schemeClr val="tx1"/>
+          </a:fontRef>
+        </p:style>
+      </p:cxnSp>
+      <p:cxnSp>
+        <p:nvCxnSpPr>
+          <p:cNvPr id="53" name="直線矢印コネクタ 52">
+            <a:extLst>
+              <a:ext uri="{FF2B5EF4-FFF2-40B4-BE49-F238E27FC236}">
+                <a16:creationId xmlns:a16="http://schemas.microsoft.com/office/drawing/2014/main" id="{74B865A5-15B2-964E-9C75-5F7CF048F104}"/>
+              </a:ext>
+            </a:extLst>
+          </p:cNvPr>
+          <p:cNvCxnSpPr>
+            <a:cxnSpLocks/>
+            <a:stCxn id="48" idx="1"/>
+          </p:cNvCxnSpPr>
+          <p:nvPr/>
+        </p:nvCxnSpPr>
+        <p:spPr>
+          <a:xfrm flipH="1" flipV="1">
+            <a:off x="2123440" y="1127762"/>
+            <a:ext cx="3474720" cy="597484"/>
+          </a:xfrm>
+          <a:prstGeom prst="straightConnector1">
+            <a:avLst/>
+          </a:prstGeom>
+          <a:ln w="12700">
+            <a:solidFill>
+              <a:schemeClr val="tx1"/>
+            </a:solidFill>
+            <a:tailEnd type="triangle"/>
+          </a:ln>
+        </p:spPr>
+        <p:style>
+          <a:lnRef idx="1">
+            <a:schemeClr val="accent1"/>
+          </a:lnRef>
+          <a:fillRef idx="0">
+            <a:schemeClr val="accent1"/>
+          </a:fillRef>
+          <a:effectRef idx="0">
+            <a:schemeClr val="accent1"/>
+          </a:effectRef>
+          <a:fontRef idx="minor">
+            <a:schemeClr val="tx1"/>
+          </a:fontRef>
+        </p:style>
+      </p:cxnSp>
+    </p:spTree>
+    <p:extLst>
+      <p:ext uri="{BB962C8B-B14F-4D97-AF65-F5344CB8AC3E}">
+        <p14:creationId xmlns:p14="http://schemas.microsoft.com/office/powerpoint/2010/main" val="2898678543"/>
+      </p:ext>
+    </p:extLst>
+  </p:cSld>
+  <p:clrMapOvr>
+    <a:masterClrMapping/>
+  </p:clrMapOvr>
+</p:sld>
+</file>
+
+<file path=ppt/slides/slide7.xml><?xml version="1.0" encoding="utf-8"?>
+<p:sld xmlns:a="http://schemas.openxmlformats.org/drawingml/2006/main" xmlns:r="http://schemas.openxmlformats.org/officeDocument/2006/relationships" xmlns:p="http://schemas.openxmlformats.org/presentationml/2006/main">
+  <p:cSld>
+    <p:spTree>
+      <p:nvGrpSpPr>
+        <p:cNvPr id="1" name=""/>
+        <p:cNvGrpSpPr/>
+        <p:nvPr/>
+      </p:nvGrpSpPr>
+      <p:grpSpPr>
+        <a:xfrm>
+          <a:off x="0" y="0"/>
+          <a:ext cx="0" cy="0"/>
+          <a:chOff x="0" y="0"/>
+          <a:chExt cx="0" cy="0"/>
+        </a:xfrm>
+      </p:grpSpPr>
+      <p:sp>
+        <p:nvSpPr>
+          <p:cNvPr id="32" name="正方形/長方形 31">
+            <a:extLst>
+              <a:ext uri="{FF2B5EF4-FFF2-40B4-BE49-F238E27FC236}">
+                <a16:creationId xmlns:a16="http://schemas.microsoft.com/office/drawing/2014/main" id="{DE1A7C5D-560E-AA42-97B4-F4D55B0DE075}"/>
+              </a:ext>
+            </a:extLst>
+          </p:cNvPr>
+          <p:cNvSpPr/>
+          <p:nvPr/>
+        </p:nvSpPr>
+        <p:spPr>
+          <a:xfrm>
+            <a:off x="2890952" y="568960"/>
+            <a:ext cx="1955368" cy="1723112"/>
+          </a:xfrm>
+          <a:prstGeom prst="rect">
+            <a:avLst/>
+          </a:prstGeom>
+          <a:solidFill>
+            <a:schemeClr val="accent1">
+              <a:lumMod val="20000"/>
+              <a:lumOff val="80000"/>
+            </a:schemeClr>
+          </a:solidFill>
+          <a:ln>
+            <a:noFill/>
+          </a:ln>
+        </p:spPr>
+        <p:style>
+          <a:lnRef idx="2">
+            <a:schemeClr val="accent1">
+              <a:shade val="50000"/>
+            </a:schemeClr>
+          </a:lnRef>
+          <a:fillRef idx="1">
+            <a:schemeClr val="accent1"/>
+          </a:fillRef>
+          <a:effectRef idx="0">
+            <a:schemeClr val="accent1"/>
+          </a:effectRef>
+          <a:fontRef idx="minor">
+            <a:schemeClr val="lt1"/>
+          </a:fontRef>
+        </p:style>
+        <p:txBody>
+          <a:bodyPr rtlCol="0" anchor="ctr"/>
+          <a:lstStyle/>
+          <a:p>
+            <a:pPr algn="ctr"/>
+            <a:endParaRPr kumimoji="1" lang="ja-JP" altLang="en-US">
+              <a:solidFill>
+                <a:schemeClr val="tx1"/>
+              </a:solidFill>
+            </a:endParaRPr>
+          </a:p>
+        </p:txBody>
+      </p:sp>
+      <p:sp>
+        <p:nvSpPr>
+          <p:cNvPr id="33" name="正方形/長方形 32">
+            <a:extLst>
+              <a:ext uri="{FF2B5EF4-FFF2-40B4-BE49-F238E27FC236}">
+                <a16:creationId xmlns:a16="http://schemas.microsoft.com/office/drawing/2014/main" id="{52B0831C-8AEA-8443-8AA7-9C2BB8EEC752}"/>
+              </a:ext>
+            </a:extLst>
+          </p:cNvPr>
+          <p:cNvSpPr/>
+          <p:nvPr/>
+        </p:nvSpPr>
+        <p:spPr>
+          <a:xfrm>
+            <a:off x="3516928" y="943248"/>
+            <a:ext cx="1319232" cy="316592"/>
+          </a:xfrm>
+          <a:prstGeom prst="rect">
+            <a:avLst/>
+          </a:prstGeom>
+          <a:solidFill>
+            <a:srgbClr val="FF8AD8"/>
+          </a:solidFill>
+          <a:ln>
+            <a:noFill/>
+          </a:ln>
+        </p:spPr>
+        <p:style>
+          <a:lnRef idx="2">
+            <a:schemeClr val="accent1">
+              <a:shade val="50000"/>
+            </a:schemeClr>
+          </a:lnRef>
+          <a:fillRef idx="1">
+            <a:schemeClr val="accent1"/>
+          </a:fillRef>
+          <a:effectRef idx="0">
+            <a:schemeClr val="accent1"/>
+          </a:effectRef>
+          <a:fontRef idx="minor">
+            <a:schemeClr val="lt1"/>
+          </a:fontRef>
+        </p:style>
+        <p:txBody>
+          <a:bodyPr rtlCol="0" anchor="ctr"/>
+          <a:lstStyle/>
+          <a:p>
+            <a:pPr algn="ctr"/>
+            <a:endParaRPr kumimoji="1" lang="ja-JP" altLang="en-US">
+              <a:solidFill>
+                <a:schemeClr val="tx1"/>
+              </a:solidFill>
+            </a:endParaRPr>
+          </a:p>
+        </p:txBody>
+      </p:sp>
+      <p:sp>
+        <p:nvSpPr>
+          <p:cNvPr id="2" name="正方形/長方形 1">
+            <a:extLst>
+              <a:ext uri="{FF2B5EF4-FFF2-40B4-BE49-F238E27FC236}">
+                <a16:creationId xmlns:a16="http://schemas.microsoft.com/office/drawing/2014/main" id="{F007C013-C30A-D44C-8E84-60DA42E09C76}"/>
+              </a:ext>
+            </a:extLst>
+          </p:cNvPr>
+          <p:cNvSpPr/>
+          <p:nvPr/>
+        </p:nvSpPr>
+        <p:spPr>
+          <a:xfrm>
+            <a:off x="1517184" y="3614440"/>
+            <a:ext cx="1440160" cy="360040"/>
+          </a:xfrm>
+          <a:prstGeom prst="rect">
+            <a:avLst/>
+          </a:prstGeom>
+          <a:noFill/>
+          <a:ln>
+            <a:solidFill>
+              <a:schemeClr val="tx1"/>
+            </a:solidFill>
+          </a:ln>
+        </p:spPr>
+        <p:style>
+          <a:lnRef idx="2">
+            <a:schemeClr val="accent1">
+              <a:shade val="50000"/>
+            </a:schemeClr>
+          </a:lnRef>
+          <a:fillRef idx="1">
+            <a:schemeClr val="accent1"/>
+          </a:fillRef>
+          <a:effectRef idx="0">
+            <a:schemeClr val="accent1"/>
+          </a:effectRef>
+          <a:fontRef idx="minor">
+            <a:schemeClr val="lt1"/>
+          </a:fontRef>
+        </p:style>
+        <p:txBody>
+          <a:bodyPr rtlCol="0" anchor="ctr"/>
+          <a:lstStyle/>
+          <a:p>
+            <a:pPr algn="ctr"/>
+            <a:r>
+              <a:rPr kumimoji="1" lang="en-US" altLang="ja-JP">
+                <a:solidFill>
+                  <a:schemeClr val="tx1"/>
+                </a:solidFill>
+              </a:rPr>
+              <a:t>3</a:t>
+            </a:r>
+            <a:endParaRPr kumimoji="1" lang="ja-JP" altLang="en-US">
+              <a:solidFill>
+                <a:schemeClr val="tx1"/>
+              </a:solidFill>
+            </a:endParaRPr>
+          </a:p>
+        </p:txBody>
+      </p:sp>
+      <p:sp>
+        <p:nvSpPr>
+          <p:cNvPr id="3" name="正方形/長方形 2">
+            <a:extLst>
+              <a:ext uri="{FF2B5EF4-FFF2-40B4-BE49-F238E27FC236}">
+                <a16:creationId xmlns:a16="http://schemas.microsoft.com/office/drawing/2014/main" id="{0B0627BB-4BBB-854C-9F3F-0ACCDA62B08F}"/>
+              </a:ext>
+            </a:extLst>
+          </p:cNvPr>
+          <p:cNvSpPr/>
+          <p:nvPr/>
+        </p:nvSpPr>
+        <p:spPr>
+          <a:xfrm>
+            <a:off x="1517184" y="3974480"/>
+            <a:ext cx="1440160" cy="360040"/>
+          </a:xfrm>
+          <a:prstGeom prst="rect">
+            <a:avLst/>
+          </a:prstGeom>
+          <a:noFill/>
+          <a:ln>
+            <a:solidFill>
+              <a:schemeClr val="tx1"/>
+            </a:solidFill>
+          </a:ln>
+        </p:spPr>
+        <p:style>
+          <a:lnRef idx="2">
+            <a:schemeClr val="accent1">
+              <a:shade val="50000"/>
+            </a:schemeClr>
+          </a:lnRef>
+          <a:fillRef idx="1">
+            <a:schemeClr val="accent1"/>
+          </a:fillRef>
+          <a:effectRef idx="0">
+            <a:schemeClr val="accent1"/>
+          </a:effectRef>
+          <a:fontRef idx="minor">
+            <a:schemeClr val="lt1"/>
+          </a:fontRef>
+        </p:style>
+        <p:txBody>
+          <a:bodyPr rtlCol="0" anchor="ctr"/>
+          <a:lstStyle/>
+          <a:p>
+            <a:pPr algn="ctr"/>
+            <a:r>
+              <a:rPr kumimoji="1" lang="en-US" altLang="ja-JP" sz="1600">
+                <a:solidFill>
+                  <a:schemeClr val="tx1"/>
+                </a:solidFill>
+              </a:rPr>
+              <a:t>0</a:t>
+            </a:r>
+            <a:r>
+              <a:rPr kumimoji="1" lang="ja-JP" altLang="en-US" sz="1600">
+                <a:solidFill>
+                  <a:schemeClr val="tx1"/>
+                </a:solidFill>
+              </a:rPr>
+              <a:t>番地を見よ</a:t>
+            </a:r>
+          </a:p>
+        </p:txBody>
+      </p:sp>
+      <p:sp>
+        <p:nvSpPr>
+          <p:cNvPr id="4" name="正方形/長方形 3">
+            <a:extLst>
+              <a:ext uri="{FF2B5EF4-FFF2-40B4-BE49-F238E27FC236}">
+                <a16:creationId xmlns:a16="http://schemas.microsoft.com/office/drawing/2014/main" id="{6E508DDC-24C7-2C4E-846D-8E6AF700AFA9}"/>
+              </a:ext>
+            </a:extLst>
+          </p:cNvPr>
+          <p:cNvSpPr/>
+          <p:nvPr/>
+        </p:nvSpPr>
+        <p:spPr>
+          <a:xfrm>
+            <a:off x="1517184" y="4334520"/>
+            <a:ext cx="1440160" cy="360040"/>
+          </a:xfrm>
+          <a:prstGeom prst="rect">
+            <a:avLst/>
+          </a:prstGeom>
+          <a:noFill/>
+          <a:ln>
+            <a:solidFill>
+              <a:schemeClr val="tx1"/>
+            </a:solidFill>
+          </a:ln>
+        </p:spPr>
+        <p:style>
+          <a:lnRef idx="2">
+            <a:schemeClr val="accent1">
+              <a:shade val="50000"/>
+            </a:schemeClr>
+          </a:lnRef>
+          <a:fillRef idx="1">
+            <a:schemeClr val="accent1"/>
+          </a:fillRef>
+          <a:effectRef idx="0">
+            <a:schemeClr val="accent1"/>
+          </a:effectRef>
+          <a:fontRef idx="minor">
+            <a:schemeClr val="lt1"/>
+          </a:fontRef>
+        </p:style>
+        <p:txBody>
+          <a:bodyPr rtlCol="0" anchor="ctr"/>
+          <a:lstStyle/>
+          <a:p>
+            <a:pPr algn="ctr"/>
+            <a:r>
+              <a:rPr lang="en-US" altLang="ja-JP" sz="1600">
+                <a:solidFill>
+                  <a:srgbClr val="FF0000"/>
+                </a:solidFill>
+              </a:rPr>
+              <a:t>0</a:t>
+            </a:r>
+            <a:r>
+              <a:rPr lang="ja-JP" altLang="en-US" sz="1600">
+                <a:solidFill>
+                  <a:srgbClr val="FF0000"/>
+                </a:solidFill>
+              </a:rPr>
+              <a:t>番地を見よ</a:t>
+            </a:r>
+          </a:p>
+        </p:txBody>
+      </p:sp>
+      <p:sp>
+        <p:nvSpPr>
+          <p:cNvPr id="5" name="正方形/長方形 4">
+            <a:extLst>
+              <a:ext uri="{FF2B5EF4-FFF2-40B4-BE49-F238E27FC236}">
+                <a16:creationId xmlns:a16="http://schemas.microsoft.com/office/drawing/2014/main" id="{F7DE84EA-6521-5240-9979-FBE787011B29}"/>
+              </a:ext>
+            </a:extLst>
+          </p:cNvPr>
+          <p:cNvSpPr/>
+          <p:nvPr/>
+        </p:nvSpPr>
+        <p:spPr>
+          <a:xfrm>
+            <a:off x="1517184" y="4694560"/>
+            <a:ext cx="1440160" cy="360040"/>
+          </a:xfrm>
+          <a:prstGeom prst="rect">
+            <a:avLst/>
+          </a:prstGeom>
+          <a:noFill/>
+          <a:ln>
+            <a:solidFill>
+              <a:schemeClr val="tx1"/>
+            </a:solidFill>
+          </a:ln>
+        </p:spPr>
+        <p:style>
+          <a:lnRef idx="2">
+            <a:schemeClr val="accent1">
+              <a:shade val="50000"/>
+            </a:schemeClr>
+          </a:lnRef>
+          <a:fillRef idx="1">
+            <a:schemeClr val="accent1"/>
+          </a:fillRef>
+          <a:effectRef idx="0">
+            <a:schemeClr val="accent1"/>
+          </a:effectRef>
+          <a:fontRef idx="minor">
+            <a:schemeClr val="lt1"/>
+          </a:fontRef>
+        </p:style>
+        <p:txBody>
+          <a:bodyPr rtlCol="0" anchor="ctr"/>
+          <a:lstStyle/>
+          <a:p>
+            <a:pPr algn="ctr"/>
+            <a:endParaRPr kumimoji="1" lang="ja-JP" altLang="en-US">
+              <a:solidFill>
+                <a:schemeClr val="tx1"/>
+              </a:solidFill>
+            </a:endParaRPr>
+          </a:p>
+        </p:txBody>
+      </p:sp>
+      <p:sp>
+        <p:nvSpPr>
+          <p:cNvPr id="6" name="正方形/長方形 5">
+            <a:extLst>
+              <a:ext uri="{FF2B5EF4-FFF2-40B4-BE49-F238E27FC236}">
+                <a16:creationId xmlns:a16="http://schemas.microsoft.com/office/drawing/2014/main" id="{93EE4FB7-5476-1342-9E50-C5AA45732092}"/>
+              </a:ext>
+            </a:extLst>
+          </p:cNvPr>
+          <p:cNvSpPr/>
+          <p:nvPr/>
+        </p:nvSpPr>
+        <p:spPr>
+          <a:xfrm>
+            <a:off x="1517184" y="2894360"/>
+            <a:ext cx="1440160" cy="360040"/>
+          </a:xfrm>
+          <a:prstGeom prst="rect">
+            <a:avLst/>
+          </a:prstGeom>
+          <a:noFill/>
+          <a:ln>
+            <a:solidFill>
+              <a:schemeClr val="tx1"/>
+            </a:solidFill>
+          </a:ln>
+        </p:spPr>
+        <p:style>
+          <a:lnRef idx="2">
+            <a:schemeClr val="accent1">
+              <a:shade val="50000"/>
+            </a:schemeClr>
+          </a:lnRef>
+          <a:fillRef idx="1">
+            <a:schemeClr val="accent1"/>
+          </a:fillRef>
+          <a:effectRef idx="0">
+            <a:schemeClr val="accent1"/>
+          </a:effectRef>
+          <a:fontRef idx="minor">
+            <a:schemeClr val="lt1"/>
+          </a:fontRef>
+        </p:style>
+        <p:txBody>
+          <a:bodyPr rtlCol="0" anchor="ctr"/>
+          <a:lstStyle/>
+          <a:p>
+            <a:pPr algn="ctr"/>
+            <a:r>
+              <a:rPr kumimoji="1" lang="en-US" altLang="ja-JP">
+                <a:solidFill>
+                  <a:schemeClr val="tx1"/>
+                </a:solidFill>
+              </a:rPr>
+              <a:t>1</a:t>
+            </a:r>
+            <a:endParaRPr kumimoji="1" lang="ja-JP" altLang="en-US">
+              <a:solidFill>
+                <a:schemeClr val="tx1"/>
+              </a:solidFill>
+            </a:endParaRPr>
+          </a:p>
+        </p:txBody>
+      </p:sp>
+      <p:sp>
+        <p:nvSpPr>
+          <p:cNvPr id="7" name="正方形/長方形 6">
+            <a:extLst>
+              <a:ext uri="{FF2B5EF4-FFF2-40B4-BE49-F238E27FC236}">
+                <a16:creationId xmlns:a16="http://schemas.microsoft.com/office/drawing/2014/main" id="{F9C9D633-9781-0640-8228-47A44C55B54A}"/>
+              </a:ext>
+            </a:extLst>
+          </p:cNvPr>
+          <p:cNvSpPr/>
+          <p:nvPr/>
+        </p:nvSpPr>
+        <p:spPr>
+          <a:xfrm>
+            <a:off x="1517184" y="3254400"/>
+            <a:ext cx="1440160" cy="360040"/>
+          </a:xfrm>
+          <a:prstGeom prst="rect">
+            <a:avLst/>
+          </a:prstGeom>
+          <a:noFill/>
+          <a:ln>
+            <a:solidFill>
+              <a:schemeClr val="tx1"/>
+            </a:solidFill>
+          </a:ln>
+        </p:spPr>
+        <p:style>
+          <a:lnRef idx="2">
+            <a:schemeClr val="accent1">
+              <a:shade val="50000"/>
+            </a:schemeClr>
+          </a:lnRef>
+          <a:fillRef idx="1">
+            <a:schemeClr val="accent1"/>
+          </a:fillRef>
+          <a:effectRef idx="0">
+            <a:schemeClr val="accent1"/>
+          </a:effectRef>
+          <a:fontRef idx="minor">
+            <a:schemeClr val="lt1"/>
+          </a:fontRef>
+        </p:style>
+        <p:txBody>
+          <a:bodyPr rtlCol="0" anchor="ctr"/>
+          <a:lstStyle/>
+          <a:p>
+            <a:pPr algn="ctr"/>
+            <a:r>
+              <a:rPr kumimoji="1" lang="en-US" altLang="ja-JP">
+                <a:solidFill>
+                  <a:schemeClr val="tx1"/>
+                </a:solidFill>
+              </a:rPr>
+              <a:t>2</a:t>
+            </a:r>
+            <a:endParaRPr kumimoji="1" lang="ja-JP" altLang="en-US">
+              <a:solidFill>
+                <a:schemeClr val="tx1"/>
+              </a:solidFill>
+            </a:endParaRPr>
+          </a:p>
+        </p:txBody>
+      </p:sp>
+      <p:sp>
+        <p:nvSpPr>
+          <p:cNvPr id="8" name="正方形/長方形 7">
+            <a:extLst>
+              <a:ext uri="{FF2B5EF4-FFF2-40B4-BE49-F238E27FC236}">
+                <a16:creationId xmlns:a16="http://schemas.microsoft.com/office/drawing/2014/main" id="{C134F1BE-584A-8E4E-B0D6-A8CF92387E37}"/>
+              </a:ext>
+            </a:extLst>
+          </p:cNvPr>
+          <p:cNvSpPr/>
+          <p:nvPr/>
+        </p:nvSpPr>
+        <p:spPr>
+          <a:xfrm>
+            <a:off x="1517184" y="2894360"/>
+            <a:ext cx="1440160" cy="1080120"/>
+          </a:xfrm>
+          <a:prstGeom prst="rect">
+            <a:avLst/>
+          </a:prstGeom>
+          <a:noFill/>
+          <a:ln w="28575">
+            <a:solidFill>
+              <a:srgbClr val="FF0000"/>
+            </a:solidFill>
+          </a:ln>
+        </p:spPr>
+        <p:style>
+          <a:lnRef idx="2">
+            <a:schemeClr val="accent1">
+              <a:shade val="50000"/>
+            </a:schemeClr>
+          </a:lnRef>
+          <a:fillRef idx="1">
+            <a:schemeClr val="accent1"/>
+          </a:fillRef>
+          <a:effectRef idx="0">
+            <a:schemeClr val="accent1"/>
+          </a:effectRef>
+          <a:fontRef idx="minor">
+            <a:schemeClr val="lt1"/>
+          </a:fontRef>
+        </p:style>
+        <p:txBody>
+          <a:bodyPr rtlCol="0" anchor="ctr"/>
+          <a:lstStyle/>
+          <a:p>
+            <a:pPr algn="ctr"/>
+            <a:endParaRPr kumimoji="1" lang="ja-JP" altLang="en-US"/>
+          </a:p>
+        </p:txBody>
+      </p:sp>
+      <p:sp>
+        <p:nvSpPr>
+          <p:cNvPr id="9" name="1 つの角を切り取った四角形 8">
+            <a:extLst>
+              <a:ext uri="{FF2B5EF4-FFF2-40B4-BE49-F238E27FC236}">
+                <a16:creationId xmlns:a16="http://schemas.microsoft.com/office/drawing/2014/main" id="{3EC3B9DD-74F7-CE44-8AAA-016293A1CC9D}"/>
+              </a:ext>
+            </a:extLst>
+          </p:cNvPr>
+          <p:cNvSpPr/>
+          <p:nvPr/>
+        </p:nvSpPr>
+        <p:spPr>
+          <a:xfrm>
+            <a:off x="293048" y="4046488"/>
+            <a:ext cx="864096" cy="288032"/>
+          </a:xfrm>
+          <a:prstGeom prst="snip1Rect">
+            <a:avLst/>
+          </a:prstGeom>
+          <a:noFill/>
+          <a:ln>
+            <a:solidFill>
+              <a:schemeClr val="tx1"/>
+            </a:solidFill>
+          </a:ln>
+        </p:spPr>
+        <p:style>
+          <a:lnRef idx="2">
+            <a:schemeClr val="accent1">
+              <a:shade val="50000"/>
+            </a:schemeClr>
+          </a:lnRef>
+          <a:fillRef idx="1">
+            <a:schemeClr val="accent1"/>
+          </a:fillRef>
+          <a:effectRef idx="0">
+            <a:schemeClr val="accent1"/>
+          </a:effectRef>
+          <a:fontRef idx="minor">
+            <a:schemeClr val="lt1"/>
+          </a:fontRef>
+        </p:style>
+        <p:txBody>
+          <a:bodyPr rtlCol="0" anchor="ctr"/>
+          <a:lstStyle/>
+          <a:p>
+            <a:pPr algn="ctr"/>
+            <a:r>
+              <a:rPr kumimoji="1" lang="en-US" altLang="ja-JP" sz="2000">
+                <a:solidFill>
+                  <a:schemeClr val="tx1"/>
+                </a:solidFill>
+              </a:rPr>
+              <a:t>a</a:t>
+            </a:r>
+            <a:endParaRPr kumimoji="1" lang="ja-JP" altLang="en-US" sz="2000">
+              <a:solidFill>
+                <a:schemeClr val="tx1"/>
+              </a:solidFill>
+            </a:endParaRPr>
+          </a:p>
+        </p:txBody>
+      </p:sp>
+      <p:cxnSp>
+        <p:nvCxnSpPr>
+          <p:cNvPr id="10" name="直線矢印コネクタ 9">
+            <a:extLst>
+              <a:ext uri="{FF2B5EF4-FFF2-40B4-BE49-F238E27FC236}">
+                <a16:creationId xmlns:a16="http://schemas.microsoft.com/office/drawing/2014/main" id="{9F5E7526-4340-1B4E-9A62-B129DE85EF54}"/>
+              </a:ext>
+            </a:extLst>
+          </p:cNvPr>
+          <p:cNvCxnSpPr>
+            <a:stCxn id="9" idx="0"/>
+          </p:cNvCxnSpPr>
+          <p:nvPr/>
+        </p:nvCxnSpPr>
+        <p:spPr>
+          <a:xfrm>
+            <a:off x="1157144" y="4190504"/>
+            <a:ext cx="288032" cy="0"/>
+          </a:xfrm>
+          <a:prstGeom prst="straightConnector1">
+            <a:avLst/>
+          </a:prstGeom>
+          <a:ln w="12700">
+            <a:solidFill>
+              <a:schemeClr val="tx1"/>
+            </a:solidFill>
+            <a:tailEnd type="triangle"/>
+          </a:ln>
+        </p:spPr>
+        <p:style>
+          <a:lnRef idx="1">
+            <a:schemeClr val="accent1"/>
+          </a:lnRef>
+          <a:fillRef idx="0">
+            <a:schemeClr val="accent1"/>
+          </a:fillRef>
+          <a:effectRef idx="0">
+            <a:schemeClr val="accent1"/>
+          </a:effectRef>
+          <a:fontRef idx="minor">
+            <a:schemeClr val="tx1"/>
+          </a:fontRef>
+        </p:style>
+      </p:cxnSp>
+      <p:cxnSp>
+        <p:nvCxnSpPr>
+          <p:cNvPr id="11" name="カギ線コネクタ 10">
+            <a:extLst>
+              <a:ext uri="{FF2B5EF4-FFF2-40B4-BE49-F238E27FC236}">
+                <a16:creationId xmlns:a16="http://schemas.microsoft.com/office/drawing/2014/main" id="{7D6AA473-0C0C-B14F-B731-40842B16DCA4}"/>
+              </a:ext>
+            </a:extLst>
+          </p:cNvPr>
+          <p:cNvCxnSpPr>
+            <a:cxnSpLocks/>
+            <a:stCxn id="3" idx="3"/>
+            <a:endCxn id="6" idx="3"/>
+          </p:cNvCxnSpPr>
+          <p:nvPr/>
+        </p:nvCxnSpPr>
+        <p:spPr>
+          <a:xfrm flipV="1">
+            <a:off x="2957344" y="3074380"/>
+            <a:ext cx="12700" cy="1080120"/>
+          </a:xfrm>
+          <a:prstGeom prst="bentConnector3">
+            <a:avLst>
+              <a:gd name="adj1" fmla="val 1800000"/>
+            </a:avLst>
+          </a:prstGeom>
+          <a:ln w="28575">
+            <a:solidFill>
+              <a:srgbClr val="FF0000"/>
+            </a:solidFill>
+            <a:tailEnd type="triangle"/>
+          </a:ln>
+        </p:spPr>
+        <p:style>
+          <a:lnRef idx="1">
+            <a:schemeClr val="accent1"/>
+          </a:lnRef>
+          <a:fillRef idx="0">
+            <a:schemeClr val="accent1"/>
+          </a:fillRef>
+          <a:effectRef idx="0">
+            <a:schemeClr val="accent1"/>
+          </a:effectRef>
+          <a:fontRef idx="minor">
+            <a:schemeClr val="tx1"/>
+          </a:fontRef>
+        </p:style>
+      </p:cxnSp>
+      <p:sp>
+        <p:nvSpPr>
+          <p:cNvPr id="12" name="テキスト ボックス 11">
+            <a:extLst>
+              <a:ext uri="{FF2B5EF4-FFF2-40B4-BE49-F238E27FC236}">
+                <a16:creationId xmlns:a16="http://schemas.microsoft.com/office/drawing/2014/main" id="{DDEFDF34-BBDD-CA46-8905-A2110AC717D8}"/>
+              </a:ext>
+            </a:extLst>
+          </p:cNvPr>
+          <p:cNvSpPr txBox="1"/>
+          <p:nvPr/>
+        </p:nvSpPr>
+        <p:spPr>
+          <a:xfrm>
+            <a:off x="881048" y="2432720"/>
+            <a:ext cx="2857832" cy="338554"/>
+          </a:xfrm>
+          <a:prstGeom prst="rect">
+            <a:avLst/>
+          </a:prstGeom>
+          <a:noFill/>
+        </p:spPr>
+        <p:txBody>
+          <a:bodyPr wrap="square" rtlCol="0">
+            <a:spAutoFit/>
+          </a:bodyPr>
+          <a:lstStyle/>
+          <a:p>
+            <a:r>
+              <a:rPr lang="en-US" altLang="ja-JP" sz="1600"/>
+              <a:t>a</a:t>
+            </a:r>
+            <a:r>
+              <a:rPr lang="ja-JP" altLang="en-US" sz="1600"/>
+              <a:t>の指す内容がコピーされる</a:t>
+            </a:r>
+            <a:endParaRPr kumimoji="1" lang="ja-JP" altLang="en-US" sz="1600"/>
+          </a:p>
+        </p:txBody>
+      </p:sp>
+      <p:sp>
+        <p:nvSpPr>
+          <p:cNvPr id="13" name="1 つの角を切り取った四角形 12">
+            <a:extLst>
+              <a:ext uri="{FF2B5EF4-FFF2-40B4-BE49-F238E27FC236}">
+                <a16:creationId xmlns:a16="http://schemas.microsoft.com/office/drawing/2014/main" id="{D7D74AA4-5777-AB4D-8B38-418F38914C34}"/>
+              </a:ext>
+            </a:extLst>
+          </p:cNvPr>
+          <p:cNvSpPr/>
+          <p:nvPr/>
+        </p:nvSpPr>
+        <p:spPr>
+          <a:xfrm>
+            <a:off x="293048" y="4406528"/>
+            <a:ext cx="864096" cy="288032"/>
+          </a:xfrm>
+          <a:prstGeom prst="snip1Rect">
+            <a:avLst/>
+          </a:prstGeom>
+          <a:noFill/>
+          <a:ln>
+            <a:solidFill>
+              <a:schemeClr val="tx1"/>
+            </a:solidFill>
+          </a:ln>
+        </p:spPr>
+        <p:style>
+          <a:lnRef idx="2">
+            <a:schemeClr val="accent1">
+              <a:shade val="50000"/>
+            </a:schemeClr>
+          </a:lnRef>
+          <a:fillRef idx="1">
+            <a:schemeClr val="accent1"/>
+          </a:fillRef>
+          <a:effectRef idx="0">
+            <a:schemeClr val="accent1"/>
+          </a:effectRef>
+          <a:fontRef idx="minor">
+            <a:schemeClr val="lt1"/>
+          </a:fontRef>
+        </p:style>
+        <p:txBody>
+          <a:bodyPr rtlCol="0" anchor="ctr"/>
+          <a:lstStyle/>
+          <a:p>
+            <a:pPr algn="ctr"/>
+            <a:r>
+              <a:rPr kumimoji="1" lang="en-US" altLang="ja-JP" sz="2000">
+                <a:solidFill>
+                  <a:schemeClr val="tx1"/>
+                </a:solidFill>
+              </a:rPr>
+              <a:t>b</a:t>
+            </a:r>
+            <a:endParaRPr kumimoji="1" lang="ja-JP" altLang="en-US" sz="2000">
+              <a:solidFill>
+                <a:schemeClr val="tx1"/>
+              </a:solidFill>
+            </a:endParaRPr>
+          </a:p>
+        </p:txBody>
+      </p:sp>
+      <p:cxnSp>
+        <p:nvCxnSpPr>
+          <p:cNvPr id="14" name="直線矢印コネクタ 13">
+            <a:extLst>
+              <a:ext uri="{FF2B5EF4-FFF2-40B4-BE49-F238E27FC236}">
+                <a16:creationId xmlns:a16="http://schemas.microsoft.com/office/drawing/2014/main" id="{AB59853A-25EB-9941-9E60-DBE2C541A428}"/>
+              </a:ext>
+            </a:extLst>
+          </p:cNvPr>
+          <p:cNvCxnSpPr>
+            <a:stCxn id="13" idx="0"/>
+          </p:cNvCxnSpPr>
+          <p:nvPr/>
+        </p:nvCxnSpPr>
+        <p:spPr>
+          <a:xfrm>
+            <a:off x="1157144" y="4550544"/>
+            <a:ext cx="288032" cy="0"/>
+          </a:xfrm>
+          <a:prstGeom prst="straightConnector1">
+            <a:avLst/>
+          </a:prstGeom>
+          <a:ln w="12700">
+            <a:solidFill>
+              <a:schemeClr val="tx1"/>
+            </a:solidFill>
+            <a:tailEnd type="triangle"/>
+          </a:ln>
+        </p:spPr>
+        <p:style>
+          <a:lnRef idx="1">
+            <a:schemeClr val="accent1"/>
+          </a:lnRef>
+          <a:fillRef idx="0">
+            <a:schemeClr val="accent1"/>
+          </a:fillRef>
+          <a:effectRef idx="0">
+            <a:schemeClr val="accent1"/>
+          </a:effectRef>
+          <a:fontRef idx="minor">
+            <a:schemeClr val="tx1"/>
+          </a:fontRef>
+        </p:style>
+      </p:cxnSp>
+      <p:cxnSp>
+        <p:nvCxnSpPr>
+          <p:cNvPr id="15" name="カギ線コネクタ 14">
+            <a:extLst>
+              <a:ext uri="{FF2B5EF4-FFF2-40B4-BE49-F238E27FC236}">
+                <a16:creationId xmlns:a16="http://schemas.microsoft.com/office/drawing/2014/main" id="{EEE9D5CC-76CE-E249-8253-6CEE0FA55F7A}"/>
+              </a:ext>
+            </a:extLst>
+          </p:cNvPr>
+          <p:cNvCxnSpPr>
+            <a:cxnSpLocks/>
+          </p:cNvCxnSpPr>
+          <p:nvPr/>
+        </p:nvCxnSpPr>
+        <p:spPr>
+          <a:xfrm flipV="1">
+            <a:off x="3029352" y="3038376"/>
+            <a:ext cx="12700" cy="1476164"/>
+          </a:xfrm>
+          <a:prstGeom prst="bentConnector4">
+            <a:avLst>
+              <a:gd name="adj1" fmla="val 3560000"/>
+              <a:gd name="adj2" fmla="val 100147"/>
+            </a:avLst>
+          </a:prstGeom>
+          <a:ln w="28575">
+            <a:solidFill>
+              <a:srgbClr val="FF0000"/>
+            </a:solidFill>
+            <a:tailEnd type="triangle"/>
+          </a:ln>
+        </p:spPr>
+        <p:style>
+          <a:lnRef idx="1">
+            <a:schemeClr val="accent1"/>
+          </a:lnRef>
+          <a:fillRef idx="0">
+            <a:schemeClr val="accent1"/>
+          </a:fillRef>
+          <a:effectRef idx="0">
+            <a:schemeClr val="accent1"/>
+          </a:effectRef>
+          <a:fontRef idx="minor">
+            <a:schemeClr val="tx1"/>
+          </a:fontRef>
+        </p:style>
+      </p:cxnSp>
+      <p:sp>
+        <p:nvSpPr>
+          <p:cNvPr id="16" name="正方形/長方形 15">
+            <a:extLst>
+              <a:ext uri="{FF2B5EF4-FFF2-40B4-BE49-F238E27FC236}">
+                <a16:creationId xmlns:a16="http://schemas.microsoft.com/office/drawing/2014/main" id="{273137A2-7649-1C49-AE3D-9CA547A76283}"/>
+              </a:ext>
+            </a:extLst>
+          </p:cNvPr>
+          <p:cNvSpPr/>
+          <p:nvPr/>
+        </p:nvSpPr>
+        <p:spPr>
+          <a:xfrm>
+            <a:off x="6053688" y="3614440"/>
+            <a:ext cx="1440160" cy="360040"/>
+          </a:xfrm>
+          <a:prstGeom prst="rect">
+            <a:avLst/>
+          </a:prstGeom>
+          <a:noFill/>
+          <a:ln>
+            <a:solidFill>
+              <a:schemeClr val="tx1"/>
+            </a:solidFill>
+          </a:ln>
+        </p:spPr>
+        <p:style>
+          <a:lnRef idx="2">
+            <a:schemeClr val="accent1">
+              <a:shade val="50000"/>
+            </a:schemeClr>
+          </a:lnRef>
+          <a:fillRef idx="1">
+            <a:schemeClr val="accent1"/>
+          </a:fillRef>
+          <a:effectRef idx="0">
+            <a:schemeClr val="accent1"/>
+          </a:effectRef>
+          <a:fontRef idx="minor">
+            <a:schemeClr val="lt1"/>
+          </a:fontRef>
+        </p:style>
+        <p:txBody>
+          <a:bodyPr rtlCol="0" anchor="ctr"/>
+          <a:lstStyle/>
+          <a:p>
+            <a:pPr algn="ctr"/>
+            <a:r>
+              <a:rPr kumimoji="1" lang="en-US" altLang="ja-JP">
+                <a:solidFill>
+                  <a:schemeClr val="tx1"/>
+                </a:solidFill>
+              </a:rPr>
+              <a:t>3</a:t>
+            </a:r>
+            <a:endParaRPr kumimoji="1" lang="ja-JP" altLang="en-US">
+              <a:solidFill>
+                <a:schemeClr val="tx1"/>
+              </a:solidFill>
+            </a:endParaRPr>
+          </a:p>
+        </p:txBody>
+      </p:sp>
+      <p:sp>
+        <p:nvSpPr>
+          <p:cNvPr id="17" name="正方形/長方形 16">
+            <a:extLst>
+              <a:ext uri="{FF2B5EF4-FFF2-40B4-BE49-F238E27FC236}">
+                <a16:creationId xmlns:a16="http://schemas.microsoft.com/office/drawing/2014/main" id="{C7A1D067-93D0-5743-9426-2063D9257DB8}"/>
+              </a:ext>
+            </a:extLst>
+          </p:cNvPr>
+          <p:cNvSpPr/>
+          <p:nvPr/>
+        </p:nvSpPr>
+        <p:spPr>
+          <a:xfrm>
+            <a:off x="6053688" y="3974480"/>
+            <a:ext cx="1440160" cy="360040"/>
+          </a:xfrm>
+          <a:prstGeom prst="rect">
+            <a:avLst/>
+          </a:prstGeom>
+          <a:noFill/>
+          <a:ln>
+            <a:solidFill>
+              <a:schemeClr val="tx1"/>
+            </a:solidFill>
+          </a:ln>
+        </p:spPr>
+        <p:style>
+          <a:lnRef idx="2">
+            <a:schemeClr val="accent1">
+              <a:shade val="50000"/>
+            </a:schemeClr>
+          </a:lnRef>
+          <a:fillRef idx="1">
+            <a:schemeClr val="accent1"/>
+          </a:fillRef>
+          <a:effectRef idx="0">
+            <a:schemeClr val="accent1"/>
+          </a:effectRef>
+          <a:fontRef idx="minor">
+            <a:schemeClr val="lt1"/>
+          </a:fontRef>
+        </p:style>
+        <p:txBody>
+          <a:bodyPr rtlCol="0" anchor="ctr"/>
+          <a:lstStyle/>
+          <a:p>
+            <a:pPr algn="ctr"/>
+            <a:r>
+              <a:rPr kumimoji="1" lang="en-US" altLang="ja-JP" sz="1600">
+                <a:solidFill>
+                  <a:schemeClr val="tx1"/>
+                </a:solidFill>
+              </a:rPr>
+              <a:t>0</a:t>
+            </a:r>
+            <a:r>
+              <a:rPr kumimoji="1" lang="ja-JP" altLang="en-US" sz="1600">
+                <a:solidFill>
+                  <a:schemeClr val="tx1"/>
+                </a:solidFill>
+              </a:rPr>
+              <a:t>番地を見よ</a:t>
+            </a:r>
+          </a:p>
+        </p:txBody>
+      </p:sp>
+      <p:sp>
+        <p:nvSpPr>
+          <p:cNvPr id="18" name="正方形/長方形 17">
+            <a:extLst>
+              <a:ext uri="{FF2B5EF4-FFF2-40B4-BE49-F238E27FC236}">
+                <a16:creationId xmlns:a16="http://schemas.microsoft.com/office/drawing/2014/main" id="{2255D225-27AE-7143-BFA9-5ED0284AF89F}"/>
+              </a:ext>
+            </a:extLst>
+          </p:cNvPr>
+          <p:cNvSpPr/>
+          <p:nvPr/>
+        </p:nvSpPr>
+        <p:spPr>
+          <a:xfrm>
+            <a:off x="6053688" y="4334520"/>
+            <a:ext cx="1440160" cy="360040"/>
+          </a:xfrm>
+          <a:prstGeom prst="rect">
+            <a:avLst/>
+          </a:prstGeom>
+          <a:noFill/>
+          <a:ln>
+            <a:solidFill>
+              <a:schemeClr val="tx1"/>
+            </a:solidFill>
+          </a:ln>
+        </p:spPr>
+        <p:style>
+          <a:lnRef idx="2">
+            <a:schemeClr val="accent1">
+              <a:shade val="50000"/>
+            </a:schemeClr>
+          </a:lnRef>
+          <a:fillRef idx="1">
+            <a:schemeClr val="accent1"/>
+          </a:fillRef>
+          <a:effectRef idx="0">
+            <a:schemeClr val="accent1"/>
+          </a:effectRef>
+          <a:fontRef idx="minor">
+            <a:schemeClr val="lt1"/>
+          </a:fontRef>
+        </p:style>
+        <p:txBody>
+          <a:bodyPr rtlCol="0" anchor="ctr"/>
+          <a:lstStyle/>
+          <a:p>
+            <a:pPr algn="ctr"/>
+            <a:r>
+              <a:rPr lang="en-US" altLang="ja-JP" sz="1600">
+                <a:solidFill>
+                  <a:schemeClr val="tx1"/>
+                </a:solidFill>
+              </a:rPr>
+              <a:t>0</a:t>
+            </a:r>
+            <a:r>
+              <a:rPr lang="ja-JP" altLang="en-US" sz="1600">
+                <a:solidFill>
+                  <a:schemeClr val="tx1"/>
+                </a:solidFill>
+              </a:rPr>
+              <a:t>番地を見よ</a:t>
+            </a:r>
+          </a:p>
+        </p:txBody>
+      </p:sp>
+      <p:sp>
+        <p:nvSpPr>
+          <p:cNvPr id="19" name="正方形/長方形 18">
+            <a:extLst>
+              <a:ext uri="{FF2B5EF4-FFF2-40B4-BE49-F238E27FC236}">
+                <a16:creationId xmlns:a16="http://schemas.microsoft.com/office/drawing/2014/main" id="{79D9DF13-D851-FF4D-B6C9-B5FD7706174E}"/>
+              </a:ext>
+            </a:extLst>
+          </p:cNvPr>
+          <p:cNvSpPr/>
+          <p:nvPr/>
+        </p:nvSpPr>
+        <p:spPr>
+          <a:xfrm>
+            <a:off x="6053688" y="4694560"/>
+            <a:ext cx="1440160" cy="360040"/>
+          </a:xfrm>
+          <a:prstGeom prst="rect">
+            <a:avLst/>
+          </a:prstGeom>
+          <a:noFill/>
+          <a:ln>
+            <a:solidFill>
+              <a:schemeClr val="tx1"/>
+            </a:solidFill>
+          </a:ln>
+        </p:spPr>
+        <p:style>
+          <a:lnRef idx="2">
+            <a:schemeClr val="accent1">
+              <a:shade val="50000"/>
+            </a:schemeClr>
+          </a:lnRef>
+          <a:fillRef idx="1">
+            <a:schemeClr val="accent1"/>
+          </a:fillRef>
+          <a:effectRef idx="0">
+            <a:schemeClr val="accent1"/>
+          </a:effectRef>
+          <a:fontRef idx="minor">
+            <a:schemeClr val="lt1"/>
+          </a:fontRef>
+        </p:style>
+        <p:txBody>
+          <a:bodyPr rtlCol="0" anchor="ctr"/>
+          <a:lstStyle/>
+          <a:p>
+            <a:pPr algn="ctr"/>
+            <a:endParaRPr kumimoji="1" lang="ja-JP" altLang="en-US">
+              <a:solidFill>
+                <a:schemeClr val="tx1"/>
+              </a:solidFill>
+            </a:endParaRPr>
+          </a:p>
+        </p:txBody>
+      </p:sp>
+      <p:sp>
+        <p:nvSpPr>
+          <p:cNvPr id="20" name="正方形/長方形 19">
+            <a:extLst>
+              <a:ext uri="{FF2B5EF4-FFF2-40B4-BE49-F238E27FC236}">
+                <a16:creationId xmlns:a16="http://schemas.microsoft.com/office/drawing/2014/main" id="{9070B714-7BE8-5141-92E5-212D01013EFB}"/>
+              </a:ext>
+            </a:extLst>
+          </p:cNvPr>
+          <p:cNvSpPr/>
+          <p:nvPr/>
+        </p:nvSpPr>
+        <p:spPr>
+          <a:xfrm>
+            <a:off x="6053688" y="2894360"/>
+            <a:ext cx="1440160" cy="360040"/>
+          </a:xfrm>
+          <a:prstGeom prst="rect">
+            <a:avLst/>
+          </a:prstGeom>
+          <a:noFill/>
+          <a:ln>
+            <a:solidFill>
+              <a:schemeClr val="tx1"/>
+            </a:solidFill>
+          </a:ln>
+        </p:spPr>
+        <p:style>
+          <a:lnRef idx="2">
+            <a:schemeClr val="accent1">
+              <a:shade val="50000"/>
+            </a:schemeClr>
+          </a:lnRef>
+          <a:fillRef idx="1">
+            <a:schemeClr val="accent1"/>
+          </a:fillRef>
+          <a:effectRef idx="0">
+            <a:schemeClr val="accent1"/>
+          </a:effectRef>
+          <a:fontRef idx="minor">
+            <a:schemeClr val="lt1"/>
+          </a:fontRef>
+        </p:style>
+        <p:txBody>
+          <a:bodyPr rtlCol="0" anchor="ctr"/>
+          <a:lstStyle/>
+          <a:p>
+            <a:pPr algn="ctr"/>
+            <a:r>
+              <a:rPr kumimoji="1" lang="en-US" altLang="ja-JP">
+                <a:solidFill>
+                  <a:schemeClr val="tx1"/>
+                </a:solidFill>
+              </a:rPr>
+              <a:t>1</a:t>
+            </a:r>
+            <a:endParaRPr kumimoji="1" lang="ja-JP" altLang="en-US">
+              <a:solidFill>
+                <a:schemeClr val="tx1"/>
+              </a:solidFill>
+            </a:endParaRPr>
+          </a:p>
+        </p:txBody>
+      </p:sp>
+      <p:sp>
+        <p:nvSpPr>
+          <p:cNvPr id="21" name="正方形/長方形 20">
+            <a:extLst>
+              <a:ext uri="{FF2B5EF4-FFF2-40B4-BE49-F238E27FC236}">
+                <a16:creationId xmlns:a16="http://schemas.microsoft.com/office/drawing/2014/main" id="{60FC7C4B-1790-E641-8996-1699B9675178}"/>
+              </a:ext>
+            </a:extLst>
+          </p:cNvPr>
+          <p:cNvSpPr/>
+          <p:nvPr/>
+        </p:nvSpPr>
+        <p:spPr>
+          <a:xfrm>
+            <a:off x="6053688" y="3254400"/>
+            <a:ext cx="1440160" cy="360040"/>
+          </a:xfrm>
+          <a:prstGeom prst="rect">
+            <a:avLst/>
+          </a:prstGeom>
+          <a:noFill/>
+          <a:ln>
+            <a:solidFill>
+              <a:schemeClr val="tx1"/>
+            </a:solidFill>
+          </a:ln>
+        </p:spPr>
+        <p:style>
+          <a:lnRef idx="2">
+            <a:schemeClr val="accent1">
+              <a:shade val="50000"/>
+            </a:schemeClr>
+          </a:lnRef>
+          <a:fillRef idx="1">
+            <a:schemeClr val="accent1"/>
+          </a:fillRef>
+          <a:effectRef idx="0">
+            <a:schemeClr val="accent1"/>
+          </a:effectRef>
+          <a:fontRef idx="minor">
+            <a:schemeClr val="lt1"/>
+          </a:fontRef>
+        </p:style>
+        <p:txBody>
+          <a:bodyPr rtlCol="0" anchor="ctr"/>
+          <a:lstStyle/>
+          <a:p>
+            <a:pPr algn="ctr"/>
+            <a:r>
+              <a:rPr kumimoji="1" lang="en-US" altLang="ja-JP">
+                <a:solidFill>
+                  <a:srgbClr val="FF0000"/>
+                </a:solidFill>
+              </a:rPr>
+              <a:t>4</a:t>
+            </a:r>
+            <a:endParaRPr kumimoji="1" lang="ja-JP" altLang="en-US">
+              <a:solidFill>
+                <a:srgbClr val="FF0000"/>
+              </a:solidFill>
+            </a:endParaRPr>
+          </a:p>
+        </p:txBody>
+      </p:sp>
+      <p:sp>
+        <p:nvSpPr>
+          <p:cNvPr id="22" name="正方形/長方形 21">
+            <a:extLst>
+              <a:ext uri="{FF2B5EF4-FFF2-40B4-BE49-F238E27FC236}">
+                <a16:creationId xmlns:a16="http://schemas.microsoft.com/office/drawing/2014/main" id="{AAA7FE5D-5E30-4143-BCE7-E715E5376E2D}"/>
+              </a:ext>
+            </a:extLst>
+          </p:cNvPr>
+          <p:cNvSpPr/>
+          <p:nvPr/>
+        </p:nvSpPr>
+        <p:spPr>
+          <a:xfrm>
+            <a:off x="6053688" y="2894360"/>
+            <a:ext cx="1440160" cy="1080120"/>
+          </a:xfrm>
+          <a:prstGeom prst="rect">
+            <a:avLst/>
+          </a:prstGeom>
+          <a:noFill/>
+          <a:ln w="28575">
+            <a:solidFill>
+              <a:srgbClr val="FF0000"/>
+            </a:solidFill>
+          </a:ln>
+        </p:spPr>
+        <p:style>
+          <a:lnRef idx="2">
+            <a:schemeClr val="accent1">
+              <a:shade val="50000"/>
+            </a:schemeClr>
+          </a:lnRef>
+          <a:fillRef idx="1">
+            <a:schemeClr val="accent1"/>
+          </a:fillRef>
+          <a:effectRef idx="0">
+            <a:schemeClr val="accent1"/>
+          </a:effectRef>
+          <a:fontRef idx="minor">
+            <a:schemeClr val="lt1"/>
+          </a:fontRef>
+        </p:style>
+        <p:txBody>
+          <a:bodyPr rtlCol="0" anchor="ctr"/>
+          <a:lstStyle/>
+          <a:p>
+            <a:pPr algn="ctr"/>
+            <a:endParaRPr kumimoji="1" lang="ja-JP" altLang="en-US"/>
+          </a:p>
+        </p:txBody>
+      </p:sp>
+      <p:sp>
+        <p:nvSpPr>
+          <p:cNvPr id="23" name="1 つの角を切り取った四角形 22">
+            <a:extLst>
+              <a:ext uri="{FF2B5EF4-FFF2-40B4-BE49-F238E27FC236}">
+                <a16:creationId xmlns:a16="http://schemas.microsoft.com/office/drawing/2014/main" id="{42BA56BD-79DB-4C4C-A588-CE777EE7E63F}"/>
+              </a:ext>
+            </a:extLst>
+          </p:cNvPr>
+          <p:cNvSpPr/>
+          <p:nvPr/>
+        </p:nvSpPr>
+        <p:spPr>
+          <a:xfrm>
+            <a:off x="4829552" y="4046488"/>
+            <a:ext cx="864096" cy="288032"/>
+          </a:xfrm>
+          <a:prstGeom prst="snip1Rect">
+            <a:avLst/>
+          </a:prstGeom>
+          <a:noFill/>
+          <a:ln>
+            <a:solidFill>
+              <a:schemeClr val="tx1"/>
+            </a:solidFill>
+          </a:ln>
+        </p:spPr>
+        <p:style>
+          <a:lnRef idx="2">
+            <a:schemeClr val="accent1">
+              <a:shade val="50000"/>
+            </a:schemeClr>
+          </a:lnRef>
+          <a:fillRef idx="1">
+            <a:schemeClr val="accent1"/>
+          </a:fillRef>
+          <a:effectRef idx="0">
+            <a:schemeClr val="accent1"/>
+          </a:effectRef>
+          <a:fontRef idx="minor">
+            <a:schemeClr val="lt1"/>
+          </a:fontRef>
+        </p:style>
+        <p:txBody>
+          <a:bodyPr rtlCol="0" anchor="ctr"/>
+          <a:lstStyle/>
+          <a:p>
+            <a:pPr algn="ctr"/>
+            <a:r>
+              <a:rPr kumimoji="1" lang="en-US" altLang="ja-JP" sz="2000">
+                <a:solidFill>
+                  <a:schemeClr val="tx1"/>
+                </a:solidFill>
+              </a:rPr>
+              <a:t>a</a:t>
+            </a:r>
+            <a:endParaRPr kumimoji="1" lang="ja-JP" altLang="en-US" sz="2000">
+              <a:solidFill>
+                <a:schemeClr val="tx1"/>
+              </a:solidFill>
+            </a:endParaRPr>
+          </a:p>
+        </p:txBody>
+      </p:sp>
+      <p:cxnSp>
+        <p:nvCxnSpPr>
+          <p:cNvPr id="24" name="直線矢印コネクタ 23">
+            <a:extLst>
+              <a:ext uri="{FF2B5EF4-FFF2-40B4-BE49-F238E27FC236}">
+                <a16:creationId xmlns:a16="http://schemas.microsoft.com/office/drawing/2014/main" id="{06143D0F-7AE7-1D41-B765-8647ACA13FF6}"/>
+              </a:ext>
+            </a:extLst>
+          </p:cNvPr>
+          <p:cNvCxnSpPr>
+            <a:cxnSpLocks/>
+            <a:stCxn id="23" idx="0"/>
+          </p:cNvCxnSpPr>
+          <p:nvPr/>
+        </p:nvCxnSpPr>
+        <p:spPr>
+          <a:xfrm>
+            <a:off x="5693648" y="4190504"/>
+            <a:ext cx="288032" cy="0"/>
+          </a:xfrm>
+          <a:prstGeom prst="straightConnector1">
+            <a:avLst/>
+          </a:prstGeom>
+          <a:ln w="12700">
+            <a:solidFill>
+              <a:schemeClr val="tx1"/>
+            </a:solidFill>
+            <a:tailEnd type="triangle"/>
+          </a:ln>
+        </p:spPr>
+        <p:style>
+          <a:lnRef idx="1">
+            <a:schemeClr val="accent1"/>
+          </a:lnRef>
+          <a:fillRef idx="0">
+            <a:schemeClr val="accent1"/>
+          </a:fillRef>
+          <a:effectRef idx="0">
+            <a:schemeClr val="accent1"/>
+          </a:effectRef>
+          <a:fontRef idx="minor">
+            <a:schemeClr val="tx1"/>
+          </a:fontRef>
+        </p:style>
+      </p:cxnSp>
+      <p:sp>
+        <p:nvSpPr>
+          <p:cNvPr id="25" name="1 つの角を切り取った四角形 24">
+            <a:extLst>
+              <a:ext uri="{FF2B5EF4-FFF2-40B4-BE49-F238E27FC236}">
+                <a16:creationId xmlns:a16="http://schemas.microsoft.com/office/drawing/2014/main" id="{5A486CCD-769D-F64A-B797-429726C395AE}"/>
+              </a:ext>
+            </a:extLst>
+          </p:cNvPr>
+          <p:cNvSpPr/>
+          <p:nvPr/>
+        </p:nvSpPr>
+        <p:spPr>
+          <a:xfrm>
+            <a:off x="4829552" y="4406528"/>
+            <a:ext cx="864096" cy="288032"/>
+          </a:xfrm>
+          <a:prstGeom prst="snip1Rect">
+            <a:avLst/>
+          </a:prstGeom>
+          <a:noFill/>
+          <a:ln>
+            <a:solidFill>
+              <a:schemeClr val="tx1"/>
+            </a:solidFill>
+          </a:ln>
+        </p:spPr>
+        <p:style>
+          <a:lnRef idx="2">
+            <a:schemeClr val="accent1">
+              <a:shade val="50000"/>
+            </a:schemeClr>
+          </a:lnRef>
+          <a:fillRef idx="1">
+            <a:schemeClr val="accent1"/>
+          </a:fillRef>
+          <a:effectRef idx="0">
+            <a:schemeClr val="accent1"/>
+          </a:effectRef>
+          <a:fontRef idx="minor">
+            <a:schemeClr val="lt1"/>
+          </a:fontRef>
+        </p:style>
+        <p:txBody>
+          <a:bodyPr rtlCol="0" anchor="ctr"/>
+          <a:lstStyle/>
+          <a:p>
+            <a:pPr algn="ctr"/>
+            <a:r>
+              <a:rPr kumimoji="1" lang="en-US" altLang="ja-JP" sz="2000">
+                <a:solidFill>
+                  <a:schemeClr val="tx1"/>
+                </a:solidFill>
+              </a:rPr>
+              <a:t>b</a:t>
+            </a:r>
+            <a:endParaRPr kumimoji="1" lang="ja-JP" altLang="en-US" sz="2000">
+              <a:solidFill>
+                <a:schemeClr val="tx1"/>
+              </a:solidFill>
+            </a:endParaRPr>
+          </a:p>
+        </p:txBody>
+      </p:sp>
+      <p:cxnSp>
+        <p:nvCxnSpPr>
+          <p:cNvPr id="26" name="直線矢印コネクタ 25">
+            <a:extLst>
+              <a:ext uri="{FF2B5EF4-FFF2-40B4-BE49-F238E27FC236}">
+                <a16:creationId xmlns:a16="http://schemas.microsoft.com/office/drawing/2014/main" id="{85D1EF04-9EF8-DD4C-A511-389437CD1504}"/>
+              </a:ext>
+            </a:extLst>
+          </p:cNvPr>
+          <p:cNvCxnSpPr>
+            <a:stCxn id="25" idx="0"/>
+          </p:cNvCxnSpPr>
+          <p:nvPr/>
+        </p:nvCxnSpPr>
+        <p:spPr>
+          <a:xfrm>
+            <a:off x="5693648" y="4550544"/>
+            <a:ext cx="288032" cy="0"/>
+          </a:xfrm>
+          <a:prstGeom prst="straightConnector1">
+            <a:avLst/>
+          </a:prstGeom>
+          <a:ln w="12700">
+            <a:solidFill>
+              <a:schemeClr val="tx1"/>
+            </a:solidFill>
+            <a:tailEnd type="triangle"/>
+          </a:ln>
+        </p:spPr>
+        <p:style>
+          <a:lnRef idx="1">
+            <a:schemeClr val="accent1"/>
+          </a:lnRef>
+          <a:fillRef idx="0">
+            <a:schemeClr val="accent1"/>
+          </a:fillRef>
+          <a:effectRef idx="0">
+            <a:schemeClr val="accent1"/>
+          </a:effectRef>
+          <a:fontRef idx="minor">
+            <a:schemeClr val="tx1"/>
+          </a:fontRef>
+        </p:style>
+      </p:cxnSp>
+      <p:cxnSp>
+        <p:nvCxnSpPr>
+          <p:cNvPr id="27" name="カギ線コネクタ 26">
+            <a:extLst>
+              <a:ext uri="{FF2B5EF4-FFF2-40B4-BE49-F238E27FC236}">
+                <a16:creationId xmlns:a16="http://schemas.microsoft.com/office/drawing/2014/main" id="{F8ADF08E-E286-A847-9CE7-FDD44B582672}"/>
+              </a:ext>
+            </a:extLst>
+          </p:cNvPr>
+          <p:cNvCxnSpPr>
+            <a:cxnSpLocks/>
+            <a:stCxn id="18" idx="3"/>
+          </p:cNvCxnSpPr>
+          <p:nvPr/>
+        </p:nvCxnSpPr>
+        <p:spPr>
+          <a:xfrm flipV="1">
+            <a:off x="7493848" y="3038376"/>
+            <a:ext cx="12700" cy="1476164"/>
+          </a:xfrm>
+          <a:prstGeom prst="bentConnector4">
+            <a:avLst>
+              <a:gd name="adj1" fmla="val 3560000"/>
+              <a:gd name="adj2" fmla="val 100147"/>
+            </a:avLst>
+          </a:prstGeom>
+          <a:ln w="28575">
+            <a:solidFill>
+              <a:srgbClr val="FF0000"/>
+            </a:solidFill>
+            <a:tailEnd type="triangle"/>
+          </a:ln>
+        </p:spPr>
+        <p:style>
+          <a:lnRef idx="1">
+            <a:schemeClr val="accent1"/>
+          </a:lnRef>
+          <a:fillRef idx="0">
+            <a:schemeClr val="accent1"/>
+          </a:fillRef>
+          <a:effectRef idx="0">
+            <a:schemeClr val="accent1"/>
+          </a:effectRef>
+          <a:fontRef idx="minor">
+            <a:schemeClr val="tx1"/>
+          </a:fontRef>
+        </p:style>
+      </p:cxnSp>
+      <p:cxnSp>
+        <p:nvCxnSpPr>
+          <p:cNvPr id="28" name="カギ線コネクタ 27">
+            <a:extLst>
+              <a:ext uri="{FF2B5EF4-FFF2-40B4-BE49-F238E27FC236}">
+                <a16:creationId xmlns:a16="http://schemas.microsoft.com/office/drawing/2014/main" id="{22D602D3-BEDC-4249-B139-88FD46134F80}"/>
+              </a:ext>
+            </a:extLst>
+          </p:cNvPr>
+          <p:cNvCxnSpPr>
+            <a:cxnSpLocks/>
+            <a:stCxn id="20" idx="1"/>
+            <a:endCxn id="21" idx="1"/>
+          </p:cNvCxnSpPr>
+          <p:nvPr/>
+        </p:nvCxnSpPr>
+        <p:spPr>
+          <a:xfrm rot="10800000" flipV="1">
+            <a:off x="6053688" y="3074380"/>
+            <a:ext cx="12700" cy="360040"/>
+          </a:xfrm>
+          <a:prstGeom prst="bentConnector3">
+            <a:avLst>
+              <a:gd name="adj1" fmla="val 1800000"/>
+            </a:avLst>
+          </a:prstGeom>
+          <a:ln w="28575">
+            <a:solidFill>
+              <a:srgbClr val="0070C0"/>
+            </a:solidFill>
+            <a:tailEnd type="triangle"/>
+          </a:ln>
+        </p:spPr>
+        <p:style>
+          <a:lnRef idx="1">
+            <a:schemeClr val="accent1"/>
+          </a:lnRef>
+          <a:fillRef idx="0">
+            <a:schemeClr val="accent1"/>
+          </a:fillRef>
+          <a:effectRef idx="0">
+            <a:schemeClr val="accent1"/>
+          </a:effectRef>
+          <a:fontRef idx="minor">
+            <a:schemeClr val="tx1"/>
+          </a:fontRef>
+        </p:style>
+      </p:cxnSp>
+      <p:sp>
+        <p:nvSpPr>
+          <p:cNvPr id="29" name="テキスト ボックス 28">
+            <a:extLst>
+              <a:ext uri="{FF2B5EF4-FFF2-40B4-BE49-F238E27FC236}">
+                <a16:creationId xmlns:a16="http://schemas.microsoft.com/office/drawing/2014/main" id="{4E1B0326-093B-8A48-B55F-197BF77AD764}"/>
+              </a:ext>
+            </a:extLst>
+          </p:cNvPr>
+          <p:cNvSpPr txBox="1"/>
+          <p:nvPr/>
+        </p:nvSpPr>
+        <p:spPr>
+          <a:xfrm>
+            <a:off x="5325224" y="1812960"/>
+            <a:ext cx="2857832" cy="584775"/>
+          </a:xfrm>
+          <a:prstGeom prst="rect">
+            <a:avLst/>
+          </a:prstGeom>
+          <a:noFill/>
+        </p:spPr>
+        <p:txBody>
+          <a:bodyPr wrap="square" rtlCol="0">
+            <a:spAutoFit/>
+          </a:bodyPr>
+          <a:lstStyle/>
+          <a:p>
+            <a:r>
+              <a:rPr lang="en-US" altLang="ja-JP" sz="1600"/>
+              <a:t>b</a:t>
+            </a:r>
+            <a:r>
+              <a:rPr lang="ja-JP" altLang="en-US" sz="1600"/>
+              <a:t>を通じてリストを修正する</a:t>
+            </a:r>
+            <a:endParaRPr lang="en-US" altLang="ja-JP" sz="1600"/>
+          </a:p>
+          <a:p>
+            <a:r>
+              <a:rPr kumimoji="1" lang="en-US" altLang="ja-JP" sz="1600"/>
+              <a:t>(a</a:t>
+            </a:r>
+            <a:r>
+              <a:rPr kumimoji="1" lang="ja-JP" altLang="en-US" sz="1600"/>
+              <a:t>の指すリストも書き換わる</a:t>
+            </a:r>
+            <a:r>
+              <a:rPr kumimoji="1" lang="en-US" altLang="ja-JP" sz="1600"/>
+              <a:t>)</a:t>
+            </a:r>
+            <a:endParaRPr kumimoji="1" lang="ja-JP" altLang="en-US" sz="1600"/>
+          </a:p>
+        </p:txBody>
+      </p:sp>
+      <p:sp>
+        <p:nvSpPr>
+          <p:cNvPr id="30" name="右矢印 29">
+            <a:extLst>
+              <a:ext uri="{FF2B5EF4-FFF2-40B4-BE49-F238E27FC236}">
+                <a16:creationId xmlns:a16="http://schemas.microsoft.com/office/drawing/2014/main" id="{843977CB-408B-8C4A-B3CA-B1C078148FC0}"/>
+              </a:ext>
+            </a:extLst>
+          </p:cNvPr>
+          <p:cNvSpPr/>
+          <p:nvPr/>
+        </p:nvSpPr>
+        <p:spPr>
+          <a:xfrm>
+            <a:off x="4109472" y="3614440"/>
+            <a:ext cx="360040" cy="288032"/>
+          </a:xfrm>
+          <a:prstGeom prst="rightArrow">
+            <a:avLst/>
+          </a:prstGeom>
+          <a:solidFill>
+            <a:srgbClr val="FF0000"/>
+          </a:solidFill>
+          <a:ln>
+            <a:solidFill>
+              <a:schemeClr val="tx1"/>
+            </a:solidFill>
+          </a:ln>
+        </p:spPr>
+        <p:style>
+          <a:lnRef idx="2">
+            <a:schemeClr val="accent1">
+              <a:shade val="50000"/>
+            </a:schemeClr>
+          </a:lnRef>
+          <a:fillRef idx="1">
+            <a:schemeClr val="accent1"/>
+          </a:fillRef>
+          <a:effectRef idx="0">
+            <a:schemeClr val="accent1"/>
+          </a:effectRef>
+          <a:fontRef idx="minor">
+            <a:schemeClr val="lt1"/>
+          </a:fontRef>
+        </p:style>
+        <p:txBody>
+          <a:bodyPr rtlCol="0" anchor="ctr"/>
+          <a:lstStyle/>
+          <a:p>
+            <a:pPr algn="ctr"/>
+            <a:endParaRPr kumimoji="1" lang="ja-JP" altLang="en-US"/>
+          </a:p>
+        </p:txBody>
+      </p:sp>
+      <p:sp>
+        <p:nvSpPr>
+          <p:cNvPr id="31" name="正方形/長方形 30">
+            <a:extLst>
+              <a:ext uri="{FF2B5EF4-FFF2-40B4-BE49-F238E27FC236}">
+                <a16:creationId xmlns:a16="http://schemas.microsoft.com/office/drawing/2014/main" id="{1BDF16D7-D5B8-A94A-A61A-09B6AD73BE29}"/>
+              </a:ext>
+            </a:extLst>
+          </p:cNvPr>
+          <p:cNvSpPr/>
+          <p:nvPr/>
+        </p:nvSpPr>
+        <p:spPr>
+          <a:xfrm>
+            <a:off x="2936240" y="638016"/>
+            <a:ext cx="2407920" cy="1477328"/>
+          </a:xfrm>
+          <a:prstGeom prst="rect">
+            <a:avLst/>
+          </a:prstGeom>
+        </p:spPr>
+        <p:txBody>
+          <a:bodyPr wrap="square">
+            <a:spAutoFit/>
+          </a:bodyPr>
+          <a:lstStyle/>
+          <a:p>
+            <a:r>
+              <a:rPr lang="en" altLang="ja-JP" b="0">
+                <a:effectLst/>
+                <a:latin typeface="Menlo" panose="020B0609030804020204" pitchFamily="49" charset="0"/>
+              </a:rPr>
+              <a:t>def func(b):</a:t>
+            </a:r>
+          </a:p>
+          <a:p>
+            <a:r>
+              <a:rPr lang="en" altLang="ja-JP" b="0">
+                <a:effectLst/>
+                <a:latin typeface="Menlo" panose="020B0609030804020204" pitchFamily="49" charset="0"/>
+              </a:rPr>
+              <a:t>    b[1] = 4</a:t>
+            </a:r>
+          </a:p>
+          <a:p>
+            <a:br>
+              <a:rPr lang="en" altLang="ja-JP" b="0">
+                <a:effectLst/>
+                <a:latin typeface="Menlo" panose="020B0609030804020204" pitchFamily="49" charset="0"/>
+              </a:rPr>
+            </a:br>
+            <a:r>
+              <a:rPr lang="en" altLang="ja-JP" b="0">
+                <a:effectLst/>
+                <a:latin typeface="Menlo" panose="020B0609030804020204" pitchFamily="49" charset="0"/>
+              </a:rPr>
+              <a:t>a = [1,2,3]</a:t>
+            </a:r>
+          </a:p>
+          <a:p>
+            <a:r>
+              <a:rPr lang="en" altLang="ja-JP" b="0">
+                <a:effectLst/>
+                <a:latin typeface="Menlo" panose="020B0609030804020204" pitchFamily="49" charset="0"/>
+              </a:rPr>
+              <a:t>func(a)</a:t>
+            </a:r>
+          </a:p>
+        </p:txBody>
+      </p:sp>
+      <p:sp>
+        <p:nvSpPr>
+          <p:cNvPr id="35" name="円/楕円 34">
+            <a:extLst>
+              <a:ext uri="{FF2B5EF4-FFF2-40B4-BE49-F238E27FC236}">
+                <a16:creationId xmlns:a16="http://schemas.microsoft.com/office/drawing/2014/main" id="{1A0071E2-DFB5-D645-84CF-57E0506CB6F7}"/>
+              </a:ext>
+            </a:extLst>
+          </p:cNvPr>
+          <p:cNvSpPr/>
+          <p:nvPr/>
+        </p:nvSpPr>
+        <p:spPr>
+          <a:xfrm>
+            <a:off x="4226560" y="508000"/>
+            <a:ext cx="193040" cy="193040"/>
+          </a:xfrm>
+          <a:prstGeom prst="ellipse">
+            <a:avLst/>
+          </a:prstGeom>
+          <a:solidFill>
+            <a:srgbClr val="FF0000"/>
+          </a:solidFill>
+          <a:ln>
+            <a:solidFill>
+              <a:schemeClr val="tx1"/>
+            </a:solidFill>
+          </a:ln>
+        </p:spPr>
+        <p:style>
+          <a:lnRef idx="2">
+            <a:schemeClr val="accent1">
+              <a:shade val="50000"/>
+            </a:schemeClr>
+          </a:lnRef>
+          <a:fillRef idx="1">
+            <a:schemeClr val="accent1"/>
+          </a:fillRef>
+          <a:effectRef idx="0">
+            <a:schemeClr val="accent1"/>
+          </a:effectRef>
+          <a:fontRef idx="minor">
+            <a:schemeClr val="lt1"/>
+          </a:fontRef>
+        </p:style>
+        <p:txBody>
+          <a:bodyPr rtlCol="0" anchor="ctr"/>
+          <a:lstStyle/>
+          <a:p>
+            <a:pPr algn="ctr"/>
+            <a:endParaRPr kumimoji="1" lang="ja-JP" altLang="en-US"/>
+          </a:p>
+        </p:txBody>
+      </p:sp>
+      <p:sp>
+        <p:nvSpPr>
+          <p:cNvPr id="36" name="円/楕円 35">
+            <a:extLst>
+              <a:ext uri="{FF2B5EF4-FFF2-40B4-BE49-F238E27FC236}">
+                <a16:creationId xmlns:a16="http://schemas.microsoft.com/office/drawing/2014/main" id="{7606C3EF-BED8-C546-9B9D-71F7574C80B4}"/>
+              </a:ext>
+            </a:extLst>
+          </p:cNvPr>
+          <p:cNvSpPr/>
+          <p:nvPr/>
+        </p:nvSpPr>
+        <p:spPr>
+          <a:xfrm>
+            <a:off x="4866640" y="1016000"/>
+            <a:ext cx="193040" cy="193040"/>
+          </a:xfrm>
+          <a:prstGeom prst="ellipse">
+            <a:avLst/>
+          </a:prstGeom>
+          <a:solidFill>
+            <a:srgbClr val="FF0000"/>
+          </a:solidFill>
+          <a:ln>
+            <a:solidFill>
+              <a:schemeClr val="tx1"/>
+            </a:solidFill>
+          </a:ln>
+        </p:spPr>
+        <p:style>
+          <a:lnRef idx="2">
+            <a:schemeClr val="accent1">
+              <a:shade val="50000"/>
+            </a:schemeClr>
+          </a:lnRef>
+          <a:fillRef idx="1">
+            <a:schemeClr val="accent1"/>
+          </a:fillRef>
+          <a:effectRef idx="0">
+            <a:schemeClr val="accent1"/>
+          </a:effectRef>
+          <a:fontRef idx="minor">
+            <a:schemeClr val="lt1"/>
+          </a:fontRef>
+        </p:style>
+        <p:txBody>
+          <a:bodyPr rtlCol="0" anchor="ctr"/>
+          <a:lstStyle/>
+          <a:p>
+            <a:pPr algn="ctr"/>
+            <a:endParaRPr kumimoji="1" lang="ja-JP" altLang="en-US"/>
+          </a:p>
+        </p:txBody>
+      </p:sp>
+      <p:cxnSp>
+        <p:nvCxnSpPr>
+          <p:cNvPr id="38" name="カギ線コネクタ 37">
+            <a:extLst>
+              <a:ext uri="{FF2B5EF4-FFF2-40B4-BE49-F238E27FC236}">
+                <a16:creationId xmlns:a16="http://schemas.microsoft.com/office/drawing/2014/main" id="{660C54D0-3008-7749-974C-33BA12A47DA7}"/>
+              </a:ext>
+            </a:extLst>
+          </p:cNvPr>
+          <p:cNvCxnSpPr>
+            <a:cxnSpLocks/>
+            <a:stCxn id="35" idx="0"/>
+            <a:endCxn id="12" idx="0"/>
+          </p:cNvCxnSpPr>
+          <p:nvPr/>
+        </p:nvCxnSpPr>
+        <p:spPr>
+          <a:xfrm rot="16200000" flipH="1" flipV="1">
+            <a:off x="2354162" y="463802"/>
+            <a:ext cx="1924720" cy="2013116"/>
+          </a:xfrm>
+          <a:prstGeom prst="bentConnector3">
+            <a:avLst>
+              <a:gd name="adj1" fmla="val -11877"/>
+            </a:avLst>
+          </a:prstGeom>
+          <a:ln w="12700">
+            <a:solidFill>
+              <a:schemeClr val="tx1"/>
+            </a:solidFill>
+            <a:headEnd type="triangle" w="med" len="med"/>
+            <a:tailEnd type="none" w="med" len="med"/>
+          </a:ln>
+        </p:spPr>
+        <p:style>
+          <a:lnRef idx="1">
+            <a:schemeClr val="accent1"/>
+          </a:lnRef>
+          <a:fillRef idx="0">
+            <a:schemeClr val="accent1"/>
+          </a:fillRef>
+          <a:effectRef idx="0">
+            <a:schemeClr val="accent1"/>
+          </a:effectRef>
+          <a:fontRef idx="minor">
+            <a:schemeClr val="tx1"/>
+          </a:fontRef>
+        </p:style>
+      </p:cxnSp>
+      <p:cxnSp>
+        <p:nvCxnSpPr>
+          <p:cNvPr id="42" name="カギ線コネクタ 41">
+            <a:extLst>
+              <a:ext uri="{FF2B5EF4-FFF2-40B4-BE49-F238E27FC236}">
+                <a16:creationId xmlns:a16="http://schemas.microsoft.com/office/drawing/2014/main" id="{60D9E614-502F-E845-92B3-03E94ED68FC7}"/>
+              </a:ext>
+            </a:extLst>
+          </p:cNvPr>
+          <p:cNvCxnSpPr>
+            <a:stCxn id="29" idx="0"/>
+            <a:endCxn id="36" idx="6"/>
+          </p:cNvCxnSpPr>
+          <p:nvPr/>
+        </p:nvCxnSpPr>
+        <p:spPr>
+          <a:xfrm rot="16200000" flipV="1">
+            <a:off x="5556690" y="615510"/>
+            <a:ext cx="700440" cy="1694460"/>
+          </a:xfrm>
+          <a:prstGeom prst="bentConnector2">
+            <a:avLst/>
+          </a:prstGeom>
+          <a:ln w="12700">
+            <a:solidFill>
+              <a:schemeClr val="tx1"/>
+            </a:solidFill>
+            <a:tailEnd type="triangle"/>
+          </a:ln>
+        </p:spPr>
+        <p:style>
+          <a:lnRef idx="1">
+            <a:schemeClr val="accent1"/>
+          </a:lnRef>
+          <a:fillRef idx="0">
+            <a:schemeClr val="accent1"/>
+          </a:fillRef>
+          <a:effectRef idx="0">
+            <a:schemeClr val="accent1"/>
+          </a:effectRef>
+          <a:fontRef idx="minor">
+            <a:schemeClr val="tx1"/>
+          </a:fontRef>
+        </p:style>
+      </p:cxnSp>
+    </p:spTree>
+    <p:extLst>
+      <p:ext uri="{BB962C8B-B14F-4D97-AF65-F5344CB8AC3E}">
+        <p14:creationId xmlns:p14="http://schemas.microsoft.com/office/powerpoint/2010/main" val="2056423713"/>
+      </p:ext>
+    </p:extLst>
+  </p:cSld>
+  <p:clrMapOvr>
+    <a:masterClrMapping/>
+  </p:clrMapOvr>
+</p:sld>
+</file>
+
+<file path=ppt/slides/slide8.xml><?xml version="1.0" encoding="utf-8"?>
+<p:sld xmlns:a="http://schemas.openxmlformats.org/drawingml/2006/main" xmlns:r="http://schemas.openxmlformats.org/officeDocument/2006/relationships" xmlns:p="http://schemas.openxmlformats.org/presentationml/2006/main">
+  <p:cSld>
+    <p:spTree>
+      <p:nvGrpSpPr>
+        <p:cNvPr id="1" name=""/>
+        <p:cNvGrpSpPr/>
+        <p:nvPr/>
+      </p:nvGrpSpPr>
+      <p:grpSpPr>
+        <a:xfrm>
+          <a:off x="0" y="0"/>
+          <a:ext cx="0" cy="0"/>
+          <a:chOff x="0" y="0"/>
+          <a:chExt cx="0" cy="0"/>
+        </a:xfrm>
+      </p:grpSpPr>
+      <p:sp>
+        <p:nvSpPr>
+          <p:cNvPr id="2" name="正方形/長方形 1">
+            <a:extLst>
+              <a:ext uri="{FF2B5EF4-FFF2-40B4-BE49-F238E27FC236}">
+                <a16:creationId xmlns:a16="http://schemas.microsoft.com/office/drawing/2014/main" id="{148ED71D-6A95-E74D-98A2-5E9DB4499C02}"/>
+              </a:ext>
+            </a:extLst>
+          </p:cNvPr>
+          <p:cNvSpPr/>
+          <p:nvPr/>
+        </p:nvSpPr>
+        <p:spPr>
+          <a:xfrm>
+            <a:off x="2890952" y="568960"/>
+            <a:ext cx="2250008" cy="1595120"/>
+          </a:xfrm>
+          <a:prstGeom prst="rect">
+            <a:avLst/>
+          </a:prstGeom>
+          <a:solidFill>
+            <a:schemeClr val="accent1">
+              <a:lumMod val="20000"/>
+              <a:lumOff val="80000"/>
+            </a:schemeClr>
+          </a:solidFill>
+          <a:ln>
+            <a:noFill/>
+          </a:ln>
+        </p:spPr>
+        <p:style>
+          <a:lnRef idx="2">
+            <a:schemeClr val="accent1">
+              <a:shade val="50000"/>
+            </a:schemeClr>
+          </a:lnRef>
+          <a:fillRef idx="1">
+            <a:schemeClr val="accent1"/>
+          </a:fillRef>
+          <a:effectRef idx="0">
+            <a:schemeClr val="accent1"/>
+          </a:effectRef>
+          <a:fontRef idx="minor">
+            <a:schemeClr val="lt1"/>
+          </a:fontRef>
+        </p:style>
+        <p:txBody>
+          <a:bodyPr rtlCol="0" anchor="ctr"/>
+          <a:lstStyle/>
+          <a:p>
+            <a:pPr algn="ctr"/>
+            <a:endParaRPr kumimoji="1" lang="ja-JP" altLang="en-US">
+              <a:solidFill>
+                <a:schemeClr val="tx1"/>
+              </a:solidFill>
+            </a:endParaRPr>
+          </a:p>
+        </p:txBody>
+      </p:sp>
+      <p:sp>
+        <p:nvSpPr>
+          <p:cNvPr id="3" name="正方形/長方形 2">
+            <a:extLst>
+              <a:ext uri="{FF2B5EF4-FFF2-40B4-BE49-F238E27FC236}">
+                <a16:creationId xmlns:a16="http://schemas.microsoft.com/office/drawing/2014/main" id="{654358E1-2715-0441-98EC-1CDAEB89F315}"/>
+              </a:ext>
+            </a:extLst>
+          </p:cNvPr>
+          <p:cNvSpPr/>
+          <p:nvPr/>
+        </p:nvSpPr>
+        <p:spPr>
+          <a:xfrm>
+            <a:off x="3516928" y="943248"/>
+            <a:ext cx="1624032" cy="336912"/>
+          </a:xfrm>
+          <a:prstGeom prst="rect">
+            <a:avLst/>
+          </a:prstGeom>
+          <a:solidFill>
+            <a:srgbClr val="FF8AD8"/>
+          </a:solidFill>
+          <a:ln>
+            <a:noFill/>
+          </a:ln>
+        </p:spPr>
+        <p:style>
+          <a:lnRef idx="2">
+            <a:schemeClr val="accent1">
+              <a:shade val="50000"/>
+            </a:schemeClr>
+          </a:lnRef>
+          <a:fillRef idx="1">
+            <a:schemeClr val="accent1"/>
+          </a:fillRef>
+          <a:effectRef idx="0">
+            <a:schemeClr val="accent1"/>
+          </a:effectRef>
+          <a:fontRef idx="minor">
+            <a:schemeClr val="lt1"/>
+          </a:fontRef>
+        </p:style>
+        <p:txBody>
+          <a:bodyPr rtlCol="0" anchor="ctr"/>
+          <a:lstStyle/>
+          <a:p>
+            <a:pPr algn="ctr"/>
+            <a:endParaRPr kumimoji="1" lang="ja-JP" altLang="en-US">
+              <a:solidFill>
+                <a:schemeClr val="tx1"/>
+              </a:solidFill>
+            </a:endParaRPr>
+          </a:p>
+        </p:txBody>
+      </p:sp>
+      <p:sp>
+        <p:nvSpPr>
+          <p:cNvPr id="4" name="正方形/長方形 3">
+            <a:extLst>
+              <a:ext uri="{FF2B5EF4-FFF2-40B4-BE49-F238E27FC236}">
+                <a16:creationId xmlns:a16="http://schemas.microsoft.com/office/drawing/2014/main" id="{45AA1A9E-1400-5D44-8814-AB0CECE80CD0}"/>
+              </a:ext>
+            </a:extLst>
+          </p:cNvPr>
+          <p:cNvSpPr/>
+          <p:nvPr/>
+        </p:nvSpPr>
+        <p:spPr>
+          <a:xfrm>
+            <a:off x="1517184" y="3614440"/>
+            <a:ext cx="1440160" cy="360040"/>
+          </a:xfrm>
+          <a:prstGeom prst="rect">
+            <a:avLst/>
+          </a:prstGeom>
+          <a:noFill/>
+          <a:ln>
+            <a:solidFill>
+              <a:schemeClr val="tx1"/>
+            </a:solidFill>
+          </a:ln>
+        </p:spPr>
+        <p:style>
+          <a:lnRef idx="2">
+            <a:schemeClr val="accent1">
+              <a:shade val="50000"/>
+            </a:schemeClr>
+          </a:lnRef>
+          <a:fillRef idx="1">
+            <a:schemeClr val="accent1"/>
+          </a:fillRef>
+          <a:effectRef idx="0">
+            <a:schemeClr val="accent1"/>
+          </a:effectRef>
+          <a:fontRef idx="minor">
+            <a:schemeClr val="lt1"/>
+          </a:fontRef>
+        </p:style>
+        <p:txBody>
+          <a:bodyPr rtlCol="0" anchor="ctr"/>
+          <a:lstStyle/>
+          <a:p>
+            <a:pPr algn="ctr"/>
+            <a:r>
+              <a:rPr kumimoji="1" lang="en-US" altLang="ja-JP">
+                <a:solidFill>
+                  <a:schemeClr val="tx1"/>
+                </a:solidFill>
+              </a:rPr>
+              <a:t>3</a:t>
+            </a:r>
+            <a:endParaRPr kumimoji="1" lang="ja-JP" altLang="en-US">
+              <a:solidFill>
+                <a:schemeClr val="tx1"/>
+              </a:solidFill>
+            </a:endParaRPr>
+          </a:p>
+        </p:txBody>
+      </p:sp>
+      <p:sp>
+        <p:nvSpPr>
+          <p:cNvPr id="5" name="正方形/長方形 4">
+            <a:extLst>
+              <a:ext uri="{FF2B5EF4-FFF2-40B4-BE49-F238E27FC236}">
+                <a16:creationId xmlns:a16="http://schemas.microsoft.com/office/drawing/2014/main" id="{FC37936D-95CC-934D-8694-C04DED564F84}"/>
+              </a:ext>
+            </a:extLst>
+          </p:cNvPr>
+          <p:cNvSpPr/>
+          <p:nvPr/>
+        </p:nvSpPr>
+        <p:spPr>
+          <a:xfrm>
+            <a:off x="1517184" y="3974480"/>
+            <a:ext cx="1440160" cy="360040"/>
+          </a:xfrm>
+          <a:prstGeom prst="rect">
+            <a:avLst/>
+          </a:prstGeom>
+          <a:noFill/>
+          <a:ln>
+            <a:solidFill>
+              <a:schemeClr val="tx1"/>
+            </a:solidFill>
+          </a:ln>
+        </p:spPr>
+        <p:style>
+          <a:lnRef idx="2">
+            <a:schemeClr val="accent1">
+              <a:shade val="50000"/>
+            </a:schemeClr>
+          </a:lnRef>
+          <a:fillRef idx="1">
+            <a:schemeClr val="accent1"/>
+          </a:fillRef>
+          <a:effectRef idx="0">
+            <a:schemeClr val="accent1"/>
+          </a:effectRef>
+          <a:fontRef idx="minor">
+            <a:schemeClr val="lt1"/>
+          </a:fontRef>
+        </p:style>
+        <p:txBody>
+          <a:bodyPr rtlCol="0" anchor="ctr"/>
+          <a:lstStyle/>
+          <a:p>
+            <a:pPr algn="ctr"/>
+            <a:r>
+              <a:rPr kumimoji="1" lang="en-US" altLang="ja-JP" sz="1600">
+                <a:solidFill>
+                  <a:schemeClr val="tx1"/>
+                </a:solidFill>
+              </a:rPr>
+              <a:t>0</a:t>
+            </a:r>
+            <a:r>
+              <a:rPr kumimoji="1" lang="ja-JP" altLang="en-US" sz="1600">
+                <a:solidFill>
+                  <a:schemeClr val="tx1"/>
+                </a:solidFill>
+              </a:rPr>
+              <a:t>番地を見よ</a:t>
+            </a:r>
+          </a:p>
+        </p:txBody>
+      </p:sp>
+      <p:sp>
+        <p:nvSpPr>
+          <p:cNvPr id="6" name="正方形/長方形 5">
+            <a:extLst>
+              <a:ext uri="{FF2B5EF4-FFF2-40B4-BE49-F238E27FC236}">
+                <a16:creationId xmlns:a16="http://schemas.microsoft.com/office/drawing/2014/main" id="{799EF6C4-1706-524F-B1CC-04D5AA698D97}"/>
+              </a:ext>
+            </a:extLst>
+          </p:cNvPr>
+          <p:cNvSpPr/>
+          <p:nvPr/>
+        </p:nvSpPr>
+        <p:spPr>
+          <a:xfrm>
+            <a:off x="1517184" y="4334520"/>
+            <a:ext cx="1440160" cy="360040"/>
+          </a:xfrm>
+          <a:prstGeom prst="rect">
+            <a:avLst/>
+          </a:prstGeom>
+          <a:noFill/>
+          <a:ln>
+            <a:solidFill>
+              <a:schemeClr val="tx1"/>
+            </a:solidFill>
+          </a:ln>
+        </p:spPr>
+        <p:style>
+          <a:lnRef idx="2">
+            <a:schemeClr val="accent1">
+              <a:shade val="50000"/>
+            </a:schemeClr>
+          </a:lnRef>
+          <a:fillRef idx="1">
+            <a:schemeClr val="accent1"/>
+          </a:fillRef>
+          <a:effectRef idx="0">
+            <a:schemeClr val="accent1"/>
+          </a:effectRef>
+          <a:fontRef idx="minor">
+            <a:schemeClr val="lt1"/>
+          </a:fontRef>
+        </p:style>
+        <p:txBody>
+          <a:bodyPr rtlCol="0" anchor="ctr"/>
+          <a:lstStyle/>
+          <a:p>
+            <a:pPr algn="ctr"/>
+            <a:r>
+              <a:rPr lang="en-US" altLang="ja-JP" sz="1600">
+                <a:solidFill>
+                  <a:srgbClr val="FF0000"/>
+                </a:solidFill>
+              </a:rPr>
+              <a:t>0</a:t>
+            </a:r>
+            <a:r>
+              <a:rPr lang="ja-JP" altLang="en-US" sz="1600">
+                <a:solidFill>
+                  <a:srgbClr val="FF0000"/>
+                </a:solidFill>
+              </a:rPr>
+              <a:t>番地を見よ</a:t>
+            </a:r>
+          </a:p>
+        </p:txBody>
+      </p:sp>
+      <p:sp>
+        <p:nvSpPr>
+          <p:cNvPr id="7" name="正方形/長方形 6">
+            <a:extLst>
+              <a:ext uri="{FF2B5EF4-FFF2-40B4-BE49-F238E27FC236}">
+                <a16:creationId xmlns:a16="http://schemas.microsoft.com/office/drawing/2014/main" id="{63FD600C-BABB-584B-B30B-19A411551A59}"/>
+              </a:ext>
+            </a:extLst>
+          </p:cNvPr>
+          <p:cNvSpPr/>
+          <p:nvPr/>
+        </p:nvSpPr>
+        <p:spPr>
+          <a:xfrm>
+            <a:off x="1517184" y="4694560"/>
+            <a:ext cx="1440160" cy="360040"/>
+          </a:xfrm>
+          <a:prstGeom prst="rect">
+            <a:avLst/>
+          </a:prstGeom>
+          <a:noFill/>
+          <a:ln>
+            <a:solidFill>
+              <a:schemeClr val="tx1"/>
+            </a:solidFill>
+          </a:ln>
+        </p:spPr>
+        <p:style>
+          <a:lnRef idx="2">
+            <a:schemeClr val="accent1">
+              <a:shade val="50000"/>
+            </a:schemeClr>
+          </a:lnRef>
+          <a:fillRef idx="1">
+            <a:schemeClr val="accent1"/>
+          </a:fillRef>
+          <a:effectRef idx="0">
+            <a:schemeClr val="accent1"/>
+          </a:effectRef>
+          <a:fontRef idx="minor">
+            <a:schemeClr val="lt1"/>
+          </a:fontRef>
+        </p:style>
+        <p:txBody>
+          <a:bodyPr rtlCol="0" anchor="ctr"/>
+          <a:lstStyle/>
+          <a:p>
+            <a:pPr algn="ctr"/>
+            <a:endParaRPr kumimoji="1" lang="ja-JP" altLang="en-US">
+              <a:solidFill>
+                <a:schemeClr val="tx1"/>
+              </a:solidFill>
+            </a:endParaRPr>
+          </a:p>
+        </p:txBody>
+      </p:sp>
+      <p:sp>
+        <p:nvSpPr>
+          <p:cNvPr id="8" name="正方形/長方形 7">
+            <a:extLst>
+              <a:ext uri="{FF2B5EF4-FFF2-40B4-BE49-F238E27FC236}">
+                <a16:creationId xmlns:a16="http://schemas.microsoft.com/office/drawing/2014/main" id="{6386BFCD-454F-0740-9894-9BC00D349914}"/>
+              </a:ext>
+            </a:extLst>
+          </p:cNvPr>
+          <p:cNvSpPr/>
+          <p:nvPr/>
+        </p:nvSpPr>
+        <p:spPr>
+          <a:xfrm>
+            <a:off x="1517184" y="2894360"/>
+            <a:ext cx="1440160" cy="360040"/>
+          </a:xfrm>
+          <a:prstGeom prst="rect">
+            <a:avLst/>
+          </a:prstGeom>
+          <a:noFill/>
+          <a:ln>
+            <a:solidFill>
+              <a:schemeClr val="tx1"/>
+            </a:solidFill>
+          </a:ln>
+        </p:spPr>
+        <p:style>
+          <a:lnRef idx="2">
+            <a:schemeClr val="accent1">
+              <a:shade val="50000"/>
+            </a:schemeClr>
+          </a:lnRef>
+          <a:fillRef idx="1">
+            <a:schemeClr val="accent1"/>
+          </a:fillRef>
+          <a:effectRef idx="0">
+            <a:schemeClr val="accent1"/>
+          </a:effectRef>
+          <a:fontRef idx="minor">
+            <a:schemeClr val="lt1"/>
+          </a:fontRef>
+        </p:style>
+        <p:txBody>
+          <a:bodyPr rtlCol="0" anchor="ctr"/>
+          <a:lstStyle/>
+          <a:p>
+            <a:pPr algn="ctr"/>
+            <a:r>
+              <a:rPr kumimoji="1" lang="en-US" altLang="ja-JP">
+                <a:solidFill>
+                  <a:schemeClr val="tx1"/>
+                </a:solidFill>
+              </a:rPr>
+              <a:t>1</a:t>
+            </a:r>
+            <a:endParaRPr kumimoji="1" lang="ja-JP" altLang="en-US">
+              <a:solidFill>
+                <a:schemeClr val="tx1"/>
+              </a:solidFill>
+            </a:endParaRPr>
+          </a:p>
+        </p:txBody>
+      </p:sp>
+      <p:sp>
+        <p:nvSpPr>
+          <p:cNvPr id="9" name="正方形/長方形 8">
+            <a:extLst>
+              <a:ext uri="{FF2B5EF4-FFF2-40B4-BE49-F238E27FC236}">
+                <a16:creationId xmlns:a16="http://schemas.microsoft.com/office/drawing/2014/main" id="{99D15447-13A7-FB46-A9BB-A9657927F957}"/>
+              </a:ext>
+            </a:extLst>
+          </p:cNvPr>
+          <p:cNvSpPr/>
+          <p:nvPr/>
+        </p:nvSpPr>
+        <p:spPr>
+          <a:xfrm>
+            <a:off x="1517184" y="3254400"/>
+            <a:ext cx="1440160" cy="360040"/>
+          </a:xfrm>
+          <a:prstGeom prst="rect">
+            <a:avLst/>
+          </a:prstGeom>
+          <a:noFill/>
+          <a:ln>
+            <a:solidFill>
+              <a:schemeClr val="tx1"/>
+            </a:solidFill>
+          </a:ln>
+        </p:spPr>
+        <p:style>
+          <a:lnRef idx="2">
+            <a:schemeClr val="accent1">
+              <a:shade val="50000"/>
+            </a:schemeClr>
+          </a:lnRef>
+          <a:fillRef idx="1">
+            <a:schemeClr val="accent1"/>
+          </a:fillRef>
+          <a:effectRef idx="0">
+            <a:schemeClr val="accent1"/>
+          </a:effectRef>
+          <a:fontRef idx="minor">
+            <a:schemeClr val="lt1"/>
+          </a:fontRef>
+        </p:style>
+        <p:txBody>
+          <a:bodyPr rtlCol="0" anchor="ctr"/>
+          <a:lstStyle/>
+          <a:p>
+            <a:pPr algn="ctr"/>
+            <a:r>
+              <a:rPr kumimoji="1" lang="en-US" altLang="ja-JP">
+                <a:solidFill>
+                  <a:schemeClr val="tx1"/>
+                </a:solidFill>
+              </a:rPr>
+              <a:t>2</a:t>
+            </a:r>
+            <a:endParaRPr kumimoji="1" lang="ja-JP" altLang="en-US">
+              <a:solidFill>
+                <a:schemeClr val="tx1"/>
+              </a:solidFill>
+            </a:endParaRPr>
+          </a:p>
+        </p:txBody>
+      </p:sp>
+      <p:sp>
+        <p:nvSpPr>
+          <p:cNvPr id="10" name="正方形/長方形 9">
+            <a:extLst>
+              <a:ext uri="{FF2B5EF4-FFF2-40B4-BE49-F238E27FC236}">
+                <a16:creationId xmlns:a16="http://schemas.microsoft.com/office/drawing/2014/main" id="{539333F5-EBA3-2746-86A9-1937A3A260F1}"/>
+              </a:ext>
+            </a:extLst>
+          </p:cNvPr>
+          <p:cNvSpPr/>
+          <p:nvPr/>
+        </p:nvSpPr>
+        <p:spPr>
+          <a:xfrm>
+            <a:off x="1517184" y="2894360"/>
+            <a:ext cx="1440160" cy="1080120"/>
+          </a:xfrm>
+          <a:prstGeom prst="rect">
+            <a:avLst/>
+          </a:prstGeom>
+          <a:noFill/>
+          <a:ln w="28575">
+            <a:solidFill>
+              <a:srgbClr val="FF0000"/>
+            </a:solidFill>
+          </a:ln>
+        </p:spPr>
+        <p:style>
+          <a:lnRef idx="2">
+            <a:schemeClr val="accent1">
+              <a:shade val="50000"/>
+            </a:schemeClr>
+          </a:lnRef>
+          <a:fillRef idx="1">
+            <a:schemeClr val="accent1"/>
+          </a:fillRef>
+          <a:effectRef idx="0">
+            <a:schemeClr val="accent1"/>
+          </a:effectRef>
+          <a:fontRef idx="minor">
+            <a:schemeClr val="lt1"/>
+          </a:fontRef>
+        </p:style>
+        <p:txBody>
+          <a:bodyPr rtlCol="0" anchor="ctr"/>
+          <a:lstStyle/>
+          <a:p>
+            <a:pPr algn="ctr"/>
+            <a:endParaRPr kumimoji="1" lang="ja-JP" altLang="en-US"/>
+          </a:p>
+        </p:txBody>
+      </p:sp>
+      <p:sp>
+        <p:nvSpPr>
+          <p:cNvPr id="11" name="1 つの角を切り取った四角形 10">
+            <a:extLst>
+              <a:ext uri="{FF2B5EF4-FFF2-40B4-BE49-F238E27FC236}">
+                <a16:creationId xmlns:a16="http://schemas.microsoft.com/office/drawing/2014/main" id="{A7807343-3592-0847-9C37-1C5A0672C268}"/>
+              </a:ext>
+            </a:extLst>
+          </p:cNvPr>
+          <p:cNvSpPr/>
+          <p:nvPr/>
+        </p:nvSpPr>
+        <p:spPr>
+          <a:xfrm>
+            <a:off x="293048" y="4046488"/>
+            <a:ext cx="864096" cy="288032"/>
+          </a:xfrm>
+          <a:prstGeom prst="snip1Rect">
+            <a:avLst/>
+          </a:prstGeom>
+          <a:noFill/>
+          <a:ln>
+            <a:solidFill>
+              <a:schemeClr val="tx1"/>
+            </a:solidFill>
+          </a:ln>
+        </p:spPr>
+        <p:style>
+          <a:lnRef idx="2">
+            <a:schemeClr val="accent1">
+              <a:shade val="50000"/>
+            </a:schemeClr>
+          </a:lnRef>
+          <a:fillRef idx="1">
+            <a:schemeClr val="accent1"/>
+          </a:fillRef>
+          <a:effectRef idx="0">
+            <a:schemeClr val="accent1"/>
+          </a:effectRef>
+          <a:fontRef idx="minor">
+            <a:schemeClr val="lt1"/>
+          </a:fontRef>
+        </p:style>
+        <p:txBody>
+          <a:bodyPr rtlCol="0" anchor="ctr"/>
+          <a:lstStyle/>
+          <a:p>
+            <a:pPr algn="ctr"/>
+            <a:r>
+              <a:rPr kumimoji="1" lang="en-US" altLang="ja-JP" sz="2000">
+                <a:solidFill>
+                  <a:schemeClr val="tx1"/>
+                </a:solidFill>
+              </a:rPr>
+              <a:t>a</a:t>
+            </a:r>
+            <a:endParaRPr kumimoji="1" lang="ja-JP" altLang="en-US" sz="2000">
+              <a:solidFill>
+                <a:schemeClr val="tx1"/>
+              </a:solidFill>
+            </a:endParaRPr>
+          </a:p>
+        </p:txBody>
+      </p:sp>
+      <p:cxnSp>
+        <p:nvCxnSpPr>
+          <p:cNvPr id="12" name="直線矢印コネクタ 11">
+            <a:extLst>
+              <a:ext uri="{FF2B5EF4-FFF2-40B4-BE49-F238E27FC236}">
+                <a16:creationId xmlns:a16="http://schemas.microsoft.com/office/drawing/2014/main" id="{9EF80825-2AB5-0547-BF7A-6D785F09AD2B}"/>
+              </a:ext>
+            </a:extLst>
+          </p:cNvPr>
+          <p:cNvCxnSpPr>
+            <a:stCxn id="11" idx="0"/>
+          </p:cNvCxnSpPr>
+          <p:nvPr/>
+        </p:nvCxnSpPr>
+        <p:spPr>
+          <a:xfrm>
+            <a:off x="1157144" y="4190504"/>
+            <a:ext cx="288032" cy="0"/>
+          </a:xfrm>
+          <a:prstGeom prst="straightConnector1">
+            <a:avLst/>
+          </a:prstGeom>
+          <a:ln w="12700">
+            <a:solidFill>
+              <a:schemeClr val="tx1"/>
+            </a:solidFill>
+            <a:tailEnd type="triangle"/>
+          </a:ln>
+        </p:spPr>
+        <p:style>
+          <a:lnRef idx="1">
+            <a:schemeClr val="accent1"/>
+          </a:lnRef>
+          <a:fillRef idx="0">
+            <a:schemeClr val="accent1"/>
+          </a:fillRef>
+          <a:effectRef idx="0">
+            <a:schemeClr val="accent1"/>
+          </a:effectRef>
+          <a:fontRef idx="minor">
+            <a:schemeClr val="tx1"/>
+          </a:fontRef>
+        </p:style>
+      </p:cxnSp>
+      <p:cxnSp>
+        <p:nvCxnSpPr>
+          <p:cNvPr id="13" name="カギ線コネクタ 12">
+            <a:extLst>
+              <a:ext uri="{FF2B5EF4-FFF2-40B4-BE49-F238E27FC236}">
+                <a16:creationId xmlns:a16="http://schemas.microsoft.com/office/drawing/2014/main" id="{ADF040BC-4D96-8949-894C-5AC7F2FCAA13}"/>
+              </a:ext>
+            </a:extLst>
+          </p:cNvPr>
+          <p:cNvCxnSpPr>
+            <a:cxnSpLocks/>
+            <a:stCxn id="5" idx="3"/>
+            <a:endCxn id="8" idx="3"/>
+          </p:cNvCxnSpPr>
+          <p:nvPr/>
+        </p:nvCxnSpPr>
+        <p:spPr>
+          <a:xfrm flipV="1">
+            <a:off x="2957344" y="3074380"/>
+            <a:ext cx="12700" cy="1080120"/>
+          </a:xfrm>
+          <a:prstGeom prst="bentConnector3">
+            <a:avLst>
+              <a:gd name="adj1" fmla="val 1800000"/>
+            </a:avLst>
+          </a:prstGeom>
+          <a:ln w="28575">
+            <a:solidFill>
+              <a:srgbClr val="FF0000"/>
+            </a:solidFill>
+            <a:tailEnd type="triangle"/>
+          </a:ln>
+        </p:spPr>
+        <p:style>
+          <a:lnRef idx="1">
+            <a:schemeClr val="accent1"/>
+          </a:lnRef>
+          <a:fillRef idx="0">
+            <a:schemeClr val="accent1"/>
+          </a:fillRef>
+          <a:effectRef idx="0">
+            <a:schemeClr val="accent1"/>
+          </a:effectRef>
+          <a:fontRef idx="minor">
+            <a:schemeClr val="tx1"/>
+          </a:fontRef>
+        </p:style>
+      </p:cxnSp>
+      <p:sp>
+        <p:nvSpPr>
+          <p:cNvPr id="14" name="テキスト ボックス 13">
+            <a:extLst>
+              <a:ext uri="{FF2B5EF4-FFF2-40B4-BE49-F238E27FC236}">
+                <a16:creationId xmlns:a16="http://schemas.microsoft.com/office/drawing/2014/main" id="{0E52B5B5-D40D-F649-9723-50368F3F9602}"/>
+              </a:ext>
+            </a:extLst>
+          </p:cNvPr>
+          <p:cNvSpPr txBox="1"/>
+          <p:nvPr/>
+        </p:nvSpPr>
+        <p:spPr>
+          <a:xfrm>
+            <a:off x="881048" y="2432720"/>
+            <a:ext cx="2857832" cy="338554"/>
+          </a:xfrm>
+          <a:prstGeom prst="rect">
+            <a:avLst/>
+          </a:prstGeom>
+          <a:noFill/>
+        </p:spPr>
+        <p:txBody>
+          <a:bodyPr wrap="square" rtlCol="0">
+            <a:spAutoFit/>
+          </a:bodyPr>
+          <a:lstStyle/>
+          <a:p>
+            <a:r>
+              <a:rPr lang="en-US" altLang="ja-JP" sz="1600"/>
+              <a:t>a</a:t>
+            </a:r>
+            <a:r>
+              <a:rPr lang="ja-JP" altLang="en-US" sz="1600"/>
+              <a:t>の指す内容がコピーされる</a:t>
+            </a:r>
+            <a:endParaRPr kumimoji="1" lang="ja-JP" altLang="en-US" sz="1600"/>
+          </a:p>
+        </p:txBody>
+      </p:sp>
+      <p:sp>
+        <p:nvSpPr>
+          <p:cNvPr id="15" name="1 つの角を切り取った四角形 14">
+            <a:extLst>
+              <a:ext uri="{FF2B5EF4-FFF2-40B4-BE49-F238E27FC236}">
+                <a16:creationId xmlns:a16="http://schemas.microsoft.com/office/drawing/2014/main" id="{41F48DBC-2A5C-B34B-BF7B-A6B04631797A}"/>
+              </a:ext>
+            </a:extLst>
+          </p:cNvPr>
+          <p:cNvSpPr/>
+          <p:nvPr/>
+        </p:nvSpPr>
+        <p:spPr>
+          <a:xfrm>
+            <a:off x="293048" y="4406528"/>
+            <a:ext cx="864096" cy="288032"/>
+          </a:xfrm>
+          <a:prstGeom prst="snip1Rect">
+            <a:avLst/>
+          </a:prstGeom>
+          <a:noFill/>
+          <a:ln>
+            <a:solidFill>
+              <a:schemeClr val="tx1"/>
+            </a:solidFill>
+          </a:ln>
+        </p:spPr>
+        <p:style>
+          <a:lnRef idx="2">
+            <a:schemeClr val="accent1">
+              <a:shade val="50000"/>
+            </a:schemeClr>
+          </a:lnRef>
+          <a:fillRef idx="1">
+            <a:schemeClr val="accent1"/>
+          </a:fillRef>
+          <a:effectRef idx="0">
+            <a:schemeClr val="accent1"/>
+          </a:effectRef>
+          <a:fontRef idx="minor">
+            <a:schemeClr val="lt1"/>
+          </a:fontRef>
+        </p:style>
+        <p:txBody>
+          <a:bodyPr rtlCol="0" anchor="ctr"/>
+          <a:lstStyle/>
+          <a:p>
+            <a:pPr algn="ctr"/>
+            <a:r>
+              <a:rPr kumimoji="1" lang="en-US" altLang="ja-JP" sz="2000">
+                <a:solidFill>
+                  <a:schemeClr val="tx1"/>
+                </a:solidFill>
+              </a:rPr>
+              <a:t>b</a:t>
+            </a:r>
+            <a:endParaRPr kumimoji="1" lang="ja-JP" altLang="en-US" sz="2000">
+              <a:solidFill>
+                <a:schemeClr val="tx1"/>
+              </a:solidFill>
+            </a:endParaRPr>
+          </a:p>
+        </p:txBody>
+      </p:sp>
+      <p:cxnSp>
+        <p:nvCxnSpPr>
+          <p:cNvPr id="16" name="直線矢印コネクタ 15">
+            <a:extLst>
+              <a:ext uri="{FF2B5EF4-FFF2-40B4-BE49-F238E27FC236}">
+                <a16:creationId xmlns:a16="http://schemas.microsoft.com/office/drawing/2014/main" id="{FC82C228-2682-D449-B65A-4DE23EA79B62}"/>
+              </a:ext>
+            </a:extLst>
+          </p:cNvPr>
+          <p:cNvCxnSpPr>
+            <a:stCxn id="15" idx="0"/>
+          </p:cNvCxnSpPr>
+          <p:nvPr/>
+        </p:nvCxnSpPr>
+        <p:spPr>
+          <a:xfrm>
+            <a:off x="1157144" y="4550544"/>
+            <a:ext cx="288032" cy="0"/>
+          </a:xfrm>
+          <a:prstGeom prst="straightConnector1">
+            <a:avLst/>
+          </a:prstGeom>
+          <a:ln w="12700">
+            <a:solidFill>
+              <a:schemeClr val="tx1"/>
+            </a:solidFill>
+            <a:tailEnd type="triangle"/>
+          </a:ln>
+        </p:spPr>
+        <p:style>
+          <a:lnRef idx="1">
+            <a:schemeClr val="accent1"/>
+          </a:lnRef>
+          <a:fillRef idx="0">
+            <a:schemeClr val="accent1"/>
+          </a:fillRef>
+          <a:effectRef idx="0">
+            <a:schemeClr val="accent1"/>
+          </a:effectRef>
+          <a:fontRef idx="minor">
+            <a:schemeClr val="tx1"/>
+          </a:fontRef>
+        </p:style>
+      </p:cxnSp>
+      <p:cxnSp>
+        <p:nvCxnSpPr>
+          <p:cNvPr id="17" name="カギ線コネクタ 16">
+            <a:extLst>
+              <a:ext uri="{FF2B5EF4-FFF2-40B4-BE49-F238E27FC236}">
+                <a16:creationId xmlns:a16="http://schemas.microsoft.com/office/drawing/2014/main" id="{81ECE49C-A301-2446-BAD1-F0213B1F94C7}"/>
+              </a:ext>
+            </a:extLst>
+          </p:cNvPr>
+          <p:cNvCxnSpPr>
+            <a:cxnSpLocks/>
+          </p:cNvCxnSpPr>
+          <p:nvPr/>
+        </p:nvCxnSpPr>
+        <p:spPr>
+          <a:xfrm flipV="1">
+            <a:off x="3029352" y="3038376"/>
+            <a:ext cx="12700" cy="1476164"/>
+          </a:xfrm>
+          <a:prstGeom prst="bentConnector4">
+            <a:avLst>
+              <a:gd name="adj1" fmla="val 3560000"/>
+              <a:gd name="adj2" fmla="val 100147"/>
+            </a:avLst>
+          </a:prstGeom>
+          <a:ln w="28575">
+            <a:solidFill>
+              <a:srgbClr val="FF0000"/>
+            </a:solidFill>
+            <a:tailEnd type="triangle"/>
+          </a:ln>
+        </p:spPr>
+        <p:style>
+          <a:lnRef idx="1">
+            <a:schemeClr val="accent1"/>
+          </a:lnRef>
+          <a:fillRef idx="0">
+            <a:schemeClr val="accent1"/>
+          </a:fillRef>
+          <a:effectRef idx="0">
+            <a:schemeClr val="accent1"/>
+          </a:effectRef>
+          <a:fontRef idx="minor">
+            <a:schemeClr val="tx1"/>
+          </a:fontRef>
+        </p:style>
+      </p:cxnSp>
+      <p:sp>
+        <p:nvSpPr>
+          <p:cNvPr id="31" name="テキスト ボックス 30">
+            <a:extLst>
+              <a:ext uri="{FF2B5EF4-FFF2-40B4-BE49-F238E27FC236}">
+                <a16:creationId xmlns:a16="http://schemas.microsoft.com/office/drawing/2014/main" id="{0AD1DF97-FEA1-7846-B47B-8951D80C3F92}"/>
+              </a:ext>
+            </a:extLst>
+          </p:cNvPr>
+          <p:cNvSpPr txBox="1"/>
+          <p:nvPr/>
+        </p:nvSpPr>
+        <p:spPr>
+          <a:xfrm>
+            <a:off x="5436096" y="1916832"/>
+            <a:ext cx="2857832" cy="584775"/>
+          </a:xfrm>
+          <a:prstGeom prst="rect">
+            <a:avLst/>
+          </a:prstGeom>
+          <a:noFill/>
+        </p:spPr>
+        <p:txBody>
+          <a:bodyPr wrap="square" rtlCol="0">
+            <a:spAutoFit/>
+          </a:bodyPr>
+          <a:lstStyle/>
+          <a:p>
+            <a:r>
+              <a:rPr lang="en-US" altLang="ja-JP" sz="1600"/>
+              <a:t>b</a:t>
+            </a:r>
+            <a:r>
+              <a:rPr lang="ja-JP" altLang="en-US" sz="1600"/>
+              <a:t>を通じてリストを修正する</a:t>
+            </a:r>
+            <a:endParaRPr lang="en-US" altLang="ja-JP" sz="1600"/>
+          </a:p>
+          <a:p>
+            <a:r>
+              <a:rPr kumimoji="1" lang="en-US" altLang="ja-JP" sz="1600"/>
+              <a:t>(</a:t>
+            </a:r>
+            <a:r>
+              <a:rPr kumimoji="1" lang="en-US" altLang="ja-JP" sz="1600">
+                <a:solidFill>
+                  <a:srgbClr val="FF0000"/>
+                </a:solidFill>
+              </a:rPr>
+              <a:t>a</a:t>
+            </a:r>
+            <a:r>
+              <a:rPr lang="ja-JP" altLang="en-US" sz="1600">
+                <a:solidFill>
+                  <a:srgbClr val="FF0000"/>
+                </a:solidFill>
+              </a:rPr>
+              <a:t>と無関係になる</a:t>
+            </a:r>
+            <a:r>
+              <a:rPr kumimoji="1" lang="en-US" altLang="ja-JP" sz="1600"/>
+              <a:t>)</a:t>
+            </a:r>
+            <a:endParaRPr kumimoji="1" lang="ja-JP" altLang="en-US" sz="1600"/>
+          </a:p>
+        </p:txBody>
+      </p:sp>
+      <p:sp>
+        <p:nvSpPr>
+          <p:cNvPr id="32" name="右矢印 31">
+            <a:extLst>
+              <a:ext uri="{FF2B5EF4-FFF2-40B4-BE49-F238E27FC236}">
+                <a16:creationId xmlns:a16="http://schemas.microsoft.com/office/drawing/2014/main" id="{C759F31B-FB52-8046-BFF5-EEE57A0C021A}"/>
+              </a:ext>
+            </a:extLst>
+          </p:cNvPr>
+          <p:cNvSpPr/>
+          <p:nvPr/>
+        </p:nvSpPr>
+        <p:spPr>
+          <a:xfrm>
+            <a:off x="4109472" y="3614440"/>
+            <a:ext cx="360040" cy="288032"/>
+          </a:xfrm>
+          <a:prstGeom prst="rightArrow">
+            <a:avLst/>
+          </a:prstGeom>
+          <a:solidFill>
+            <a:srgbClr val="FF0000"/>
+          </a:solidFill>
+          <a:ln>
+            <a:solidFill>
+              <a:schemeClr val="tx1"/>
+            </a:solidFill>
+          </a:ln>
+        </p:spPr>
+        <p:style>
+          <a:lnRef idx="2">
+            <a:schemeClr val="accent1">
+              <a:shade val="50000"/>
+            </a:schemeClr>
+          </a:lnRef>
+          <a:fillRef idx="1">
+            <a:schemeClr val="accent1"/>
+          </a:fillRef>
+          <a:effectRef idx="0">
+            <a:schemeClr val="accent1"/>
+          </a:effectRef>
+          <a:fontRef idx="minor">
+            <a:schemeClr val="lt1"/>
+          </a:fontRef>
+        </p:style>
+        <p:txBody>
+          <a:bodyPr rtlCol="0" anchor="ctr"/>
+          <a:lstStyle/>
+          <a:p>
+            <a:pPr algn="ctr"/>
+            <a:endParaRPr kumimoji="1" lang="ja-JP" altLang="en-US"/>
+          </a:p>
+        </p:txBody>
+      </p:sp>
+      <p:sp>
+        <p:nvSpPr>
+          <p:cNvPr id="33" name="正方形/長方形 32">
+            <a:extLst>
+              <a:ext uri="{FF2B5EF4-FFF2-40B4-BE49-F238E27FC236}">
+                <a16:creationId xmlns:a16="http://schemas.microsoft.com/office/drawing/2014/main" id="{A293D434-82A7-3F4D-9E22-DB95DE3E3013}"/>
+              </a:ext>
+            </a:extLst>
+          </p:cNvPr>
+          <p:cNvSpPr/>
+          <p:nvPr/>
+        </p:nvSpPr>
+        <p:spPr>
+          <a:xfrm>
+            <a:off x="2936240" y="638016"/>
+            <a:ext cx="2407920" cy="1477328"/>
+          </a:xfrm>
+          <a:prstGeom prst="rect">
+            <a:avLst/>
+          </a:prstGeom>
+        </p:spPr>
+        <p:txBody>
+          <a:bodyPr wrap="square">
+            <a:spAutoFit/>
+          </a:bodyPr>
+          <a:lstStyle/>
+          <a:p>
+            <a:r>
+              <a:rPr lang="en" altLang="ja-JP" b="0">
+                <a:effectLst/>
+                <a:latin typeface="Menlo" panose="020B0609030804020204" pitchFamily="49" charset="0"/>
+              </a:rPr>
+              <a:t>def func(b):</a:t>
+            </a:r>
+          </a:p>
+          <a:p>
+            <a:r>
+              <a:rPr lang="en" altLang="ja-JP" b="0">
+                <a:effectLst/>
+                <a:latin typeface="Menlo" panose="020B0609030804020204" pitchFamily="49" charset="0"/>
+              </a:rPr>
+              <a:t>    b = [4,5,6]</a:t>
+            </a:r>
+          </a:p>
+          <a:p>
+            <a:br>
+              <a:rPr lang="en" altLang="ja-JP" b="0">
+                <a:effectLst/>
+                <a:latin typeface="Menlo" panose="020B0609030804020204" pitchFamily="49" charset="0"/>
+              </a:rPr>
+            </a:br>
+            <a:r>
+              <a:rPr lang="en" altLang="ja-JP" b="0">
+                <a:effectLst/>
+                <a:latin typeface="Menlo" panose="020B0609030804020204" pitchFamily="49" charset="0"/>
+              </a:rPr>
+              <a:t>a = [1,2,3]</a:t>
+            </a:r>
+          </a:p>
+          <a:p>
+            <a:r>
+              <a:rPr lang="en" altLang="ja-JP" b="0">
+                <a:effectLst/>
+                <a:latin typeface="Menlo" panose="020B0609030804020204" pitchFamily="49" charset="0"/>
+              </a:rPr>
+              <a:t>func(a)</a:t>
+            </a:r>
+          </a:p>
+        </p:txBody>
+      </p:sp>
+      <p:sp>
+        <p:nvSpPr>
+          <p:cNvPr id="34" name="円/楕円 33">
+            <a:extLst>
+              <a:ext uri="{FF2B5EF4-FFF2-40B4-BE49-F238E27FC236}">
+                <a16:creationId xmlns:a16="http://schemas.microsoft.com/office/drawing/2014/main" id="{3D4E5EEA-FE8A-934C-96C8-9B59086C22E6}"/>
+              </a:ext>
+            </a:extLst>
+          </p:cNvPr>
+          <p:cNvSpPr/>
+          <p:nvPr/>
+        </p:nvSpPr>
+        <p:spPr>
+          <a:xfrm>
+            <a:off x="4226560" y="508000"/>
+            <a:ext cx="193040" cy="193040"/>
+          </a:xfrm>
+          <a:prstGeom prst="ellipse">
+            <a:avLst/>
+          </a:prstGeom>
+          <a:solidFill>
+            <a:srgbClr val="FF0000"/>
+          </a:solidFill>
+          <a:ln>
+            <a:solidFill>
+              <a:schemeClr val="tx1"/>
+            </a:solidFill>
+          </a:ln>
+        </p:spPr>
+        <p:style>
+          <a:lnRef idx="2">
+            <a:schemeClr val="accent1">
+              <a:shade val="50000"/>
+            </a:schemeClr>
+          </a:lnRef>
+          <a:fillRef idx="1">
+            <a:schemeClr val="accent1"/>
+          </a:fillRef>
+          <a:effectRef idx="0">
+            <a:schemeClr val="accent1"/>
+          </a:effectRef>
+          <a:fontRef idx="minor">
+            <a:schemeClr val="lt1"/>
+          </a:fontRef>
+        </p:style>
+        <p:txBody>
+          <a:bodyPr rtlCol="0" anchor="ctr"/>
+          <a:lstStyle/>
+          <a:p>
+            <a:pPr algn="ctr"/>
+            <a:endParaRPr kumimoji="1" lang="ja-JP" altLang="en-US"/>
+          </a:p>
+        </p:txBody>
+      </p:sp>
+      <p:sp>
+        <p:nvSpPr>
+          <p:cNvPr id="35" name="円/楕円 34">
+            <a:extLst>
+              <a:ext uri="{FF2B5EF4-FFF2-40B4-BE49-F238E27FC236}">
+                <a16:creationId xmlns:a16="http://schemas.microsoft.com/office/drawing/2014/main" id="{3AF0BBE3-E9C4-6342-AB34-03653DC0429A}"/>
+              </a:ext>
+            </a:extLst>
+          </p:cNvPr>
+          <p:cNvSpPr/>
+          <p:nvPr/>
+        </p:nvSpPr>
+        <p:spPr>
+          <a:xfrm>
+            <a:off x="5161280" y="1016000"/>
+            <a:ext cx="193040" cy="193040"/>
+          </a:xfrm>
+          <a:prstGeom prst="ellipse">
+            <a:avLst/>
+          </a:prstGeom>
+          <a:solidFill>
+            <a:srgbClr val="FF0000"/>
+          </a:solidFill>
+          <a:ln>
+            <a:solidFill>
+              <a:schemeClr val="tx1"/>
+            </a:solidFill>
+          </a:ln>
+        </p:spPr>
+        <p:style>
+          <a:lnRef idx="2">
+            <a:schemeClr val="accent1">
+              <a:shade val="50000"/>
+            </a:schemeClr>
+          </a:lnRef>
+          <a:fillRef idx="1">
+            <a:schemeClr val="accent1"/>
+          </a:fillRef>
+          <a:effectRef idx="0">
+            <a:schemeClr val="accent1"/>
+          </a:effectRef>
+          <a:fontRef idx="minor">
+            <a:schemeClr val="lt1"/>
+          </a:fontRef>
+        </p:style>
+        <p:txBody>
+          <a:bodyPr rtlCol="0" anchor="ctr"/>
+          <a:lstStyle/>
+          <a:p>
+            <a:pPr algn="ctr"/>
+            <a:endParaRPr kumimoji="1" lang="ja-JP" altLang="en-US"/>
+          </a:p>
+        </p:txBody>
+      </p:sp>
+      <p:cxnSp>
+        <p:nvCxnSpPr>
+          <p:cNvPr id="36" name="カギ線コネクタ 35">
+            <a:extLst>
+              <a:ext uri="{FF2B5EF4-FFF2-40B4-BE49-F238E27FC236}">
+                <a16:creationId xmlns:a16="http://schemas.microsoft.com/office/drawing/2014/main" id="{5EFB519F-B3A3-1F4A-9B37-98B0FBE70CC3}"/>
+              </a:ext>
+            </a:extLst>
+          </p:cNvPr>
+          <p:cNvCxnSpPr>
+            <a:cxnSpLocks/>
+            <a:stCxn id="34" idx="0"/>
+            <a:endCxn id="14" idx="0"/>
+          </p:cNvCxnSpPr>
+          <p:nvPr/>
+        </p:nvCxnSpPr>
+        <p:spPr>
+          <a:xfrm rot="16200000" flipH="1" flipV="1">
+            <a:off x="2354162" y="463802"/>
+            <a:ext cx="1924720" cy="2013116"/>
+          </a:xfrm>
+          <a:prstGeom prst="bentConnector3">
+            <a:avLst>
+              <a:gd name="adj1" fmla="val -11877"/>
+            </a:avLst>
+          </a:prstGeom>
+          <a:ln w="12700">
+            <a:solidFill>
+              <a:schemeClr val="tx1"/>
+            </a:solidFill>
+            <a:headEnd type="triangle" w="med" len="med"/>
+            <a:tailEnd type="none" w="med" len="med"/>
+          </a:ln>
+        </p:spPr>
+        <p:style>
+          <a:lnRef idx="1">
+            <a:schemeClr val="accent1"/>
+          </a:lnRef>
+          <a:fillRef idx="0">
+            <a:schemeClr val="accent1"/>
+          </a:fillRef>
+          <a:effectRef idx="0">
+            <a:schemeClr val="accent1"/>
+          </a:effectRef>
+          <a:fontRef idx="minor">
+            <a:schemeClr val="tx1"/>
+          </a:fontRef>
+        </p:style>
+      </p:cxnSp>
+      <p:cxnSp>
+        <p:nvCxnSpPr>
+          <p:cNvPr id="37" name="カギ線コネクタ 36">
+            <a:extLst>
+              <a:ext uri="{FF2B5EF4-FFF2-40B4-BE49-F238E27FC236}">
+                <a16:creationId xmlns:a16="http://schemas.microsoft.com/office/drawing/2014/main" id="{BB3B73EB-3E5D-E94A-BA7A-3AFAF0A6ED11}"/>
+              </a:ext>
+            </a:extLst>
+          </p:cNvPr>
+          <p:cNvCxnSpPr>
+            <a:stCxn id="31" idx="0"/>
+            <a:endCxn id="35" idx="6"/>
+          </p:cNvCxnSpPr>
+          <p:nvPr/>
+        </p:nvCxnSpPr>
+        <p:spPr>
+          <a:xfrm rot="16200000" flipV="1">
+            <a:off x="5707510" y="759330"/>
+            <a:ext cx="804312" cy="1510692"/>
+          </a:xfrm>
+          <a:prstGeom prst="bentConnector2">
+            <a:avLst/>
+          </a:prstGeom>
+          <a:ln w="12700">
+            <a:solidFill>
+              <a:schemeClr val="tx1"/>
+            </a:solidFill>
+            <a:tailEnd type="triangle"/>
+          </a:ln>
+        </p:spPr>
+        <p:style>
+          <a:lnRef idx="1">
+            <a:schemeClr val="accent1"/>
+          </a:lnRef>
+          <a:fillRef idx="0">
+            <a:schemeClr val="accent1"/>
+          </a:fillRef>
+          <a:effectRef idx="0">
+            <a:schemeClr val="accent1"/>
+          </a:effectRef>
+          <a:fontRef idx="minor">
+            <a:schemeClr val="tx1"/>
+          </a:fontRef>
+        </p:style>
+      </p:cxnSp>
+      <p:sp>
+        <p:nvSpPr>
+          <p:cNvPr id="56" name="正方形/長方形 55">
+            <a:extLst>
+              <a:ext uri="{FF2B5EF4-FFF2-40B4-BE49-F238E27FC236}">
+                <a16:creationId xmlns:a16="http://schemas.microsoft.com/office/drawing/2014/main" id="{75D45BBE-FB2A-E944-BDA7-6B206AC1A83B}"/>
+              </a:ext>
+            </a:extLst>
+          </p:cNvPr>
+          <p:cNvSpPr/>
+          <p:nvPr/>
+        </p:nvSpPr>
+        <p:spPr>
+          <a:xfrm>
+            <a:off x="5958129" y="3354883"/>
+            <a:ext cx="1207164" cy="301791"/>
+          </a:xfrm>
+          <a:prstGeom prst="rect">
+            <a:avLst/>
+          </a:prstGeom>
+          <a:noFill/>
+          <a:ln>
+            <a:solidFill>
+              <a:schemeClr val="tx1"/>
+            </a:solidFill>
+          </a:ln>
+        </p:spPr>
+        <p:style>
+          <a:lnRef idx="2">
+            <a:schemeClr val="accent1">
+              <a:shade val="50000"/>
+            </a:schemeClr>
+          </a:lnRef>
+          <a:fillRef idx="1">
+            <a:schemeClr val="accent1"/>
+          </a:fillRef>
+          <a:effectRef idx="0">
+            <a:schemeClr val="accent1"/>
+          </a:effectRef>
+          <a:fontRef idx="minor">
+            <a:schemeClr val="lt1"/>
+          </a:fontRef>
+        </p:style>
+        <p:txBody>
+          <a:bodyPr rtlCol="0" anchor="ctr"/>
+          <a:lstStyle/>
+          <a:p>
+            <a:pPr algn="ctr"/>
+            <a:r>
+              <a:rPr kumimoji="1" lang="en-US" altLang="ja-JP" sz="1400">
+                <a:solidFill>
+                  <a:schemeClr val="tx1"/>
+                </a:solidFill>
+              </a:rPr>
+              <a:t>3</a:t>
+            </a:r>
+            <a:endParaRPr kumimoji="1" lang="ja-JP" altLang="en-US" sz="1400">
+              <a:solidFill>
+                <a:schemeClr val="tx1"/>
+              </a:solidFill>
+            </a:endParaRPr>
+          </a:p>
+        </p:txBody>
+      </p:sp>
+      <p:sp>
+        <p:nvSpPr>
+          <p:cNvPr id="57" name="正方形/長方形 56">
+            <a:extLst>
+              <a:ext uri="{FF2B5EF4-FFF2-40B4-BE49-F238E27FC236}">
+                <a16:creationId xmlns:a16="http://schemas.microsoft.com/office/drawing/2014/main" id="{793B5CE3-CE62-9043-AD82-1DFB2961989C}"/>
+              </a:ext>
+            </a:extLst>
+          </p:cNvPr>
+          <p:cNvSpPr/>
+          <p:nvPr/>
+        </p:nvSpPr>
+        <p:spPr>
+          <a:xfrm>
+            <a:off x="5958129" y="3656674"/>
+            <a:ext cx="1207164" cy="301791"/>
+          </a:xfrm>
+          <a:prstGeom prst="rect">
+            <a:avLst/>
+          </a:prstGeom>
+          <a:noFill/>
+          <a:ln>
+            <a:solidFill>
+              <a:schemeClr val="tx1"/>
+            </a:solidFill>
+          </a:ln>
+        </p:spPr>
+        <p:style>
+          <a:lnRef idx="2">
+            <a:schemeClr val="accent1">
+              <a:shade val="50000"/>
+            </a:schemeClr>
+          </a:lnRef>
+          <a:fillRef idx="1">
+            <a:schemeClr val="accent1"/>
+          </a:fillRef>
+          <a:effectRef idx="0">
+            <a:schemeClr val="accent1"/>
+          </a:effectRef>
+          <a:fontRef idx="minor">
+            <a:schemeClr val="lt1"/>
+          </a:fontRef>
+        </p:style>
+        <p:txBody>
+          <a:bodyPr rtlCol="0" anchor="ctr"/>
+          <a:lstStyle/>
+          <a:p>
+            <a:pPr algn="ctr"/>
+            <a:r>
+              <a:rPr kumimoji="1" lang="en-US" altLang="ja-JP" sz="1400">
+                <a:solidFill>
+                  <a:schemeClr val="tx1"/>
+                </a:solidFill>
+              </a:rPr>
+              <a:t>0</a:t>
+            </a:r>
+            <a:r>
+              <a:rPr kumimoji="1" lang="ja-JP" altLang="en-US" sz="1400">
+                <a:solidFill>
+                  <a:schemeClr val="tx1"/>
+                </a:solidFill>
+              </a:rPr>
+              <a:t>番地を見よ</a:t>
+            </a:r>
+          </a:p>
+        </p:txBody>
+      </p:sp>
+      <p:sp>
+        <p:nvSpPr>
+          <p:cNvPr id="58" name="正方形/長方形 57">
+            <a:extLst>
+              <a:ext uri="{FF2B5EF4-FFF2-40B4-BE49-F238E27FC236}">
+                <a16:creationId xmlns:a16="http://schemas.microsoft.com/office/drawing/2014/main" id="{A351A2DC-7A60-3248-9935-1498C10D24B9}"/>
+              </a:ext>
+            </a:extLst>
+          </p:cNvPr>
+          <p:cNvSpPr/>
+          <p:nvPr/>
+        </p:nvSpPr>
+        <p:spPr>
+          <a:xfrm>
+            <a:off x="5958129" y="3958465"/>
+            <a:ext cx="1207164" cy="301791"/>
+          </a:xfrm>
+          <a:prstGeom prst="rect">
+            <a:avLst/>
+          </a:prstGeom>
+          <a:noFill/>
+          <a:ln>
+            <a:solidFill>
+              <a:schemeClr val="tx1"/>
+            </a:solidFill>
+          </a:ln>
+        </p:spPr>
+        <p:style>
+          <a:lnRef idx="2">
+            <a:schemeClr val="accent1">
+              <a:shade val="50000"/>
+            </a:schemeClr>
+          </a:lnRef>
+          <a:fillRef idx="1">
+            <a:schemeClr val="accent1"/>
+          </a:fillRef>
+          <a:effectRef idx="0">
+            <a:schemeClr val="accent1"/>
+          </a:effectRef>
+          <a:fontRef idx="minor">
+            <a:schemeClr val="lt1"/>
+          </a:fontRef>
+        </p:style>
+        <p:txBody>
+          <a:bodyPr rtlCol="0" anchor="ctr"/>
+          <a:lstStyle/>
+          <a:p>
+            <a:pPr algn="ctr"/>
+            <a:r>
+              <a:rPr lang="en-US" altLang="ja-JP" sz="1400">
+                <a:solidFill>
+                  <a:srgbClr val="FF0000"/>
+                </a:solidFill>
+              </a:rPr>
+              <a:t>5</a:t>
+            </a:r>
+            <a:r>
+              <a:rPr lang="ja-JP" altLang="en-US" sz="1400">
+                <a:solidFill>
+                  <a:srgbClr val="FF0000"/>
+                </a:solidFill>
+              </a:rPr>
+              <a:t>番地を見よ</a:t>
+            </a:r>
+          </a:p>
+        </p:txBody>
+      </p:sp>
+      <p:sp>
+        <p:nvSpPr>
+          <p:cNvPr id="59" name="正方形/長方形 58">
+            <a:extLst>
+              <a:ext uri="{FF2B5EF4-FFF2-40B4-BE49-F238E27FC236}">
+                <a16:creationId xmlns:a16="http://schemas.microsoft.com/office/drawing/2014/main" id="{56C36ED0-FF52-9345-9477-25423AD7E859}"/>
+              </a:ext>
+            </a:extLst>
+          </p:cNvPr>
+          <p:cNvSpPr/>
+          <p:nvPr/>
+        </p:nvSpPr>
+        <p:spPr>
+          <a:xfrm>
+            <a:off x="5958129" y="4260255"/>
+            <a:ext cx="1207164" cy="301791"/>
+          </a:xfrm>
+          <a:prstGeom prst="rect">
+            <a:avLst/>
+          </a:prstGeom>
+          <a:noFill/>
+          <a:ln>
+            <a:solidFill>
+              <a:schemeClr val="tx1"/>
+            </a:solidFill>
+          </a:ln>
+        </p:spPr>
+        <p:style>
+          <a:lnRef idx="2">
+            <a:schemeClr val="accent1">
+              <a:shade val="50000"/>
+            </a:schemeClr>
+          </a:lnRef>
+          <a:fillRef idx="1">
+            <a:schemeClr val="accent1"/>
+          </a:fillRef>
+          <a:effectRef idx="0">
+            <a:schemeClr val="accent1"/>
+          </a:effectRef>
+          <a:fontRef idx="minor">
+            <a:schemeClr val="lt1"/>
+          </a:fontRef>
+        </p:style>
+        <p:txBody>
+          <a:bodyPr rtlCol="0" anchor="ctr"/>
+          <a:lstStyle/>
+          <a:p>
+            <a:pPr algn="ctr"/>
+            <a:r>
+              <a:rPr kumimoji="1" lang="en-US" altLang="ja-JP" sz="1400">
+                <a:solidFill>
+                  <a:schemeClr val="tx1"/>
+                </a:solidFill>
+              </a:rPr>
+              <a:t>4</a:t>
+            </a:r>
+            <a:endParaRPr kumimoji="1" lang="ja-JP" altLang="en-US" sz="1400">
+              <a:solidFill>
+                <a:schemeClr val="tx1"/>
+              </a:solidFill>
+            </a:endParaRPr>
+          </a:p>
+        </p:txBody>
+      </p:sp>
+      <p:sp>
+        <p:nvSpPr>
+          <p:cNvPr id="60" name="正方形/長方形 59">
+            <a:extLst>
+              <a:ext uri="{FF2B5EF4-FFF2-40B4-BE49-F238E27FC236}">
+                <a16:creationId xmlns:a16="http://schemas.microsoft.com/office/drawing/2014/main" id="{FC6C6462-2865-344A-AD19-F45C20945C5D}"/>
+              </a:ext>
+            </a:extLst>
+          </p:cNvPr>
+          <p:cNvSpPr/>
+          <p:nvPr/>
+        </p:nvSpPr>
+        <p:spPr>
+          <a:xfrm>
+            <a:off x="5958129" y="2751301"/>
+            <a:ext cx="1207164" cy="301791"/>
+          </a:xfrm>
+          <a:prstGeom prst="rect">
+            <a:avLst/>
+          </a:prstGeom>
+          <a:noFill/>
+          <a:ln>
+            <a:solidFill>
+              <a:schemeClr val="tx1"/>
+            </a:solidFill>
+          </a:ln>
+        </p:spPr>
+        <p:style>
+          <a:lnRef idx="2">
+            <a:schemeClr val="accent1">
+              <a:shade val="50000"/>
+            </a:schemeClr>
+          </a:lnRef>
+          <a:fillRef idx="1">
+            <a:schemeClr val="accent1"/>
+          </a:fillRef>
+          <a:effectRef idx="0">
+            <a:schemeClr val="accent1"/>
+          </a:effectRef>
+          <a:fontRef idx="minor">
+            <a:schemeClr val="lt1"/>
+          </a:fontRef>
+        </p:style>
+        <p:txBody>
+          <a:bodyPr rtlCol="0" anchor="ctr"/>
+          <a:lstStyle/>
+          <a:p>
+            <a:pPr algn="ctr"/>
+            <a:r>
+              <a:rPr kumimoji="1" lang="en-US" altLang="ja-JP" sz="1400">
+                <a:solidFill>
+                  <a:schemeClr val="tx1"/>
+                </a:solidFill>
+              </a:rPr>
+              <a:t>1</a:t>
+            </a:r>
+            <a:endParaRPr kumimoji="1" lang="ja-JP" altLang="en-US" sz="1400">
+              <a:solidFill>
+                <a:schemeClr val="tx1"/>
+              </a:solidFill>
+            </a:endParaRPr>
+          </a:p>
+        </p:txBody>
+      </p:sp>
+      <p:sp>
+        <p:nvSpPr>
+          <p:cNvPr id="61" name="正方形/長方形 60">
+            <a:extLst>
+              <a:ext uri="{FF2B5EF4-FFF2-40B4-BE49-F238E27FC236}">
+                <a16:creationId xmlns:a16="http://schemas.microsoft.com/office/drawing/2014/main" id="{622733D7-4EDA-E44B-839B-A1CAB37E5EEF}"/>
+              </a:ext>
+            </a:extLst>
+          </p:cNvPr>
+          <p:cNvSpPr/>
+          <p:nvPr/>
+        </p:nvSpPr>
+        <p:spPr>
+          <a:xfrm>
+            <a:off x="5958129" y="3053092"/>
+            <a:ext cx="1207164" cy="301791"/>
+          </a:xfrm>
+          <a:prstGeom prst="rect">
+            <a:avLst/>
+          </a:prstGeom>
+          <a:noFill/>
+          <a:ln>
+            <a:solidFill>
+              <a:schemeClr val="tx1"/>
+            </a:solidFill>
+          </a:ln>
+        </p:spPr>
+        <p:style>
+          <a:lnRef idx="2">
+            <a:schemeClr val="accent1">
+              <a:shade val="50000"/>
+            </a:schemeClr>
+          </a:lnRef>
+          <a:fillRef idx="1">
+            <a:schemeClr val="accent1"/>
+          </a:fillRef>
+          <a:effectRef idx="0">
+            <a:schemeClr val="accent1"/>
+          </a:effectRef>
+          <a:fontRef idx="minor">
+            <a:schemeClr val="lt1"/>
+          </a:fontRef>
+        </p:style>
+        <p:txBody>
+          <a:bodyPr rtlCol="0" anchor="ctr"/>
+          <a:lstStyle/>
+          <a:p>
+            <a:pPr algn="ctr"/>
+            <a:r>
+              <a:rPr kumimoji="1" lang="en-US" altLang="ja-JP" sz="1400">
+                <a:solidFill>
+                  <a:schemeClr val="tx1"/>
+                </a:solidFill>
+              </a:rPr>
+              <a:t>2</a:t>
+            </a:r>
+            <a:endParaRPr kumimoji="1" lang="ja-JP" altLang="en-US" sz="1400">
+              <a:solidFill>
+                <a:schemeClr val="tx1"/>
+              </a:solidFill>
+            </a:endParaRPr>
+          </a:p>
+        </p:txBody>
+      </p:sp>
+      <p:sp>
+        <p:nvSpPr>
+          <p:cNvPr id="62" name="正方形/長方形 61">
+            <a:extLst>
+              <a:ext uri="{FF2B5EF4-FFF2-40B4-BE49-F238E27FC236}">
+                <a16:creationId xmlns:a16="http://schemas.microsoft.com/office/drawing/2014/main" id="{F13A5D75-E6E6-6D45-B875-D693B4E4FF5A}"/>
+              </a:ext>
+            </a:extLst>
+          </p:cNvPr>
+          <p:cNvSpPr/>
+          <p:nvPr/>
+        </p:nvSpPr>
+        <p:spPr>
+          <a:xfrm>
+            <a:off x="5958129" y="2751301"/>
+            <a:ext cx="1207164" cy="905373"/>
+          </a:xfrm>
+          <a:prstGeom prst="rect">
+            <a:avLst/>
+          </a:prstGeom>
+          <a:noFill/>
+          <a:ln w="28575">
+            <a:solidFill>
+              <a:srgbClr val="FF0000"/>
+            </a:solidFill>
+          </a:ln>
+        </p:spPr>
+        <p:style>
+          <a:lnRef idx="2">
+            <a:schemeClr val="accent1">
+              <a:shade val="50000"/>
+            </a:schemeClr>
+          </a:lnRef>
+          <a:fillRef idx="1">
+            <a:schemeClr val="accent1"/>
+          </a:fillRef>
+          <a:effectRef idx="0">
+            <a:schemeClr val="accent1"/>
+          </a:effectRef>
+          <a:fontRef idx="minor">
+            <a:schemeClr val="lt1"/>
+          </a:fontRef>
+        </p:style>
+        <p:txBody>
+          <a:bodyPr rtlCol="0" anchor="ctr"/>
+          <a:lstStyle/>
+          <a:p>
+            <a:pPr algn="ctr"/>
+            <a:endParaRPr kumimoji="1" lang="ja-JP" altLang="en-US" sz="1400"/>
+          </a:p>
+        </p:txBody>
+      </p:sp>
+      <p:sp>
+        <p:nvSpPr>
+          <p:cNvPr id="63" name="1 つの角を切り取った四角形 62">
+            <a:extLst>
+              <a:ext uri="{FF2B5EF4-FFF2-40B4-BE49-F238E27FC236}">
+                <a16:creationId xmlns:a16="http://schemas.microsoft.com/office/drawing/2014/main" id="{9163CE53-E671-DC40-9D28-E78EFFC363C8}"/>
+              </a:ext>
+            </a:extLst>
+          </p:cNvPr>
+          <p:cNvSpPr/>
+          <p:nvPr/>
+        </p:nvSpPr>
+        <p:spPr>
+          <a:xfrm>
+            <a:off x="4932040" y="3717032"/>
+            <a:ext cx="724298" cy="241433"/>
+          </a:xfrm>
+          <a:prstGeom prst="snip1Rect">
+            <a:avLst/>
+          </a:prstGeom>
+          <a:noFill/>
+          <a:ln>
+            <a:solidFill>
+              <a:schemeClr val="tx1"/>
+            </a:solidFill>
+          </a:ln>
+        </p:spPr>
+        <p:style>
+          <a:lnRef idx="2">
+            <a:schemeClr val="accent1">
+              <a:shade val="50000"/>
+            </a:schemeClr>
+          </a:lnRef>
+          <a:fillRef idx="1">
+            <a:schemeClr val="accent1"/>
+          </a:fillRef>
+          <a:effectRef idx="0">
+            <a:schemeClr val="accent1"/>
+          </a:effectRef>
+          <a:fontRef idx="minor">
+            <a:schemeClr val="lt1"/>
+          </a:fontRef>
+        </p:style>
+        <p:txBody>
+          <a:bodyPr rtlCol="0" anchor="ctr"/>
+          <a:lstStyle/>
+          <a:p>
+            <a:pPr algn="ctr"/>
+            <a:r>
+              <a:rPr kumimoji="1" lang="en-US" altLang="ja-JP" sz="1400">
+                <a:solidFill>
+                  <a:schemeClr val="tx1"/>
+                </a:solidFill>
+              </a:rPr>
+              <a:t>a</a:t>
+            </a:r>
+            <a:endParaRPr kumimoji="1" lang="ja-JP" altLang="en-US" sz="1400">
+              <a:solidFill>
+                <a:schemeClr val="tx1"/>
+              </a:solidFill>
+            </a:endParaRPr>
+          </a:p>
+        </p:txBody>
+      </p:sp>
+      <p:cxnSp>
+        <p:nvCxnSpPr>
+          <p:cNvPr id="64" name="直線矢印コネクタ 63">
+            <a:extLst>
+              <a:ext uri="{FF2B5EF4-FFF2-40B4-BE49-F238E27FC236}">
+                <a16:creationId xmlns:a16="http://schemas.microsoft.com/office/drawing/2014/main" id="{02EA934E-46C4-D441-881D-85A1A1BC9612}"/>
+              </a:ext>
+            </a:extLst>
+          </p:cNvPr>
+          <p:cNvCxnSpPr>
+            <a:stCxn id="63" idx="0"/>
+          </p:cNvCxnSpPr>
+          <p:nvPr/>
+        </p:nvCxnSpPr>
+        <p:spPr>
+          <a:xfrm>
+            <a:off x="5656338" y="3837748"/>
+            <a:ext cx="241433" cy="0"/>
+          </a:xfrm>
+          <a:prstGeom prst="straightConnector1">
+            <a:avLst/>
+          </a:prstGeom>
+          <a:ln w="12700">
+            <a:solidFill>
+              <a:schemeClr val="tx1"/>
+            </a:solidFill>
+            <a:tailEnd type="triangle"/>
+          </a:ln>
+        </p:spPr>
+        <p:style>
+          <a:lnRef idx="1">
+            <a:schemeClr val="accent1"/>
+          </a:lnRef>
+          <a:fillRef idx="0">
+            <a:schemeClr val="accent1"/>
+          </a:fillRef>
+          <a:effectRef idx="0">
+            <a:schemeClr val="accent1"/>
+          </a:effectRef>
+          <a:fontRef idx="minor">
+            <a:schemeClr val="tx1"/>
+          </a:fontRef>
+        </p:style>
+      </p:cxnSp>
+      <p:cxnSp>
+        <p:nvCxnSpPr>
+          <p:cNvPr id="65" name="カギ線コネクタ 64">
+            <a:extLst>
+              <a:ext uri="{FF2B5EF4-FFF2-40B4-BE49-F238E27FC236}">
+                <a16:creationId xmlns:a16="http://schemas.microsoft.com/office/drawing/2014/main" id="{22EBA2F3-1FE9-F54E-BD6B-31214CFFF589}"/>
+              </a:ext>
+            </a:extLst>
+          </p:cNvPr>
+          <p:cNvCxnSpPr>
+            <a:cxnSpLocks/>
+            <a:stCxn id="57" idx="3"/>
+            <a:endCxn id="60" idx="3"/>
+          </p:cNvCxnSpPr>
+          <p:nvPr/>
+        </p:nvCxnSpPr>
+        <p:spPr>
+          <a:xfrm flipV="1">
+            <a:off x="7165292" y="2902196"/>
+            <a:ext cx="10645" cy="905373"/>
+          </a:xfrm>
+          <a:prstGeom prst="bentConnector3">
+            <a:avLst>
+              <a:gd name="adj1" fmla="val 1800000"/>
+            </a:avLst>
+          </a:prstGeom>
+          <a:ln w="28575">
+            <a:solidFill>
+              <a:srgbClr val="FF0000"/>
+            </a:solidFill>
+            <a:tailEnd type="triangle"/>
+          </a:ln>
+        </p:spPr>
+        <p:style>
+          <a:lnRef idx="1">
+            <a:schemeClr val="accent1"/>
+          </a:lnRef>
+          <a:fillRef idx="0">
+            <a:schemeClr val="accent1"/>
+          </a:fillRef>
+          <a:effectRef idx="0">
+            <a:schemeClr val="accent1"/>
+          </a:effectRef>
+          <a:fontRef idx="minor">
+            <a:schemeClr val="tx1"/>
+          </a:fontRef>
+        </p:style>
+      </p:cxnSp>
+      <p:sp>
+        <p:nvSpPr>
+          <p:cNvPr id="66" name="1 つの角を切り取った四角形 65">
+            <a:extLst>
+              <a:ext uri="{FF2B5EF4-FFF2-40B4-BE49-F238E27FC236}">
+                <a16:creationId xmlns:a16="http://schemas.microsoft.com/office/drawing/2014/main" id="{655BCF09-932A-7F4B-95CD-B01746E47C3C}"/>
+              </a:ext>
+            </a:extLst>
+          </p:cNvPr>
+          <p:cNvSpPr/>
+          <p:nvPr/>
+        </p:nvSpPr>
+        <p:spPr>
+          <a:xfrm>
+            <a:off x="4932040" y="4018823"/>
+            <a:ext cx="724298" cy="241433"/>
+          </a:xfrm>
+          <a:prstGeom prst="snip1Rect">
+            <a:avLst/>
+          </a:prstGeom>
+          <a:noFill/>
+          <a:ln>
+            <a:solidFill>
+              <a:schemeClr val="tx1"/>
+            </a:solidFill>
+          </a:ln>
+        </p:spPr>
+        <p:style>
+          <a:lnRef idx="2">
+            <a:schemeClr val="accent1">
+              <a:shade val="50000"/>
+            </a:schemeClr>
+          </a:lnRef>
+          <a:fillRef idx="1">
+            <a:schemeClr val="accent1"/>
+          </a:fillRef>
+          <a:effectRef idx="0">
+            <a:schemeClr val="accent1"/>
+          </a:effectRef>
+          <a:fontRef idx="minor">
+            <a:schemeClr val="lt1"/>
+          </a:fontRef>
+        </p:style>
+        <p:txBody>
+          <a:bodyPr rtlCol="0" anchor="ctr"/>
+          <a:lstStyle/>
+          <a:p>
+            <a:pPr algn="ctr"/>
+            <a:r>
+              <a:rPr kumimoji="1" lang="en-US" altLang="ja-JP" sz="1400">
+                <a:solidFill>
+                  <a:schemeClr val="tx1"/>
+                </a:solidFill>
+              </a:rPr>
+              <a:t>b</a:t>
+            </a:r>
+            <a:endParaRPr kumimoji="1" lang="ja-JP" altLang="en-US" sz="1400">
+              <a:solidFill>
+                <a:schemeClr val="tx1"/>
+              </a:solidFill>
+            </a:endParaRPr>
+          </a:p>
+        </p:txBody>
+      </p:sp>
+      <p:cxnSp>
+        <p:nvCxnSpPr>
+          <p:cNvPr id="67" name="直線矢印コネクタ 66">
+            <a:extLst>
+              <a:ext uri="{FF2B5EF4-FFF2-40B4-BE49-F238E27FC236}">
+                <a16:creationId xmlns:a16="http://schemas.microsoft.com/office/drawing/2014/main" id="{9051B60C-11CA-1A4D-833A-C67D84FFAD92}"/>
+              </a:ext>
+            </a:extLst>
+          </p:cNvPr>
+          <p:cNvCxnSpPr>
+            <a:stCxn id="66" idx="0"/>
+          </p:cNvCxnSpPr>
+          <p:nvPr/>
+        </p:nvCxnSpPr>
+        <p:spPr>
+          <a:xfrm>
+            <a:off x="5656338" y="4139539"/>
+            <a:ext cx="241433" cy="0"/>
+          </a:xfrm>
+          <a:prstGeom prst="straightConnector1">
+            <a:avLst/>
+          </a:prstGeom>
+          <a:ln w="12700">
+            <a:solidFill>
+              <a:schemeClr val="tx1"/>
+            </a:solidFill>
+            <a:tailEnd type="triangle"/>
+          </a:ln>
+        </p:spPr>
+        <p:style>
+          <a:lnRef idx="1">
+            <a:schemeClr val="accent1"/>
+          </a:lnRef>
+          <a:fillRef idx="0">
+            <a:schemeClr val="accent1"/>
+          </a:fillRef>
+          <a:effectRef idx="0">
+            <a:schemeClr val="accent1"/>
+          </a:effectRef>
+          <a:fontRef idx="minor">
+            <a:schemeClr val="tx1"/>
+          </a:fontRef>
+        </p:style>
+      </p:cxnSp>
+      <p:cxnSp>
+        <p:nvCxnSpPr>
+          <p:cNvPr id="68" name="カギ線コネクタ 67">
+            <a:extLst>
+              <a:ext uri="{FF2B5EF4-FFF2-40B4-BE49-F238E27FC236}">
+                <a16:creationId xmlns:a16="http://schemas.microsoft.com/office/drawing/2014/main" id="{E73F2CB1-788E-954D-8D30-3B70B449F511}"/>
+              </a:ext>
+            </a:extLst>
+          </p:cNvPr>
+          <p:cNvCxnSpPr>
+            <a:cxnSpLocks/>
+            <a:stCxn id="58" idx="3"/>
+            <a:endCxn id="59" idx="3"/>
+          </p:cNvCxnSpPr>
+          <p:nvPr/>
+        </p:nvCxnSpPr>
+        <p:spPr>
+          <a:xfrm>
+            <a:off x="7165293" y="4109361"/>
+            <a:ext cx="12700" cy="301790"/>
+          </a:xfrm>
+          <a:prstGeom prst="bentConnector3">
+            <a:avLst>
+              <a:gd name="adj1" fmla="val 1800000"/>
+            </a:avLst>
+          </a:prstGeom>
+          <a:ln w="28575">
+            <a:solidFill>
+              <a:srgbClr val="FF0000"/>
+            </a:solidFill>
+            <a:tailEnd type="triangle"/>
+          </a:ln>
+        </p:spPr>
+        <p:style>
+          <a:lnRef idx="1">
+            <a:schemeClr val="accent1"/>
+          </a:lnRef>
+          <a:fillRef idx="0">
+            <a:schemeClr val="accent1"/>
+          </a:fillRef>
+          <a:effectRef idx="0">
+            <a:schemeClr val="accent1"/>
+          </a:effectRef>
+          <a:fontRef idx="minor">
+            <a:schemeClr val="tx1"/>
+          </a:fontRef>
+        </p:style>
+      </p:cxnSp>
+      <p:sp>
+        <p:nvSpPr>
+          <p:cNvPr id="69" name="正方形/長方形 68">
+            <a:extLst>
+              <a:ext uri="{FF2B5EF4-FFF2-40B4-BE49-F238E27FC236}">
+                <a16:creationId xmlns:a16="http://schemas.microsoft.com/office/drawing/2014/main" id="{20D7154F-4C1F-394C-8542-25ACB8391A2F}"/>
+              </a:ext>
+            </a:extLst>
+          </p:cNvPr>
+          <p:cNvSpPr/>
+          <p:nvPr/>
+        </p:nvSpPr>
+        <p:spPr>
+          <a:xfrm>
+            <a:off x="5958129" y="4562046"/>
+            <a:ext cx="1207164" cy="301791"/>
+          </a:xfrm>
+          <a:prstGeom prst="rect">
+            <a:avLst/>
+          </a:prstGeom>
+          <a:noFill/>
+          <a:ln>
+            <a:solidFill>
+              <a:schemeClr val="tx1"/>
+            </a:solidFill>
+          </a:ln>
+        </p:spPr>
+        <p:style>
+          <a:lnRef idx="2">
+            <a:schemeClr val="accent1">
+              <a:shade val="50000"/>
+            </a:schemeClr>
+          </a:lnRef>
+          <a:fillRef idx="1">
+            <a:schemeClr val="accent1"/>
+          </a:fillRef>
+          <a:effectRef idx="0">
+            <a:schemeClr val="accent1"/>
+          </a:effectRef>
+          <a:fontRef idx="minor">
+            <a:schemeClr val="lt1"/>
+          </a:fontRef>
+        </p:style>
+        <p:txBody>
+          <a:bodyPr rtlCol="0" anchor="ctr"/>
+          <a:lstStyle/>
+          <a:p>
+            <a:pPr algn="ctr"/>
+            <a:r>
+              <a:rPr kumimoji="1" lang="en-US" altLang="ja-JP" sz="1400">
+                <a:solidFill>
+                  <a:schemeClr val="tx1"/>
+                </a:solidFill>
+              </a:rPr>
+              <a:t>5</a:t>
+            </a:r>
+            <a:endParaRPr kumimoji="1" lang="ja-JP" altLang="en-US" sz="1400">
+              <a:solidFill>
+                <a:schemeClr val="tx1"/>
+              </a:solidFill>
+            </a:endParaRPr>
+          </a:p>
+        </p:txBody>
+      </p:sp>
+      <p:sp>
+        <p:nvSpPr>
+          <p:cNvPr id="70" name="正方形/長方形 69">
+            <a:extLst>
+              <a:ext uri="{FF2B5EF4-FFF2-40B4-BE49-F238E27FC236}">
+                <a16:creationId xmlns:a16="http://schemas.microsoft.com/office/drawing/2014/main" id="{3C8149AA-517D-C841-A839-0D2AFB99363D}"/>
+              </a:ext>
+            </a:extLst>
+          </p:cNvPr>
+          <p:cNvSpPr/>
+          <p:nvPr/>
+        </p:nvSpPr>
+        <p:spPr>
+          <a:xfrm>
+            <a:off x="5958129" y="4863837"/>
+            <a:ext cx="1207164" cy="301791"/>
+          </a:xfrm>
+          <a:prstGeom prst="rect">
+            <a:avLst/>
+          </a:prstGeom>
+          <a:noFill/>
+          <a:ln>
+            <a:solidFill>
+              <a:schemeClr val="tx1"/>
+            </a:solidFill>
+          </a:ln>
+        </p:spPr>
+        <p:style>
+          <a:lnRef idx="2">
+            <a:schemeClr val="accent1">
+              <a:shade val="50000"/>
+            </a:schemeClr>
+          </a:lnRef>
+          <a:fillRef idx="1">
+            <a:schemeClr val="accent1"/>
+          </a:fillRef>
+          <a:effectRef idx="0">
+            <a:schemeClr val="accent1"/>
+          </a:effectRef>
+          <a:fontRef idx="minor">
+            <a:schemeClr val="lt1"/>
+          </a:fontRef>
+        </p:style>
+        <p:txBody>
+          <a:bodyPr rtlCol="0" anchor="ctr"/>
+          <a:lstStyle/>
+          <a:p>
+            <a:pPr algn="ctr"/>
+            <a:r>
+              <a:rPr kumimoji="1" lang="en-US" altLang="ja-JP" sz="1400">
+                <a:solidFill>
+                  <a:schemeClr val="tx1"/>
+                </a:solidFill>
+              </a:rPr>
+              <a:t>6</a:t>
+            </a:r>
+            <a:endParaRPr kumimoji="1" lang="ja-JP" altLang="en-US" sz="1400">
+              <a:solidFill>
+                <a:schemeClr val="tx1"/>
+              </a:solidFill>
+            </a:endParaRPr>
+          </a:p>
+        </p:txBody>
+      </p:sp>
+      <p:sp>
+        <p:nvSpPr>
+          <p:cNvPr id="71" name="正方形/長方形 70">
+            <a:extLst>
+              <a:ext uri="{FF2B5EF4-FFF2-40B4-BE49-F238E27FC236}">
+                <a16:creationId xmlns:a16="http://schemas.microsoft.com/office/drawing/2014/main" id="{972151FB-C13C-2540-98E7-1FE6B2896CDF}"/>
+              </a:ext>
+            </a:extLst>
+          </p:cNvPr>
+          <p:cNvSpPr/>
+          <p:nvPr/>
+        </p:nvSpPr>
+        <p:spPr>
+          <a:xfrm>
+            <a:off x="5968473" y="4258677"/>
+            <a:ext cx="1213192" cy="894080"/>
+          </a:xfrm>
+          <a:prstGeom prst="rect">
+            <a:avLst/>
+          </a:prstGeom>
+          <a:noFill/>
+          <a:ln w="28575">
+            <a:solidFill>
+              <a:srgbClr val="FF0000"/>
+            </a:solidFill>
+          </a:ln>
+        </p:spPr>
+        <p:style>
+          <a:lnRef idx="2">
+            <a:schemeClr val="accent1">
+              <a:shade val="50000"/>
+            </a:schemeClr>
+          </a:lnRef>
+          <a:fillRef idx="1">
+            <a:schemeClr val="accent1"/>
+          </a:fillRef>
+          <a:effectRef idx="0">
+            <a:schemeClr val="accent1"/>
+          </a:effectRef>
+          <a:fontRef idx="minor">
+            <a:schemeClr val="lt1"/>
+          </a:fontRef>
+        </p:style>
+        <p:txBody>
+          <a:bodyPr rtlCol="0" anchor="ctr"/>
+          <a:lstStyle/>
+          <a:p>
+            <a:pPr algn="ctr"/>
+            <a:endParaRPr kumimoji="1" lang="ja-JP" altLang="en-US" sz="1400"/>
+          </a:p>
+        </p:txBody>
+      </p:sp>
+    </p:spTree>
+    <p:extLst>
+      <p:ext uri="{BB962C8B-B14F-4D97-AF65-F5344CB8AC3E}">
+        <p14:creationId xmlns:p14="http://schemas.microsoft.com/office/powerpoint/2010/main" val="1751839183"/>
+      </p:ext>
+    </p:extLst>
+  </p:cSld>
+  <p:clrMapOvr>
+    <a:masterClrMapping/>
+  </p:clrMapOvr>
+</p:sld>
+</file>
+
+<file path=ppt/slides/slide9.xml><?xml version="1.0" encoding="utf-8"?>
 <p:sld xmlns:a="http://schemas.openxmlformats.org/drawingml/2006/main" xmlns:r="http://schemas.openxmlformats.org/officeDocument/2006/relationships" xmlns:p="http://schemas.openxmlformats.org/presentationml/2006/main">
   <p:cSld>
     <p:spTree>
@@ -13256,1769 +20977,6 @@
     <p:extLst>
       <p:ext uri="{BB962C8B-B14F-4D97-AF65-F5344CB8AC3E}">
         <p14:creationId xmlns:p14="http://schemas.microsoft.com/office/powerpoint/2010/main" val="2771421114"/>
-      </p:ext>
-    </p:extLst>
-  </p:cSld>
-  <p:clrMapOvr>
-    <a:masterClrMapping/>
-  </p:clrMapOvr>
-</p:sld>
-</file>
-
-<file path=ppt/slides/slide7.xml><?xml version="1.0" encoding="utf-8"?>
-<p:sld xmlns:a="http://schemas.openxmlformats.org/drawingml/2006/main" xmlns:r="http://schemas.openxmlformats.org/officeDocument/2006/relationships" xmlns:p="http://schemas.openxmlformats.org/presentationml/2006/main">
-  <p:cSld>
-    <p:spTree>
-      <p:nvGrpSpPr>
-        <p:cNvPr id="1" name=""/>
-        <p:cNvGrpSpPr/>
-        <p:nvPr/>
-      </p:nvGrpSpPr>
-      <p:grpSpPr>
-        <a:xfrm>
-          <a:off x="0" y="0"/>
-          <a:ext cx="0" cy="0"/>
-          <a:chOff x="0" y="0"/>
-          <a:chExt cx="0" cy="0"/>
-        </a:xfrm>
-      </p:grpSpPr>
-      <p:sp>
-        <p:nvSpPr>
-          <p:cNvPr id="25" name="角丸四角形 24"/>
-          <p:cNvSpPr/>
-          <p:nvPr/>
-        </p:nvSpPr>
-        <p:spPr>
-          <a:xfrm>
-            <a:off x="2334557" y="364749"/>
-            <a:ext cx="4325675" cy="2056139"/>
-          </a:xfrm>
-          <a:prstGeom prst="roundRect">
-            <a:avLst/>
-          </a:prstGeom>
-          <a:solidFill>
-            <a:schemeClr val="bg1"/>
-          </a:solidFill>
-          <a:ln>
-            <a:solidFill>
-              <a:schemeClr val="tx1"/>
-            </a:solidFill>
-          </a:ln>
-          <a:effectLst>
-            <a:outerShdw blurRad="50800" dist="38100" dir="2700000" algn="tl" rotWithShape="0">
-              <a:prstClr val="black">
-                <a:alpha val="40000"/>
-              </a:prstClr>
-            </a:outerShdw>
-          </a:effectLst>
-        </p:spPr>
-        <p:style>
-          <a:lnRef idx="2">
-            <a:schemeClr val="accent1">
-              <a:shade val="50000"/>
-            </a:schemeClr>
-          </a:lnRef>
-          <a:fillRef idx="1">
-            <a:schemeClr val="accent1"/>
-          </a:fillRef>
-          <a:effectRef idx="0">
-            <a:schemeClr val="accent1"/>
-          </a:effectRef>
-          <a:fontRef idx="minor">
-            <a:schemeClr val="lt1"/>
-          </a:fontRef>
-        </p:style>
-        <p:txBody>
-          <a:bodyPr rtlCol="0" anchor="ctr"/>
-          <a:lstStyle/>
-          <a:p>
-            <a:pPr algn="ctr"/>
-            <a:endParaRPr kumimoji="1" lang="ja-JP" altLang="en-US"/>
-          </a:p>
-        </p:txBody>
-      </p:sp>
-      <p:cxnSp>
-        <p:nvCxnSpPr>
-          <p:cNvPr id="4" name="直線矢印コネクタ 3"/>
-          <p:cNvCxnSpPr/>
-          <p:nvPr/>
-        </p:nvCxnSpPr>
-        <p:spPr>
-          <a:xfrm>
-            <a:off x="399842" y="3505200"/>
-            <a:ext cx="1744663" cy="0"/>
-          </a:xfrm>
-          <a:prstGeom prst="straightConnector1">
-            <a:avLst/>
-          </a:prstGeom>
-          <a:ln w="12700">
-            <a:solidFill>
-              <a:schemeClr val="tx1"/>
-            </a:solidFill>
-            <a:tailEnd type="triangle"/>
-          </a:ln>
-        </p:spPr>
-        <p:style>
-          <a:lnRef idx="1">
-            <a:schemeClr val="accent1"/>
-          </a:lnRef>
-          <a:fillRef idx="0">
-            <a:schemeClr val="accent1"/>
-          </a:fillRef>
-          <a:effectRef idx="0">
-            <a:schemeClr val="accent1"/>
-          </a:effectRef>
-          <a:fontRef idx="minor">
-            <a:schemeClr val="tx1"/>
-          </a:fontRef>
-        </p:style>
-      </p:cxnSp>
-      <p:grpSp>
-        <p:nvGrpSpPr>
-          <p:cNvPr id="13" name="グループ化 12"/>
-          <p:cNvGrpSpPr/>
-          <p:nvPr/>
-        </p:nvGrpSpPr>
-        <p:grpSpPr>
-          <a:xfrm>
-            <a:off x="4068375" y="2997201"/>
-            <a:ext cx="1744663" cy="511610"/>
-            <a:chOff x="3779559" y="2160470"/>
-            <a:chExt cx="1744663" cy="511610"/>
-          </a:xfrm>
-        </p:grpSpPr>
-        <p:cxnSp>
-          <p:nvCxnSpPr>
-            <p:cNvPr id="6" name="直線矢印コネクタ 5"/>
-            <p:cNvCxnSpPr/>
-            <p:nvPr/>
-          </p:nvCxnSpPr>
-          <p:spPr>
-            <a:xfrm>
-              <a:off x="3779559" y="2672080"/>
-              <a:ext cx="577864" cy="0"/>
-            </a:xfrm>
-            <a:prstGeom prst="straightConnector1">
-              <a:avLst/>
-            </a:prstGeom>
-            <a:ln w="12700">
-              <a:solidFill>
-                <a:schemeClr val="tx1"/>
-              </a:solidFill>
-              <a:tailEnd type="triangle"/>
-            </a:ln>
-          </p:spPr>
-          <p:style>
-            <a:lnRef idx="1">
-              <a:schemeClr val="accent1"/>
-            </a:lnRef>
-            <a:fillRef idx="0">
-              <a:schemeClr val="accent1"/>
-            </a:fillRef>
-            <a:effectRef idx="0">
-              <a:schemeClr val="accent1"/>
-            </a:effectRef>
-            <a:fontRef idx="minor">
-              <a:schemeClr val="tx1"/>
-            </a:fontRef>
-          </p:style>
-        </p:cxnSp>
-        <p:cxnSp>
-          <p:nvCxnSpPr>
-            <p:cNvPr id="7" name="直線矢印コネクタ 6"/>
-            <p:cNvCxnSpPr/>
-            <p:nvPr/>
-          </p:nvCxnSpPr>
-          <p:spPr>
-            <a:xfrm>
-              <a:off x="4946358" y="2672080"/>
-              <a:ext cx="577864" cy="0"/>
-            </a:xfrm>
-            <a:prstGeom prst="straightConnector1">
-              <a:avLst/>
-            </a:prstGeom>
-            <a:ln w="12700">
-              <a:solidFill>
-                <a:schemeClr val="tx1"/>
-              </a:solidFill>
-              <a:tailEnd type="triangle"/>
-            </a:ln>
-          </p:spPr>
-          <p:style>
-            <a:lnRef idx="1">
-              <a:schemeClr val="accent1"/>
-            </a:lnRef>
-            <a:fillRef idx="0">
-              <a:schemeClr val="accent1"/>
-            </a:fillRef>
-            <a:effectRef idx="0">
-              <a:schemeClr val="accent1"/>
-            </a:effectRef>
-            <a:fontRef idx="minor">
-              <a:schemeClr val="tx1"/>
-            </a:fontRef>
-          </p:style>
-        </p:cxnSp>
-        <p:cxnSp>
-          <p:nvCxnSpPr>
-            <p:cNvPr id="9" name="直線矢印コネクタ 8"/>
-            <p:cNvCxnSpPr/>
-            <p:nvPr/>
-          </p:nvCxnSpPr>
-          <p:spPr>
-            <a:xfrm flipV="1">
-              <a:off x="4357423" y="2160470"/>
-              <a:ext cx="298148" cy="511610"/>
-            </a:xfrm>
-            <a:prstGeom prst="straightConnector1">
-              <a:avLst/>
-            </a:prstGeom>
-            <a:ln w="12700">
-              <a:solidFill>
-                <a:schemeClr val="tx1"/>
-              </a:solidFill>
-              <a:tailEnd type="triangle"/>
-            </a:ln>
-          </p:spPr>
-          <p:style>
-            <a:lnRef idx="1">
-              <a:schemeClr val="accent1"/>
-            </a:lnRef>
-            <a:fillRef idx="0">
-              <a:schemeClr val="accent1"/>
-            </a:fillRef>
-            <a:effectRef idx="0">
-              <a:schemeClr val="accent1"/>
-            </a:effectRef>
-            <a:fontRef idx="minor">
-              <a:schemeClr val="tx1"/>
-            </a:fontRef>
-          </p:style>
-        </p:cxnSp>
-        <p:cxnSp>
-          <p:nvCxnSpPr>
-            <p:cNvPr id="11" name="直線矢印コネクタ 10"/>
-            <p:cNvCxnSpPr/>
-            <p:nvPr/>
-          </p:nvCxnSpPr>
-          <p:spPr>
-            <a:xfrm>
-              <a:off x="4655571" y="2160470"/>
-              <a:ext cx="290787" cy="511610"/>
-            </a:xfrm>
-            <a:prstGeom prst="straightConnector1">
-              <a:avLst/>
-            </a:prstGeom>
-            <a:ln w="12700">
-              <a:solidFill>
-                <a:schemeClr val="tx1"/>
-              </a:solidFill>
-              <a:tailEnd type="triangle"/>
-            </a:ln>
-          </p:spPr>
-          <p:style>
-            <a:lnRef idx="1">
-              <a:schemeClr val="accent1"/>
-            </a:lnRef>
-            <a:fillRef idx="0">
-              <a:schemeClr val="accent1"/>
-            </a:fillRef>
-            <a:effectRef idx="0">
-              <a:schemeClr val="accent1"/>
-            </a:effectRef>
-            <a:fontRef idx="minor">
-              <a:schemeClr val="tx1"/>
-            </a:fontRef>
-          </p:style>
-        </p:cxnSp>
-      </p:grpSp>
-      <p:sp>
-        <p:nvSpPr>
-          <p:cNvPr id="20" name="テキスト ボックス 19"/>
-          <p:cNvSpPr txBox="1"/>
-          <p:nvPr/>
-        </p:nvSpPr>
-        <p:spPr>
-          <a:xfrm>
-            <a:off x="395536" y="2699628"/>
-            <a:ext cx="1983921" cy="369332"/>
-          </a:xfrm>
-          <a:prstGeom prst="rect">
-            <a:avLst/>
-          </a:prstGeom>
-          <a:noFill/>
-        </p:spPr>
-        <p:txBody>
-          <a:bodyPr wrap="square" rtlCol="0">
-            <a:spAutoFit/>
-          </a:bodyPr>
-          <a:lstStyle/>
-          <a:p>
-            <a:r>
-              <a:rPr lang="ja-JP" altLang="en-US" dirty="0"/>
-              <a:t>入力ベクトル</a:t>
-            </a:r>
-            <a:endParaRPr kumimoji="1" lang="ja-JP" altLang="en-US" dirty="0"/>
-          </a:p>
-        </p:txBody>
-      </p:sp>
-      <p:sp>
-        <p:nvSpPr>
-          <p:cNvPr id="22" name="テキスト ボックス 21"/>
-          <p:cNvSpPr txBox="1"/>
-          <p:nvPr/>
-        </p:nvSpPr>
-        <p:spPr>
-          <a:xfrm>
-            <a:off x="4097819" y="2625024"/>
-            <a:ext cx="1983921" cy="369332"/>
-          </a:xfrm>
-          <a:prstGeom prst="rect">
-            <a:avLst/>
-          </a:prstGeom>
-          <a:noFill/>
-        </p:spPr>
-        <p:txBody>
-          <a:bodyPr wrap="square" rtlCol="0">
-            <a:spAutoFit/>
-          </a:bodyPr>
-          <a:lstStyle/>
-          <a:p>
-            <a:r>
-              <a:rPr lang="ja-JP" altLang="en-US" dirty="0"/>
-              <a:t>出力ベクトル</a:t>
-            </a:r>
-            <a:endParaRPr kumimoji="1" lang="ja-JP" altLang="en-US" dirty="0"/>
-          </a:p>
-        </p:txBody>
-      </p:sp>
-      <p:sp>
-        <p:nvSpPr>
-          <p:cNvPr id="23" name="右矢印 22"/>
-          <p:cNvSpPr/>
-          <p:nvPr/>
-        </p:nvSpPr>
-        <p:spPr>
-          <a:xfrm>
-            <a:off x="2898570" y="3289176"/>
-            <a:ext cx="432048" cy="432048"/>
-          </a:xfrm>
-          <a:prstGeom prst="rightArrow">
-            <a:avLst/>
-          </a:prstGeom>
-          <a:solidFill>
-            <a:srgbClr val="FF0000"/>
-          </a:solidFill>
-          <a:ln>
-            <a:solidFill>
-              <a:schemeClr val="tx1"/>
-            </a:solidFill>
-          </a:ln>
-        </p:spPr>
-        <p:style>
-          <a:lnRef idx="2">
-            <a:schemeClr val="accent1">
-              <a:shade val="50000"/>
-            </a:schemeClr>
-          </a:lnRef>
-          <a:fillRef idx="1">
-            <a:schemeClr val="accent1"/>
-          </a:fillRef>
-          <a:effectRef idx="0">
-            <a:schemeClr val="accent1"/>
-          </a:effectRef>
-          <a:fontRef idx="minor">
-            <a:schemeClr val="lt1"/>
-          </a:fontRef>
-        </p:style>
-        <p:txBody>
-          <a:bodyPr rtlCol="0" anchor="ctr"/>
-          <a:lstStyle/>
-          <a:p>
-            <a:pPr algn="ctr"/>
-            <a:endParaRPr kumimoji="1" lang="ja-JP" altLang="en-US"/>
-          </a:p>
-        </p:txBody>
-      </p:sp>
-      <p:cxnSp>
-        <p:nvCxnSpPr>
-          <p:cNvPr id="24" name="直線矢印コネクタ 23"/>
-          <p:cNvCxnSpPr/>
-          <p:nvPr/>
-        </p:nvCxnSpPr>
-        <p:spPr>
-          <a:xfrm flipV="1">
-            <a:off x="884271" y="4753780"/>
-            <a:ext cx="1060471" cy="1362808"/>
-          </a:xfrm>
-          <a:prstGeom prst="straightConnector1">
-            <a:avLst/>
-          </a:prstGeom>
-          <a:ln w="12700">
-            <a:solidFill>
-              <a:schemeClr val="tx1"/>
-            </a:solidFill>
-            <a:tailEnd type="triangle"/>
-          </a:ln>
-        </p:spPr>
-        <p:style>
-          <a:lnRef idx="1">
-            <a:schemeClr val="accent1"/>
-          </a:lnRef>
-          <a:fillRef idx="0">
-            <a:schemeClr val="accent1"/>
-          </a:fillRef>
-          <a:effectRef idx="0">
-            <a:schemeClr val="accent1"/>
-          </a:effectRef>
-          <a:fontRef idx="minor">
-            <a:schemeClr val="tx1"/>
-          </a:fontRef>
-        </p:style>
-      </p:cxnSp>
-      <p:sp>
-        <p:nvSpPr>
-          <p:cNvPr id="32" name="右矢印 31"/>
-          <p:cNvSpPr/>
-          <p:nvPr/>
-        </p:nvSpPr>
-        <p:spPr>
-          <a:xfrm>
-            <a:off x="2888410" y="5412616"/>
-            <a:ext cx="432048" cy="432048"/>
-          </a:xfrm>
-          <a:prstGeom prst="rightArrow">
-            <a:avLst/>
-          </a:prstGeom>
-          <a:solidFill>
-            <a:srgbClr val="FF0000"/>
-          </a:solidFill>
-          <a:ln>
-            <a:solidFill>
-              <a:schemeClr val="tx1"/>
-            </a:solidFill>
-          </a:ln>
-        </p:spPr>
-        <p:style>
-          <a:lnRef idx="2">
-            <a:schemeClr val="accent1">
-              <a:shade val="50000"/>
-            </a:schemeClr>
-          </a:lnRef>
-          <a:fillRef idx="1">
-            <a:schemeClr val="accent1"/>
-          </a:fillRef>
-          <a:effectRef idx="0">
-            <a:schemeClr val="accent1"/>
-          </a:effectRef>
-          <a:fontRef idx="minor">
-            <a:schemeClr val="lt1"/>
-          </a:fontRef>
-        </p:style>
-        <p:txBody>
-          <a:bodyPr rtlCol="0" anchor="ctr"/>
-          <a:lstStyle/>
-          <a:p>
-            <a:pPr algn="ctr"/>
-            <a:endParaRPr kumimoji="1" lang="ja-JP" altLang="en-US"/>
-          </a:p>
-        </p:txBody>
-      </p:sp>
-      <p:grpSp>
-        <p:nvGrpSpPr>
-          <p:cNvPr id="36" name="グループ化 35"/>
-          <p:cNvGrpSpPr/>
-          <p:nvPr/>
-        </p:nvGrpSpPr>
-        <p:grpSpPr>
-          <a:xfrm rot="18421979">
-            <a:off x="3868557" y="4949657"/>
-            <a:ext cx="1744663" cy="511610"/>
-            <a:chOff x="3779559" y="2160470"/>
-            <a:chExt cx="1744663" cy="511610"/>
-          </a:xfrm>
-        </p:grpSpPr>
-        <p:cxnSp>
-          <p:nvCxnSpPr>
-            <p:cNvPr id="37" name="直線矢印コネクタ 36"/>
-            <p:cNvCxnSpPr/>
-            <p:nvPr/>
-          </p:nvCxnSpPr>
-          <p:spPr>
-            <a:xfrm>
-              <a:off x="3779559" y="2672080"/>
-              <a:ext cx="577864" cy="0"/>
-            </a:xfrm>
-            <a:prstGeom prst="straightConnector1">
-              <a:avLst/>
-            </a:prstGeom>
-            <a:ln w="12700">
-              <a:solidFill>
-                <a:schemeClr val="tx1"/>
-              </a:solidFill>
-              <a:tailEnd type="triangle"/>
-            </a:ln>
-          </p:spPr>
-          <p:style>
-            <a:lnRef idx="1">
-              <a:schemeClr val="accent1"/>
-            </a:lnRef>
-            <a:fillRef idx="0">
-              <a:schemeClr val="accent1"/>
-            </a:fillRef>
-            <a:effectRef idx="0">
-              <a:schemeClr val="accent1"/>
-            </a:effectRef>
-            <a:fontRef idx="minor">
-              <a:schemeClr val="tx1"/>
-            </a:fontRef>
-          </p:style>
-        </p:cxnSp>
-        <p:cxnSp>
-          <p:nvCxnSpPr>
-            <p:cNvPr id="38" name="直線矢印コネクタ 37"/>
-            <p:cNvCxnSpPr/>
-            <p:nvPr/>
-          </p:nvCxnSpPr>
-          <p:spPr>
-            <a:xfrm>
-              <a:off x="4946358" y="2672080"/>
-              <a:ext cx="577864" cy="0"/>
-            </a:xfrm>
-            <a:prstGeom prst="straightConnector1">
-              <a:avLst/>
-            </a:prstGeom>
-            <a:ln w="12700">
-              <a:solidFill>
-                <a:schemeClr val="tx1"/>
-              </a:solidFill>
-              <a:tailEnd type="triangle"/>
-            </a:ln>
-          </p:spPr>
-          <p:style>
-            <a:lnRef idx="1">
-              <a:schemeClr val="accent1"/>
-            </a:lnRef>
-            <a:fillRef idx="0">
-              <a:schemeClr val="accent1"/>
-            </a:fillRef>
-            <a:effectRef idx="0">
-              <a:schemeClr val="accent1"/>
-            </a:effectRef>
-            <a:fontRef idx="minor">
-              <a:schemeClr val="tx1"/>
-            </a:fontRef>
-          </p:style>
-        </p:cxnSp>
-        <p:cxnSp>
-          <p:nvCxnSpPr>
-            <p:cNvPr id="39" name="直線矢印コネクタ 38"/>
-            <p:cNvCxnSpPr/>
-            <p:nvPr/>
-          </p:nvCxnSpPr>
-          <p:spPr>
-            <a:xfrm flipV="1">
-              <a:off x="4357423" y="2160470"/>
-              <a:ext cx="298148" cy="511610"/>
-            </a:xfrm>
-            <a:prstGeom prst="straightConnector1">
-              <a:avLst/>
-            </a:prstGeom>
-            <a:ln w="12700">
-              <a:solidFill>
-                <a:schemeClr val="tx1"/>
-              </a:solidFill>
-              <a:tailEnd type="triangle"/>
-            </a:ln>
-          </p:spPr>
-          <p:style>
-            <a:lnRef idx="1">
-              <a:schemeClr val="accent1"/>
-            </a:lnRef>
-            <a:fillRef idx="0">
-              <a:schemeClr val="accent1"/>
-            </a:fillRef>
-            <a:effectRef idx="0">
-              <a:schemeClr val="accent1"/>
-            </a:effectRef>
-            <a:fontRef idx="minor">
-              <a:schemeClr val="tx1"/>
-            </a:fontRef>
-          </p:style>
-        </p:cxnSp>
-        <p:cxnSp>
-          <p:nvCxnSpPr>
-            <p:cNvPr id="40" name="直線矢印コネクタ 39"/>
-            <p:cNvCxnSpPr/>
-            <p:nvPr/>
-          </p:nvCxnSpPr>
-          <p:spPr>
-            <a:xfrm>
-              <a:off x="4655571" y="2160470"/>
-              <a:ext cx="290787" cy="511610"/>
-            </a:xfrm>
-            <a:prstGeom prst="straightConnector1">
-              <a:avLst/>
-            </a:prstGeom>
-            <a:ln w="12700">
-              <a:solidFill>
-                <a:schemeClr val="tx1"/>
-              </a:solidFill>
-              <a:tailEnd type="triangle"/>
-            </a:ln>
-          </p:spPr>
-          <p:style>
-            <a:lnRef idx="1">
-              <a:schemeClr val="accent1"/>
-            </a:lnRef>
-            <a:fillRef idx="0">
-              <a:schemeClr val="accent1"/>
-            </a:fillRef>
-            <a:effectRef idx="0">
-              <a:schemeClr val="accent1"/>
-            </a:effectRef>
-            <a:fontRef idx="minor">
-              <a:schemeClr val="tx1"/>
-            </a:fontRef>
-          </p:style>
-        </p:cxnSp>
-      </p:grpSp>
-      <p:grpSp>
-        <p:nvGrpSpPr>
-          <p:cNvPr id="41" name="グループ化 40"/>
-          <p:cNvGrpSpPr/>
-          <p:nvPr/>
-        </p:nvGrpSpPr>
-        <p:grpSpPr>
-          <a:xfrm>
-            <a:off x="2458519" y="1046865"/>
-            <a:ext cx="3892780" cy="1141530"/>
-            <a:chOff x="3779559" y="2160470"/>
-            <a:chExt cx="1744663" cy="511610"/>
-          </a:xfrm>
-        </p:grpSpPr>
-        <p:cxnSp>
-          <p:nvCxnSpPr>
-            <p:cNvPr id="42" name="直線矢印コネクタ 41"/>
-            <p:cNvCxnSpPr/>
-            <p:nvPr/>
-          </p:nvCxnSpPr>
-          <p:spPr>
-            <a:xfrm>
-              <a:off x="3779559" y="2672080"/>
-              <a:ext cx="577864" cy="0"/>
-            </a:xfrm>
-            <a:prstGeom prst="straightConnector1">
-              <a:avLst/>
-            </a:prstGeom>
-            <a:ln w="12700">
-              <a:solidFill>
-                <a:schemeClr val="tx1"/>
-              </a:solidFill>
-              <a:tailEnd type="triangle"/>
-            </a:ln>
-          </p:spPr>
-          <p:style>
-            <a:lnRef idx="1">
-              <a:schemeClr val="accent1"/>
-            </a:lnRef>
-            <a:fillRef idx="0">
-              <a:schemeClr val="accent1"/>
-            </a:fillRef>
-            <a:effectRef idx="0">
-              <a:schemeClr val="accent1"/>
-            </a:effectRef>
-            <a:fontRef idx="minor">
-              <a:schemeClr val="tx1"/>
-            </a:fontRef>
-          </p:style>
-        </p:cxnSp>
-        <p:cxnSp>
-          <p:nvCxnSpPr>
-            <p:cNvPr id="43" name="直線矢印コネクタ 42"/>
-            <p:cNvCxnSpPr/>
-            <p:nvPr/>
-          </p:nvCxnSpPr>
-          <p:spPr>
-            <a:xfrm>
-              <a:off x="4946358" y="2672080"/>
-              <a:ext cx="577864" cy="0"/>
-            </a:xfrm>
-            <a:prstGeom prst="straightConnector1">
-              <a:avLst/>
-            </a:prstGeom>
-            <a:ln w="12700">
-              <a:solidFill>
-                <a:schemeClr val="tx1"/>
-              </a:solidFill>
-              <a:tailEnd type="triangle"/>
-            </a:ln>
-          </p:spPr>
-          <p:style>
-            <a:lnRef idx="1">
-              <a:schemeClr val="accent1"/>
-            </a:lnRef>
-            <a:fillRef idx="0">
-              <a:schemeClr val="accent1"/>
-            </a:fillRef>
-            <a:effectRef idx="0">
-              <a:schemeClr val="accent1"/>
-            </a:effectRef>
-            <a:fontRef idx="minor">
-              <a:schemeClr val="tx1"/>
-            </a:fontRef>
-          </p:style>
-        </p:cxnSp>
-        <p:cxnSp>
-          <p:nvCxnSpPr>
-            <p:cNvPr id="44" name="直線矢印コネクタ 43"/>
-            <p:cNvCxnSpPr/>
-            <p:nvPr/>
-          </p:nvCxnSpPr>
-          <p:spPr>
-            <a:xfrm flipV="1">
-              <a:off x="4357423" y="2160470"/>
-              <a:ext cx="298148" cy="511610"/>
-            </a:xfrm>
-            <a:prstGeom prst="straightConnector1">
-              <a:avLst/>
-            </a:prstGeom>
-            <a:ln w="12700">
-              <a:solidFill>
-                <a:schemeClr val="tx1"/>
-              </a:solidFill>
-              <a:tailEnd type="triangle"/>
-            </a:ln>
-          </p:spPr>
-          <p:style>
-            <a:lnRef idx="1">
-              <a:schemeClr val="accent1"/>
-            </a:lnRef>
-            <a:fillRef idx="0">
-              <a:schemeClr val="accent1"/>
-            </a:fillRef>
-            <a:effectRef idx="0">
-              <a:schemeClr val="accent1"/>
-            </a:effectRef>
-            <a:fontRef idx="minor">
-              <a:schemeClr val="tx1"/>
-            </a:fontRef>
-          </p:style>
-        </p:cxnSp>
-        <p:cxnSp>
-          <p:nvCxnSpPr>
-            <p:cNvPr id="45" name="直線矢印コネクタ 44"/>
-            <p:cNvCxnSpPr/>
-            <p:nvPr/>
-          </p:nvCxnSpPr>
-          <p:spPr>
-            <a:xfrm>
-              <a:off x="4655571" y="2160470"/>
-              <a:ext cx="290787" cy="511610"/>
-            </a:xfrm>
-            <a:prstGeom prst="straightConnector1">
-              <a:avLst/>
-            </a:prstGeom>
-            <a:ln w="12700">
-              <a:solidFill>
-                <a:schemeClr val="tx1"/>
-              </a:solidFill>
-              <a:tailEnd type="triangle"/>
-            </a:ln>
-          </p:spPr>
-          <p:style>
-            <a:lnRef idx="1">
-              <a:schemeClr val="accent1"/>
-            </a:lnRef>
-            <a:fillRef idx="0">
-              <a:schemeClr val="accent1"/>
-            </a:fillRef>
-            <a:effectRef idx="0">
-              <a:schemeClr val="accent1"/>
-            </a:effectRef>
-            <a:fontRef idx="minor">
-              <a:schemeClr val="tx1"/>
-            </a:fontRef>
-          </p:style>
-        </p:cxnSp>
-      </p:grpSp>
-      <p:sp>
-        <p:nvSpPr>
-          <p:cNvPr id="46" name="テキスト ボックス 45"/>
-          <p:cNvSpPr txBox="1"/>
-          <p:nvPr/>
-        </p:nvSpPr>
-        <p:spPr>
-          <a:xfrm>
-            <a:off x="3393821" y="576666"/>
-            <a:ext cx="2312798" cy="369332"/>
-          </a:xfrm>
-          <a:prstGeom prst="rect">
-            <a:avLst/>
-          </a:prstGeom>
-          <a:noFill/>
-        </p:spPr>
-        <p:txBody>
-          <a:bodyPr wrap="square" rtlCol="0">
-            <a:spAutoFit/>
-          </a:bodyPr>
-          <a:lstStyle/>
-          <a:p>
-            <a:r>
-              <a:rPr lang="ja-JP" altLang="en-US" dirty="0"/>
-              <a:t>変換ベクトルリスト</a:t>
-            </a:r>
-            <a:endParaRPr kumimoji="1" lang="ja-JP" altLang="en-US" dirty="0"/>
-          </a:p>
-        </p:txBody>
-      </p:sp>
-      <p:sp>
-        <p:nvSpPr>
-          <p:cNvPr id="2" name="テキスト ボックス 1"/>
-          <p:cNvSpPr txBox="1"/>
-          <p:nvPr/>
-        </p:nvSpPr>
-        <p:spPr>
-          <a:xfrm>
-            <a:off x="6531317" y="3289176"/>
-            <a:ext cx="2262158" cy="369332"/>
-          </a:xfrm>
-          <a:prstGeom prst="rect">
-            <a:avLst/>
-          </a:prstGeom>
-          <a:noFill/>
-        </p:spPr>
-        <p:txBody>
-          <a:bodyPr wrap="none" rtlCol="0">
-            <a:spAutoFit/>
-          </a:bodyPr>
-          <a:lstStyle/>
-          <a:p>
-            <a:r>
-              <a:rPr lang="ja-JP" altLang="en-US" dirty="0"/>
-              <a:t>長さをスケールする</a:t>
-            </a:r>
-            <a:endParaRPr kumimoji="1" lang="ja-JP" altLang="en-US" dirty="0"/>
-          </a:p>
-        </p:txBody>
-      </p:sp>
-      <p:sp>
-        <p:nvSpPr>
-          <p:cNvPr id="26" name="テキスト ボックス 25"/>
-          <p:cNvSpPr txBox="1"/>
-          <p:nvPr/>
-        </p:nvSpPr>
-        <p:spPr>
-          <a:xfrm>
-            <a:off x="6762149" y="4788853"/>
-            <a:ext cx="1800493" cy="646331"/>
-          </a:xfrm>
-          <a:prstGeom prst="rect">
-            <a:avLst/>
-          </a:prstGeom>
-          <a:noFill/>
-        </p:spPr>
-        <p:txBody>
-          <a:bodyPr wrap="none" rtlCol="0">
-            <a:spAutoFit/>
-          </a:bodyPr>
-          <a:lstStyle/>
-          <a:p>
-            <a:r>
-              <a:rPr lang="ja-JP" altLang="en-US" dirty="0"/>
-              <a:t>傾いた入力には</a:t>
-            </a:r>
-            <a:endParaRPr lang="en-US" altLang="ja-JP" dirty="0"/>
-          </a:p>
-          <a:p>
-            <a:r>
-              <a:rPr kumimoji="1" lang="ja-JP" altLang="en-US" dirty="0"/>
-              <a:t>傾いた出力</a:t>
-            </a:r>
-          </a:p>
-        </p:txBody>
-      </p:sp>
-    </p:spTree>
-    <p:extLst>
-      <p:ext uri="{BB962C8B-B14F-4D97-AF65-F5344CB8AC3E}">
-        <p14:creationId xmlns:p14="http://schemas.microsoft.com/office/powerpoint/2010/main" val="3207741852"/>
-      </p:ext>
-    </p:extLst>
-  </p:cSld>
-  <p:clrMapOvr>
-    <a:masterClrMapping/>
-  </p:clrMapOvr>
-</p:sld>
-</file>
-
-<file path=ppt/slides/slide8.xml><?xml version="1.0" encoding="utf-8"?>
-<p:sld xmlns:a="http://schemas.openxmlformats.org/drawingml/2006/main" xmlns:r="http://schemas.openxmlformats.org/officeDocument/2006/relationships" xmlns:p="http://schemas.openxmlformats.org/presentationml/2006/main">
-  <p:cSld>
-    <p:spTree>
-      <p:nvGrpSpPr>
-        <p:cNvPr id="1" name=""/>
-        <p:cNvGrpSpPr/>
-        <p:nvPr/>
-      </p:nvGrpSpPr>
-      <p:grpSpPr>
-        <a:xfrm>
-          <a:off x="0" y="0"/>
-          <a:ext cx="0" cy="0"/>
-          <a:chOff x="0" y="0"/>
-          <a:chExt cx="0" cy="0"/>
-        </a:xfrm>
-      </p:grpSpPr>
-      <p:sp>
-        <p:nvSpPr>
-          <p:cNvPr id="48" name="角丸四角形 47"/>
-          <p:cNvSpPr/>
-          <p:nvPr/>
-        </p:nvSpPr>
-        <p:spPr>
-          <a:xfrm>
-            <a:off x="3203848" y="116632"/>
-            <a:ext cx="2709272" cy="1580088"/>
-          </a:xfrm>
-          <a:prstGeom prst="roundRect">
-            <a:avLst/>
-          </a:prstGeom>
-          <a:solidFill>
-            <a:schemeClr val="bg1"/>
-          </a:solidFill>
-          <a:ln>
-            <a:solidFill>
-              <a:schemeClr val="tx1"/>
-            </a:solidFill>
-          </a:ln>
-          <a:effectLst>
-            <a:outerShdw blurRad="50800" dist="38100" dir="2700000" algn="tl" rotWithShape="0">
-              <a:prstClr val="black">
-                <a:alpha val="40000"/>
-              </a:prstClr>
-            </a:outerShdw>
-          </a:effectLst>
-        </p:spPr>
-        <p:style>
-          <a:lnRef idx="2">
-            <a:schemeClr val="accent1">
-              <a:shade val="50000"/>
-            </a:schemeClr>
-          </a:lnRef>
-          <a:fillRef idx="1">
-            <a:schemeClr val="accent1"/>
-          </a:fillRef>
-          <a:effectRef idx="0">
-            <a:schemeClr val="accent1"/>
-          </a:effectRef>
-          <a:fontRef idx="minor">
-            <a:schemeClr val="lt1"/>
-          </a:fontRef>
-        </p:style>
-        <p:txBody>
-          <a:bodyPr rtlCol="0" anchor="ctr"/>
-          <a:lstStyle/>
-          <a:p>
-            <a:pPr algn="ctr"/>
-            <a:endParaRPr kumimoji="1" lang="ja-JP" altLang="en-US"/>
-          </a:p>
-        </p:txBody>
-      </p:sp>
-      <p:sp>
-        <p:nvSpPr>
-          <p:cNvPr id="3" name="テキスト ボックス 2"/>
-          <p:cNvSpPr txBox="1"/>
-          <p:nvPr/>
-        </p:nvSpPr>
-        <p:spPr>
-          <a:xfrm>
-            <a:off x="3419872" y="260648"/>
-            <a:ext cx="2312798" cy="369332"/>
-          </a:xfrm>
-          <a:prstGeom prst="rect">
-            <a:avLst/>
-          </a:prstGeom>
-          <a:noFill/>
-        </p:spPr>
-        <p:txBody>
-          <a:bodyPr wrap="square" rtlCol="0">
-            <a:spAutoFit/>
-          </a:bodyPr>
-          <a:lstStyle/>
-          <a:p>
-            <a:r>
-              <a:rPr lang="ja-JP" altLang="en-US" dirty="0"/>
-              <a:t>変換ベクトルリスト</a:t>
-            </a:r>
-            <a:endParaRPr kumimoji="1" lang="ja-JP" altLang="en-US" dirty="0"/>
-          </a:p>
-        </p:txBody>
-      </p:sp>
-      <p:cxnSp>
-        <p:nvCxnSpPr>
-          <p:cNvPr id="5" name="直線矢印コネクタ 4"/>
-          <p:cNvCxnSpPr/>
-          <p:nvPr/>
-        </p:nvCxnSpPr>
-        <p:spPr>
-          <a:xfrm flipV="1">
-            <a:off x="3779912" y="836712"/>
-            <a:ext cx="720080" cy="720080"/>
-          </a:xfrm>
-          <a:prstGeom prst="straightConnector1">
-            <a:avLst/>
-          </a:prstGeom>
-          <a:ln w="12700">
-            <a:solidFill>
-              <a:schemeClr val="tx1"/>
-            </a:solidFill>
-            <a:tailEnd type="triangle"/>
-          </a:ln>
-        </p:spPr>
-        <p:style>
-          <a:lnRef idx="1">
-            <a:schemeClr val="accent1"/>
-          </a:lnRef>
-          <a:fillRef idx="0">
-            <a:schemeClr val="accent1"/>
-          </a:fillRef>
-          <a:effectRef idx="0">
-            <a:schemeClr val="accent1"/>
-          </a:effectRef>
-          <a:fontRef idx="minor">
-            <a:schemeClr val="tx1"/>
-          </a:fontRef>
-        </p:style>
-      </p:cxnSp>
-      <p:cxnSp>
-        <p:nvCxnSpPr>
-          <p:cNvPr id="7" name="直線矢印コネクタ 6"/>
-          <p:cNvCxnSpPr/>
-          <p:nvPr/>
-        </p:nvCxnSpPr>
-        <p:spPr>
-          <a:xfrm>
-            <a:off x="4499992" y="836712"/>
-            <a:ext cx="720080" cy="720080"/>
-          </a:xfrm>
-          <a:prstGeom prst="straightConnector1">
-            <a:avLst/>
-          </a:prstGeom>
-          <a:ln w="12700">
-            <a:solidFill>
-              <a:schemeClr val="tx1"/>
-            </a:solidFill>
-            <a:tailEnd type="triangle"/>
-          </a:ln>
-        </p:spPr>
-        <p:style>
-          <a:lnRef idx="1">
-            <a:schemeClr val="accent1"/>
-          </a:lnRef>
-          <a:fillRef idx="0">
-            <a:schemeClr val="accent1"/>
-          </a:fillRef>
-          <a:effectRef idx="0">
-            <a:schemeClr val="accent1"/>
-          </a:effectRef>
-          <a:fontRef idx="minor">
-            <a:schemeClr val="tx1"/>
-          </a:fontRef>
-        </p:style>
-      </p:cxnSp>
-      <p:cxnSp>
-        <p:nvCxnSpPr>
-          <p:cNvPr id="8" name="直線矢印コネクタ 7"/>
-          <p:cNvCxnSpPr/>
-          <p:nvPr/>
-        </p:nvCxnSpPr>
-        <p:spPr>
-          <a:xfrm>
-            <a:off x="1722802" y="2704432"/>
-            <a:ext cx="1409038" cy="0"/>
-          </a:xfrm>
-          <a:prstGeom prst="straightConnector1">
-            <a:avLst/>
-          </a:prstGeom>
-          <a:ln w="12700">
-            <a:solidFill>
-              <a:schemeClr val="tx1"/>
-            </a:solidFill>
-            <a:tailEnd type="triangle"/>
-          </a:ln>
-        </p:spPr>
-        <p:style>
-          <a:lnRef idx="1">
-            <a:schemeClr val="accent1"/>
-          </a:lnRef>
-          <a:fillRef idx="0">
-            <a:schemeClr val="accent1"/>
-          </a:fillRef>
-          <a:effectRef idx="0">
-            <a:schemeClr val="accent1"/>
-          </a:effectRef>
-          <a:fontRef idx="minor">
-            <a:schemeClr val="tx1"/>
-          </a:fontRef>
-        </p:style>
-      </p:cxnSp>
-      <p:sp>
-        <p:nvSpPr>
-          <p:cNvPr id="14" name="テキスト ボックス 13"/>
-          <p:cNvSpPr txBox="1"/>
-          <p:nvPr/>
-        </p:nvSpPr>
-        <p:spPr>
-          <a:xfrm>
-            <a:off x="90271" y="2519766"/>
-            <a:ext cx="1983921" cy="369332"/>
-          </a:xfrm>
-          <a:prstGeom prst="rect">
-            <a:avLst/>
-          </a:prstGeom>
-          <a:noFill/>
-        </p:spPr>
-        <p:txBody>
-          <a:bodyPr wrap="square" rtlCol="0">
-            <a:spAutoFit/>
-          </a:bodyPr>
-          <a:lstStyle/>
-          <a:p>
-            <a:r>
-              <a:rPr lang="ja-JP" altLang="en-US" dirty="0"/>
-              <a:t>入力ベクトル</a:t>
-            </a:r>
-            <a:endParaRPr kumimoji="1" lang="ja-JP" altLang="en-US" dirty="0"/>
-          </a:p>
-        </p:txBody>
-      </p:sp>
-      <p:sp>
-        <p:nvSpPr>
-          <p:cNvPr id="15" name="テキスト ボックス 14"/>
-          <p:cNvSpPr txBox="1"/>
-          <p:nvPr/>
-        </p:nvSpPr>
-        <p:spPr>
-          <a:xfrm>
-            <a:off x="35496" y="4487777"/>
-            <a:ext cx="1983921" cy="369332"/>
-          </a:xfrm>
-          <a:prstGeom prst="rect">
-            <a:avLst/>
-          </a:prstGeom>
-          <a:noFill/>
-        </p:spPr>
-        <p:txBody>
-          <a:bodyPr wrap="square" rtlCol="0">
-            <a:spAutoFit/>
-          </a:bodyPr>
-          <a:lstStyle/>
-          <a:p>
-            <a:r>
-              <a:rPr lang="ja-JP" altLang="en-US" dirty="0"/>
-              <a:t>出力ベクトル</a:t>
-            </a:r>
-            <a:endParaRPr kumimoji="1" lang="ja-JP" altLang="en-US" dirty="0"/>
-          </a:p>
-        </p:txBody>
-      </p:sp>
-      <p:grpSp>
-        <p:nvGrpSpPr>
-          <p:cNvPr id="37" name="グループ化 36"/>
-          <p:cNvGrpSpPr/>
-          <p:nvPr/>
-        </p:nvGrpSpPr>
-        <p:grpSpPr>
-          <a:xfrm>
-            <a:off x="1637649" y="4293096"/>
-            <a:ext cx="1439417" cy="720080"/>
-            <a:chOff x="5292823" y="2348880"/>
-            <a:chExt cx="1439417" cy="720080"/>
-          </a:xfrm>
-        </p:grpSpPr>
-        <p:cxnSp>
-          <p:nvCxnSpPr>
-            <p:cNvPr id="18" name="直線矢印コネクタ 17"/>
-            <p:cNvCxnSpPr/>
-            <p:nvPr/>
-          </p:nvCxnSpPr>
-          <p:spPr>
-            <a:xfrm flipV="1">
-              <a:off x="5292823" y="2348880"/>
-              <a:ext cx="704519" cy="720080"/>
-            </a:xfrm>
-            <a:prstGeom prst="straightConnector1">
-              <a:avLst/>
-            </a:prstGeom>
-            <a:ln w="12700">
-              <a:solidFill>
-                <a:schemeClr val="tx1"/>
-              </a:solidFill>
-              <a:tailEnd type="triangle"/>
-            </a:ln>
-          </p:spPr>
-          <p:style>
-            <a:lnRef idx="1">
-              <a:schemeClr val="accent1"/>
-            </a:lnRef>
-            <a:fillRef idx="0">
-              <a:schemeClr val="accent1"/>
-            </a:fillRef>
-            <a:effectRef idx="0">
-              <a:schemeClr val="accent1"/>
-            </a:effectRef>
-            <a:fontRef idx="minor">
-              <a:schemeClr val="tx1"/>
-            </a:fontRef>
-          </p:style>
-        </p:cxnSp>
-        <p:cxnSp>
-          <p:nvCxnSpPr>
-            <p:cNvPr id="20" name="直線矢印コネクタ 19"/>
-            <p:cNvCxnSpPr/>
-            <p:nvPr/>
-          </p:nvCxnSpPr>
-          <p:spPr>
-            <a:xfrm>
-              <a:off x="6012160" y="2348880"/>
-              <a:ext cx="720080" cy="720080"/>
-            </a:xfrm>
-            <a:prstGeom prst="straightConnector1">
-              <a:avLst/>
-            </a:prstGeom>
-            <a:ln w="12700">
-              <a:solidFill>
-                <a:schemeClr val="tx1"/>
-              </a:solidFill>
-              <a:tailEnd type="triangle"/>
-            </a:ln>
-          </p:spPr>
-          <p:style>
-            <a:lnRef idx="1">
-              <a:schemeClr val="accent1"/>
-            </a:lnRef>
-            <a:fillRef idx="0">
-              <a:schemeClr val="accent1"/>
-            </a:fillRef>
-            <a:effectRef idx="0">
-              <a:schemeClr val="accent1"/>
-            </a:effectRef>
-            <a:fontRef idx="minor">
-              <a:schemeClr val="tx1"/>
-            </a:fontRef>
-          </p:style>
-        </p:cxnSp>
-      </p:grpSp>
-      <p:cxnSp>
-        <p:nvCxnSpPr>
-          <p:cNvPr id="23" name="直線矢印コネクタ 22"/>
-          <p:cNvCxnSpPr/>
-          <p:nvPr/>
-        </p:nvCxnSpPr>
-        <p:spPr>
-          <a:xfrm flipV="1">
-            <a:off x="4572000" y="1984352"/>
-            <a:ext cx="0" cy="1440160"/>
-          </a:xfrm>
-          <a:prstGeom prst="straightConnector1">
-            <a:avLst/>
-          </a:prstGeom>
-          <a:ln w="12700">
-            <a:solidFill>
-              <a:schemeClr val="tx1"/>
-            </a:solidFill>
-            <a:tailEnd type="triangle"/>
-          </a:ln>
-        </p:spPr>
-        <p:style>
-          <a:lnRef idx="1">
-            <a:schemeClr val="accent1"/>
-          </a:lnRef>
-          <a:fillRef idx="0">
-            <a:schemeClr val="accent1"/>
-          </a:fillRef>
-          <a:effectRef idx="0">
-            <a:schemeClr val="accent1"/>
-          </a:effectRef>
-          <a:fontRef idx="minor">
-            <a:schemeClr val="tx1"/>
-          </a:fontRef>
-        </p:style>
-      </p:cxnSp>
-      <p:sp>
-        <p:nvSpPr>
-          <p:cNvPr id="25" name="右矢印 24"/>
-          <p:cNvSpPr/>
-          <p:nvPr/>
-        </p:nvSpPr>
-        <p:spPr>
-          <a:xfrm rot="5400000">
-            <a:off x="2211297" y="3552352"/>
-            <a:ext cx="432048" cy="432048"/>
-          </a:xfrm>
-          <a:prstGeom prst="rightArrow">
-            <a:avLst/>
-          </a:prstGeom>
-          <a:solidFill>
-            <a:srgbClr val="FF0000"/>
-          </a:solidFill>
-          <a:ln>
-            <a:solidFill>
-              <a:schemeClr val="tx1"/>
-            </a:solidFill>
-          </a:ln>
-        </p:spPr>
-        <p:style>
-          <a:lnRef idx="2">
-            <a:schemeClr val="accent1">
-              <a:shade val="50000"/>
-            </a:schemeClr>
-          </a:lnRef>
-          <a:fillRef idx="1">
-            <a:schemeClr val="accent1"/>
-          </a:fillRef>
-          <a:effectRef idx="0">
-            <a:schemeClr val="accent1"/>
-          </a:effectRef>
-          <a:fontRef idx="minor">
-            <a:schemeClr val="lt1"/>
-          </a:fontRef>
-        </p:style>
-        <p:txBody>
-          <a:bodyPr rtlCol="0" anchor="ctr"/>
-          <a:lstStyle/>
-          <a:p>
-            <a:pPr algn="ctr"/>
-            <a:endParaRPr kumimoji="1" lang="ja-JP" altLang="en-US"/>
-          </a:p>
-        </p:txBody>
-      </p:sp>
-      <p:grpSp>
-        <p:nvGrpSpPr>
-          <p:cNvPr id="38" name="グループ化 37"/>
-          <p:cNvGrpSpPr/>
-          <p:nvPr/>
-        </p:nvGrpSpPr>
-        <p:grpSpPr>
-          <a:xfrm>
-            <a:off x="3797320" y="4293096"/>
-            <a:ext cx="720080" cy="1440160"/>
-            <a:chOff x="5436096" y="3501008"/>
-            <a:chExt cx="720080" cy="1440160"/>
-          </a:xfrm>
-        </p:grpSpPr>
-        <p:cxnSp>
-          <p:nvCxnSpPr>
-            <p:cNvPr id="27" name="直線矢印コネクタ 26"/>
-            <p:cNvCxnSpPr/>
-            <p:nvPr/>
-          </p:nvCxnSpPr>
-          <p:spPr>
-            <a:xfrm flipH="1" flipV="1">
-              <a:off x="5436096" y="4221088"/>
-              <a:ext cx="720080" cy="720080"/>
-            </a:xfrm>
-            <a:prstGeom prst="straightConnector1">
-              <a:avLst/>
-            </a:prstGeom>
-            <a:ln w="12700">
-              <a:solidFill>
-                <a:schemeClr val="tx1"/>
-              </a:solidFill>
-              <a:tailEnd type="triangle"/>
-            </a:ln>
-          </p:spPr>
-          <p:style>
-            <a:lnRef idx="1">
-              <a:schemeClr val="accent1"/>
-            </a:lnRef>
-            <a:fillRef idx="0">
-              <a:schemeClr val="accent1"/>
-            </a:fillRef>
-            <a:effectRef idx="0">
-              <a:schemeClr val="accent1"/>
-            </a:effectRef>
-            <a:fontRef idx="minor">
-              <a:schemeClr val="tx1"/>
-            </a:fontRef>
-          </p:style>
-        </p:cxnSp>
-        <p:cxnSp>
-          <p:nvCxnSpPr>
-            <p:cNvPr id="29" name="直線矢印コネクタ 28"/>
-            <p:cNvCxnSpPr/>
-            <p:nvPr/>
-          </p:nvCxnSpPr>
-          <p:spPr>
-            <a:xfrm flipV="1">
-              <a:off x="5436096" y="3501008"/>
-              <a:ext cx="720080" cy="720080"/>
-            </a:xfrm>
-            <a:prstGeom prst="straightConnector1">
-              <a:avLst/>
-            </a:prstGeom>
-            <a:ln w="12700">
-              <a:solidFill>
-                <a:schemeClr val="tx1"/>
-              </a:solidFill>
-              <a:tailEnd type="triangle"/>
-            </a:ln>
-          </p:spPr>
-          <p:style>
-            <a:lnRef idx="1">
-              <a:schemeClr val="accent1"/>
-            </a:lnRef>
-            <a:fillRef idx="0">
-              <a:schemeClr val="accent1"/>
-            </a:fillRef>
-            <a:effectRef idx="0">
-              <a:schemeClr val="accent1"/>
-            </a:effectRef>
-            <a:fontRef idx="minor">
-              <a:schemeClr val="tx1"/>
-            </a:fontRef>
-          </p:style>
-        </p:cxnSp>
-      </p:grpSp>
-      <p:cxnSp>
-        <p:nvCxnSpPr>
-          <p:cNvPr id="31" name="直線矢印コネクタ 30"/>
-          <p:cNvCxnSpPr/>
-          <p:nvPr/>
-        </p:nvCxnSpPr>
-        <p:spPr>
-          <a:xfrm flipV="1">
-            <a:off x="5994926" y="1991312"/>
-            <a:ext cx="1409038" cy="1440160"/>
-          </a:xfrm>
-          <a:prstGeom prst="straightConnector1">
-            <a:avLst/>
-          </a:prstGeom>
-          <a:ln w="12700">
-            <a:solidFill>
-              <a:schemeClr val="tx1"/>
-            </a:solidFill>
-            <a:tailEnd type="triangle"/>
-          </a:ln>
-        </p:spPr>
-        <p:style>
-          <a:lnRef idx="1">
-            <a:schemeClr val="accent1"/>
-          </a:lnRef>
-          <a:fillRef idx="0">
-            <a:schemeClr val="accent1"/>
-          </a:fillRef>
-          <a:effectRef idx="0">
-            <a:schemeClr val="accent1"/>
-          </a:effectRef>
-          <a:fontRef idx="minor">
-            <a:schemeClr val="tx1"/>
-          </a:fontRef>
-        </p:style>
-      </p:cxnSp>
-      <p:grpSp>
-        <p:nvGrpSpPr>
-          <p:cNvPr id="39" name="グループ化 38"/>
-          <p:cNvGrpSpPr/>
-          <p:nvPr/>
-        </p:nvGrpSpPr>
-        <p:grpSpPr>
-          <a:xfrm>
-            <a:off x="5940152" y="4308718"/>
-            <a:ext cx="1435889" cy="1447800"/>
-            <a:chOff x="4576271" y="4861520"/>
-            <a:chExt cx="1435889" cy="1447800"/>
-          </a:xfrm>
-        </p:grpSpPr>
-        <p:cxnSp>
-          <p:nvCxnSpPr>
-            <p:cNvPr id="33" name="直線矢印コネクタ 32"/>
-            <p:cNvCxnSpPr/>
-            <p:nvPr/>
-          </p:nvCxnSpPr>
-          <p:spPr>
-            <a:xfrm flipV="1">
-              <a:off x="4576271" y="4869160"/>
-              <a:ext cx="0" cy="1440160"/>
-            </a:xfrm>
-            <a:prstGeom prst="straightConnector1">
-              <a:avLst/>
-            </a:prstGeom>
-            <a:ln w="12700">
-              <a:solidFill>
-                <a:schemeClr val="tx1"/>
-              </a:solidFill>
-              <a:tailEnd type="triangle"/>
-            </a:ln>
-          </p:spPr>
-          <p:style>
-            <a:lnRef idx="1">
-              <a:schemeClr val="accent1"/>
-            </a:lnRef>
-            <a:fillRef idx="0">
-              <a:schemeClr val="accent1"/>
-            </a:fillRef>
-            <a:effectRef idx="0">
-              <a:schemeClr val="accent1"/>
-            </a:effectRef>
-            <a:fontRef idx="minor">
-              <a:schemeClr val="tx1"/>
-            </a:fontRef>
-          </p:style>
-        </p:cxnSp>
-        <p:cxnSp>
-          <p:nvCxnSpPr>
-            <p:cNvPr id="35" name="直線矢印コネクタ 34"/>
-            <p:cNvCxnSpPr/>
-            <p:nvPr/>
-          </p:nvCxnSpPr>
-          <p:spPr>
-            <a:xfrm>
-              <a:off x="4576271" y="4861520"/>
-              <a:ext cx="1435889" cy="0"/>
-            </a:xfrm>
-            <a:prstGeom prst="straightConnector1">
-              <a:avLst/>
-            </a:prstGeom>
-            <a:ln w="12700">
-              <a:solidFill>
-                <a:schemeClr val="tx1"/>
-              </a:solidFill>
-              <a:tailEnd type="triangle"/>
-            </a:ln>
-          </p:spPr>
-          <p:style>
-            <a:lnRef idx="1">
-              <a:schemeClr val="accent1"/>
-            </a:lnRef>
-            <a:fillRef idx="0">
-              <a:schemeClr val="accent1"/>
-            </a:fillRef>
-            <a:effectRef idx="0">
-              <a:schemeClr val="accent1"/>
-            </a:effectRef>
-            <a:fontRef idx="minor">
-              <a:schemeClr val="tx1"/>
-            </a:fontRef>
-          </p:style>
-        </p:cxnSp>
-      </p:grpSp>
-      <p:cxnSp>
-        <p:nvCxnSpPr>
-          <p:cNvPr id="40" name="直線矢印コネクタ 39"/>
-          <p:cNvCxnSpPr/>
-          <p:nvPr/>
-        </p:nvCxnSpPr>
-        <p:spPr>
-          <a:xfrm>
-            <a:off x="1652467" y="5095862"/>
-            <a:ext cx="1409038" cy="0"/>
-          </a:xfrm>
-          <a:prstGeom prst="straightConnector1">
-            <a:avLst/>
-          </a:prstGeom>
-          <a:ln w="12700">
-            <a:solidFill>
-              <a:schemeClr val="bg1">
-                <a:lumMod val="65000"/>
-              </a:schemeClr>
-            </a:solidFill>
-            <a:prstDash val="sysDash"/>
-            <a:tailEnd type="triangle"/>
-          </a:ln>
-        </p:spPr>
-        <p:style>
-          <a:lnRef idx="1">
-            <a:schemeClr val="accent1"/>
-          </a:lnRef>
-          <a:fillRef idx="0">
-            <a:schemeClr val="accent1"/>
-          </a:fillRef>
-          <a:effectRef idx="0">
-            <a:schemeClr val="accent1"/>
-          </a:effectRef>
-          <a:fontRef idx="minor">
-            <a:schemeClr val="tx1"/>
-          </a:fontRef>
-        </p:style>
-      </p:cxnSp>
-      <p:cxnSp>
-        <p:nvCxnSpPr>
-          <p:cNvPr id="41" name="直線矢印コネクタ 40"/>
-          <p:cNvCxnSpPr/>
-          <p:nvPr/>
-        </p:nvCxnSpPr>
-        <p:spPr>
-          <a:xfrm flipV="1">
-            <a:off x="4589234" y="4293096"/>
-            <a:ext cx="0" cy="1463422"/>
-          </a:xfrm>
-          <a:prstGeom prst="straightConnector1">
-            <a:avLst/>
-          </a:prstGeom>
-          <a:ln w="12700">
-            <a:solidFill>
-              <a:schemeClr val="bg1">
-                <a:lumMod val="65000"/>
-              </a:schemeClr>
-            </a:solidFill>
-            <a:prstDash val="sysDash"/>
-            <a:tailEnd type="triangle"/>
-          </a:ln>
-        </p:spPr>
-        <p:style>
-          <a:lnRef idx="1">
-            <a:schemeClr val="accent1"/>
-          </a:lnRef>
-          <a:fillRef idx="0">
-            <a:schemeClr val="accent1"/>
-          </a:fillRef>
-          <a:effectRef idx="0">
-            <a:schemeClr val="accent1"/>
-          </a:effectRef>
-          <a:fontRef idx="minor">
-            <a:schemeClr val="tx1"/>
-          </a:fontRef>
-        </p:style>
-      </p:cxnSp>
-      <p:cxnSp>
-        <p:nvCxnSpPr>
-          <p:cNvPr id="43" name="直線矢印コネクタ 42"/>
-          <p:cNvCxnSpPr/>
-          <p:nvPr/>
-        </p:nvCxnSpPr>
-        <p:spPr>
-          <a:xfrm flipV="1">
-            <a:off x="5971274" y="4365686"/>
-            <a:ext cx="1409038" cy="1450256"/>
-          </a:xfrm>
-          <a:prstGeom prst="straightConnector1">
-            <a:avLst/>
-          </a:prstGeom>
-          <a:ln w="12700">
-            <a:solidFill>
-              <a:schemeClr val="bg1">
-                <a:lumMod val="65000"/>
-              </a:schemeClr>
-            </a:solidFill>
-            <a:prstDash val="sysDash"/>
-            <a:tailEnd type="triangle"/>
-          </a:ln>
-        </p:spPr>
-        <p:style>
-          <a:lnRef idx="1">
-            <a:schemeClr val="accent1"/>
-          </a:lnRef>
-          <a:fillRef idx="0">
-            <a:schemeClr val="accent1"/>
-          </a:fillRef>
-          <a:effectRef idx="0">
-            <a:schemeClr val="accent1"/>
-          </a:effectRef>
-          <a:fontRef idx="minor">
-            <a:schemeClr val="tx1"/>
-          </a:fontRef>
-        </p:style>
-      </p:cxnSp>
-      <p:sp>
-        <p:nvSpPr>
-          <p:cNvPr id="46" name="右矢印 45"/>
-          <p:cNvSpPr/>
-          <p:nvPr/>
-        </p:nvSpPr>
-        <p:spPr>
-          <a:xfrm rot="5400000">
-            <a:off x="4355976" y="3552352"/>
-            <a:ext cx="432048" cy="432048"/>
-          </a:xfrm>
-          <a:prstGeom prst="rightArrow">
-            <a:avLst/>
-          </a:prstGeom>
-          <a:solidFill>
-            <a:srgbClr val="FF0000"/>
-          </a:solidFill>
-          <a:ln>
-            <a:solidFill>
-              <a:schemeClr val="tx1"/>
-            </a:solidFill>
-          </a:ln>
-        </p:spPr>
-        <p:style>
-          <a:lnRef idx="2">
-            <a:schemeClr val="accent1">
-              <a:shade val="50000"/>
-            </a:schemeClr>
-          </a:lnRef>
-          <a:fillRef idx="1">
-            <a:schemeClr val="accent1"/>
-          </a:fillRef>
-          <a:effectRef idx="0">
-            <a:schemeClr val="accent1"/>
-          </a:effectRef>
-          <a:fontRef idx="minor">
-            <a:schemeClr val="lt1"/>
-          </a:fontRef>
-        </p:style>
-        <p:txBody>
-          <a:bodyPr rtlCol="0" anchor="ctr"/>
-          <a:lstStyle/>
-          <a:p>
-            <a:pPr algn="ctr"/>
-            <a:endParaRPr kumimoji="1" lang="ja-JP" altLang="en-US"/>
-          </a:p>
-        </p:txBody>
-      </p:sp>
-      <p:sp>
-        <p:nvSpPr>
-          <p:cNvPr id="47" name="右矢印 46"/>
-          <p:cNvSpPr/>
-          <p:nvPr/>
-        </p:nvSpPr>
-        <p:spPr>
-          <a:xfrm rot="5400000">
-            <a:off x="6483421" y="3543156"/>
-            <a:ext cx="432048" cy="432048"/>
-          </a:xfrm>
-          <a:prstGeom prst="rightArrow">
-            <a:avLst/>
-          </a:prstGeom>
-          <a:solidFill>
-            <a:srgbClr val="FF0000"/>
-          </a:solidFill>
-          <a:ln>
-            <a:solidFill>
-              <a:schemeClr val="tx1"/>
-            </a:solidFill>
-          </a:ln>
-        </p:spPr>
-        <p:style>
-          <a:lnRef idx="2">
-            <a:schemeClr val="accent1">
-              <a:shade val="50000"/>
-            </a:schemeClr>
-          </a:lnRef>
-          <a:fillRef idx="1">
-            <a:schemeClr val="accent1"/>
-          </a:fillRef>
-          <a:effectRef idx="0">
-            <a:schemeClr val="accent1"/>
-          </a:effectRef>
-          <a:fontRef idx="minor">
-            <a:schemeClr val="lt1"/>
-          </a:fontRef>
-        </p:style>
-        <p:txBody>
-          <a:bodyPr rtlCol="0" anchor="ctr"/>
-          <a:lstStyle/>
-          <a:p>
-            <a:pPr algn="ctr"/>
-            <a:endParaRPr kumimoji="1" lang="ja-JP" altLang="en-US"/>
-          </a:p>
-        </p:txBody>
-      </p:sp>
-    </p:spTree>
-    <p:extLst>
-      <p:ext uri="{BB962C8B-B14F-4D97-AF65-F5344CB8AC3E}">
-        <p14:creationId xmlns:p14="http://schemas.microsoft.com/office/powerpoint/2010/main" val="965351112"/>
       </p:ext>
     </p:extLst>
   </p:cSld>

--- a/list/fig/fig.pptx
+++ b/list/fig/fig.pptx
@@ -18859,7 +18859,7 @@
             </a:r>
             <a:r>
               <a:rPr lang="ja-JP" altLang="en-US" sz="1600"/>
-              <a:t>を通じてリストを修正する</a:t>
+              <a:t>に新たなリストを代入する</a:t>
             </a:r>
             <a:endParaRPr lang="en-US" altLang="ja-JP" sz="1600"/>
           </a:p>

--- a/list/fig/fig.pptx
+++ b/list/fig/fig.pptx
@@ -16,6 +16,7 @@
     <p:sldId id="256" r:id="rId10"/>
     <p:sldId id="257" r:id="rId11"/>
     <p:sldId id="258" r:id="rId12"/>
+    <p:sldId id="273" r:id="rId13"/>
   </p:sldIdLst>
   <p:sldSz cx="9144000" cy="6858000" type="screen4x3"/>
   <p:notesSz cx="6858000" cy="9144000"/>
@@ -4606,6 +4607,339 @@
 </p:sld>
 </file>
 
+<file path=ppt/slides/slide12.xml><?xml version="1.0" encoding="utf-8"?>
+<p:sld xmlns:a="http://schemas.openxmlformats.org/drawingml/2006/main" xmlns:r="http://schemas.openxmlformats.org/officeDocument/2006/relationships" xmlns:p="http://schemas.openxmlformats.org/presentationml/2006/main">
+  <p:cSld>
+    <p:spTree>
+      <p:nvGrpSpPr>
+        <p:cNvPr id="1" name=""/>
+        <p:cNvGrpSpPr/>
+        <p:nvPr/>
+      </p:nvGrpSpPr>
+      <p:grpSpPr>
+        <a:xfrm>
+          <a:off x="0" y="0"/>
+          <a:ext cx="0" cy="0"/>
+          <a:chOff x="0" y="0"/>
+          <a:chExt cx="0" cy="0"/>
+        </a:xfrm>
+      </p:grpSpPr>
+      <p:pic>
+        <p:nvPicPr>
+          <p:cNvPr id="2" name="図 1">
+            <a:extLst>
+              <a:ext uri="{FF2B5EF4-FFF2-40B4-BE49-F238E27FC236}">
+                <a16:creationId xmlns:a16="http://schemas.microsoft.com/office/drawing/2014/main" id="{8A1278CA-75B4-F243-8B87-D9703C0CE921}"/>
+              </a:ext>
+            </a:extLst>
+          </p:cNvPr>
+          <p:cNvPicPr>
+            <a:picLocks noChangeAspect="1"/>
+          </p:cNvPicPr>
+          <p:nvPr/>
+        </p:nvPicPr>
+        <p:blipFill>
+          <a:blip r:embed="rId2"/>
+          <a:stretch>
+            <a:fillRect/>
+          </a:stretch>
+        </p:blipFill>
+        <p:spPr>
+          <a:xfrm>
+            <a:off x="3635896" y="1340768"/>
+            <a:ext cx="1939652" cy="1939652"/>
+          </a:xfrm>
+          <a:prstGeom prst="rect">
+            <a:avLst/>
+          </a:prstGeom>
+        </p:spPr>
+      </p:pic>
+      <p:pic>
+        <p:nvPicPr>
+          <p:cNvPr id="3" name="図 2">
+            <a:extLst>
+              <a:ext uri="{FF2B5EF4-FFF2-40B4-BE49-F238E27FC236}">
+                <a16:creationId xmlns:a16="http://schemas.microsoft.com/office/drawing/2014/main" id="{77146083-9676-8D40-A6BF-183546A8E02C}"/>
+              </a:ext>
+            </a:extLst>
+          </p:cNvPr>
+          <p:cNvPicPr>
+            <a:picLocks noChangeAspect="1"/>
+          </p:cNvPicPr>
+          <p:nvPr/>
+        </p:nvPicPr>
+        <p:blipFill>
+          <a:blip r:embed="rId3"/>
+          <a:stretch>
+            <a:fillRect/>
+          </a:stretch>
+        </p:blipFill>
+        <p:spPr>
+          <a:xfrm>
+            <a:off x="899592" y="1412776"/>
+            <a:ext cx="1723628" cy="1723628"/>
+          </a:xfrm>
+          <a:prstGeom prst="rect">
+            <a:avLst/>
+          </a:prstGeom>
+        </p:spPr>
+      </p:pic>
+      <p:sp>
+        <p:nvSpPr>
+          <p:cNvPr id="4" name="テキスト ボックス 3">
+            <a:extLst>
+              <a:ext uri="{FF2B5EF4-FFF2-40B4-BE49-F238E27FC236}">
+                <a16:creationId xmlns:a16="http://schemas.microsoft.com/office/drawing/2014/main" id="{B899F5E9-3061-2F4B-8F1B-726D26CB1CEF}"/>
+              </a:ext>
+            </a:extLst>
+          </p:cNvPr>
+          <p:cNvSpPr txBox="1"/>
+          <p:nvPr/>
+        </p:nvSpPr>
+        <p:spPr>
+          <a:xfrm>
+            <a:off x="1043608" y="692696"/>
+            <a:ext cx="1800493" cy="369332"/>
+          </a:xfrm>
+          <a:prstGeom prst="rect">
+            <a:avLst/>
+          </a:prstGeom>
+          <a:noFill/>
+        </p:spPr>
+        <p:txBody>
+          <a:bodyPr wrap="none" rtlCol="0">
+            <a:spAutoFit/>
+          </a:bodyPr>
+          <a:lstStyle/>
+          <a:p>
+            <a:r>
+              <a:rPr kumimoji="1" lang="ja-JP" altLang="en-US"/>
+              <a:t>大量のレポート</a:t>
+            </a:r>
+          </a:p>
+        </p:txBody>
+      </p:sp>
+      <p:sp>
+        <p:nvSpPr>
+          <p:cNvPr id="5" name="テキスト ボックス 4">
+            <a:extLst>
+              <a:ext uri="{FF2B5EF4-FFF2-40B4-BE49-F238E27FC236}">
+                <a16:creationId xmlns:a16="http://schemas.microsoft.com/office/drawing/2014/main" id="{FBFACF34-DB67-464A-9A63-480A608256DC}"/>
+              </a:ext>
+            </a:extLst>
+          </p:cNvPr>
+          <p:cNvSpPr txBox="1"/>
+          <p:nvPr/>
+        </p:nvSpPr>
+        <p:spPr>
+          <a:xfrm>
+            <a:off x="4355976" y="692696"/>
+            <a:ext cx="646331" cy="369332"/>
+          </a:xfrm>
+          <a:prstGeom prst="rect">
+            <a:avLst/>
+          </a:prstGeom>
+          <a:noFill/>
+        </p:spPr>
+        <p:txBody>
+          <a:bodyPr wrap="none" rtlCol="0">
+            <a:spAutoFit/>
+          </a:bodyPr>
+          <a:lstStyle/>
+          <a:p>
+            <a:r>
+              <a:rPr kumimoji="1" lang="ja-JP" altLang="en-US"/>
+              <a:t>採点</a:t>
+            </a:r>
+          </a:p>
+        </p:txBody>
+      </p:sp>
+      <p:pic>
+        <p:nvPicPr>
+          <p:cNvPr id="8" name="図 7">
+            <a:extLst>
+              <a:ext uri="{FF2B5EF4-FFF2-40B4-BE49-F238E27FC236}">
+                <a16:creationId xmlns:a16="http://schemas.microsoft.com/office/drawing/2014/main" id="{0379C76E-3000-B14A-BD5B-DB9059413165}"/>
+              </a:ext>
+            </a:extLst>
+          </p:cNvPr>
+          <p:cNvPicPr>
+            <a:picLocks noChangeAspect="1"/>
+          </p:cNvPicPr>
+          <p:nvPr/>
+        </p:nvPicPr>
+        <p:blipFill>
+          <a:blip r:embed="rId4"/>
+          <a:stretch>
+            <a:fillRect/>
+          </a:stretch>
+        </p:blipFill>
+        <p:spPr>
+          <a:xfrm>
+            <a:off x="6588224" y="1484784"/>
+            <a:ext cx="1656184" cy="1656184"/>
+          </a:xfrm>
+          <a:prstGeom prst="rect">
+            <a:avLst/>
+          </a:prstGeom>
+        </p:spPr>
+      </p:pic>
+      <p:sp>
+        <p:nvSpPr>
+          <p:cNvPr id="9" name="テキスト ボックス 8">
+            <a:extLst>
+              <a:ext uri="{FF2B5EF4-FFF2-40B4-BE49-F238E27FC236}">
+                <a16:creationId xmlns:a16="http://schemas.microsoft.com/office/drawing/2014/main" id="{CFE95BB1-5FE8-0A49-B01C-74A3DEFC9DB9}"/>
+              </a:ext>
+            </a:extLst>
+          </p:cNvPr>
+          <p:cNvSpPr txBox="1"/>
+          <p:nvPr/>
+        </p:nvSpPr>
+        <p:spPr>
+          <a:xfrm>
+            <a:off x="6876256" y="692696"/>
+            <a:ext cx="1107996" cy="369332"/>
+          </a:xfrm>
+          <a:prstGeom prst="rect">
+            <a:avLst/>
+          </a:prstGeom>
+          <a:noFill/>
+        </p:spPr>
+        <p:txBody>
+          <a:bodyPr wrap="none" rtlCol="0">
+            <a:spAutoFit/>
+          </a:bodyPr>
+          <a:lstStyle/>
+          <a:p>
+            <a:r>
+              <a:rPr kumimoji="1" lang="ja-JP" altLang="en-US"/>
+              <a:t>採点結果</a:t>
+            </a:r>
+          </a:p>
+        </p:txBody>
+      </p:sp>
+      <p:sp>
+        <p:nvSpPr>
+          <p:cNvPr id="10" name="右矢印 9">
+            <a:extLst>
+              <a:ext uri="{FF2B5EF4-FFF2-40B4-BE49-F238E27FC236}">
+                <a16:creationId xmlns:a16="http://schemas.microsoft.com/office/drawing/2014/main" id="{FD1AC8E9-354B-5744-988B-1E7A557E8789}"/>
+              </a:ext>
+            </a:extLst>
+          </p:cNvPr>
+          <p:cNvSpPr/>
+          <p:nvPr/>
+        </p:nvSpPr>
+        <p:spPr>
+          <a:xfrm>
+            <a:off x="2771800" y="1988840"/>
+            <a:ext cx="576064" cy="504056"/>
+          </a:xfrm>
+          <a:prstGeom prst="rightArrow">
+            <a:avLst/>
+          </a:prstGeom>
+          <a:solidFill>
+            <a:srgbClr val="FF0000"/>
+          </a:solidFill>
+          <a:ln>
+            <a:solidFill>
+              <a:schemeClr val="tx1"/>
+            </a:solidFill>
+          </a:ln>
+        </p:spPr>
+        <p:style>
+          <a:lnRef idx="2">
+            <a:schemeClr val="accent1">
+              <a:shade val="50000"/>
+            </a:schemeClr>
+          </a:lnRef>
+          <a:fillRef idx="1">
+            <a:schemeClr val="accent1"/>
+          </a:fillRef>
+          <a:effectRef idx="0">
+            <a:schemeClr val="accent1"/>
+          </a:effectRef>
+          <a:fontRef idx="minor">
+            <a:schemeClr val="lt1"/>
+          </a:fontRef>
+        </p:style>
+        <p:txBody>
+          <a:bodyPr rtlCol="0" anchor="ctr"/>
+          <a:lstStyle/>
+          <a:p>
+            <a:pPr algn="ctr"/>
+            <a:endParaRPr kumimoji="1" lang="ja-JP" altLang="en-US"/>
+          </a:p>
+        </p:txBody>
+      </p:sp>
+      <p:sp>
+        <p:nvSpPr>
+          <p:cNvPr id="11" name="右矢印 10">
+            <a:extLst>
+              <a:ext uri="{FF2B5EF4-FFF2-40B4-BE49-F238E27FC236}">
+                <a16:creationId xmlns:a16="http://schemas.microsoft.com/office/drawing/2014/main" id="{A6BD00C5-B41B-E54A-A3FC-2081A6457554}"/>
+              </a:ext>
+            </a:extLst>
+          </p:cNvPr>
+          <p:cNvSpPr/>
+          <p:nvPr/>
+        </p:nvSpPr>
+        <p:spPr>
+          <a:xfrm>
+            <a:off x="5868144" y="1988840"/>
+            <a:ext cx="576064" cy="504056"/>
+          </a:xfrm>
+          <a:prstGeom prst="rightArrow">
+            <a:avLst/>
+          </a:prstGeom>
+          <a:solidFill>
+            <a:srgbClr val="FF0000"/>
+          </a:solidFill>
+          <a:ln>
+            <a:solidFill>
+              <a:schemeClr val="tx1"/>
+            </a:solidFill>
+          </a:ln>
+        </p:spPr>
+        <p:style>
+          <a:lnRef idx="2">
+            <a:schemeClr val="accent1">
+              <a:shade val="50000"/>
+            </a:schemeClr>
+          </a:lnRef>
+          <a:fillRef idx="1">
+            <a:schemeClr val="accent1"/>
+          </a:fillRef>
+          <a:effectRef idx="0">
+            <a:schemeClr val="accent1"/>
+          </a:effectRef>
+          <a:fontRef idx="minor">
+            <a:schemeClr val="lt1"/>
+          </a:fontRef>
+        </p:style>
+        <p:txBody>
+          <a:bodyPr rtlCol="0" anchor="ctr"/>
+          <a:lstStyle/>
+          <a:p>
+            <a:pPr algn="ctr"/>
+            <a:endParaRPr kumimoji="1" lang="ja-JP" altLang="en-US"/>
+          </a:p>
+        </p:txBody>
+      </p:sp>
+    </p:spTree>
+    <p:extLst>
+      <p:ext uri="{BB962C8B-B14F-4D97-AF65-F5344CB8AC3E}">
+        <p14:creationId xmlns:p14="http://schemas.microsoft.com/office/powerpoint/2010/main" val="2156377339"/>
+      </p:ext>
+    </p:extLst>
+  </p:cSld>
+  <p:clrMapOvr>
+    <a:masterClrMapping/>
+  </p:clrMapOvr>
+</p:sld>
+</file>
+
 <file path=ppt/slides/slide2.xml><?xml version="1.0" encoding="utf-8"?>
 <p:sld xmlns:a="http://schemas.openxmlformats.org/drawingml/2006/main" xmlns:r="http://schemas.openxmlformats.org/officeDocument/2006/relationships" xmlns:p="http://schemas.openxmlformats.org/presentationml/2006/main">
   <p:cSld>

--- a/list/fig/fig.pptx
+++ b/list/fig/fig.pptx
@@ -17,6 +17,7 @@
     <p:sldId id="257" r:id="rId11"/>
     <p:sldId id="258" r:id="rId12"/>
     <p:sldId id="273" r:id="rId13"/>
+    <p:sldId id="274" r:id="rId14"/>
   </p:sldIdLst>
   <p:sldSz cx="9144000" cy="6858000" type="screen4x3"/>
   <p:notesSz cx="6858000" cy="9144000"/>
@@ -4940,6 +4941,529 @@
 </p:sld>
 </file>
 
+<file path=ppt/slides/slide13.xml><?xml version="1.0" encoding="utf-8"?>
+<p:sld xmlns:a="http://schemas.openxmlformats.org/drawingml/2006/main" xmlns:r="http://schemas.openxmlformats.org/officeDocument/2006/relationships" xmlns:p="http://schemas.openxmlformats.org/presentationml/2006/main">
+  <p:cSld>
+    <p:spTree>
+      <p:nvGrpSpPr>
+        <p:cNvPr id="1" name=""/>
+        <p:cNvGrpSpPr/>
+        <p:nvPr/>
+      </p:nvGrpSpPr>
+      <p:grpSpPr>
+        <a:xfrm>
+          <a:off x="0" y="0"/>
+          <a:ext cx="0" cy="0"/>
+          <a:chOff x="0" y="0"/>
+          <a:chExt cx="0" cy="0"/>
+        </a:xfrm>
+      </p:grpSpPr>
+      <p:sp>
+        <p:nvSpPr>
+          <p:cNvPr id="2" name="テキスト ボックス 1">
+            <a:extLst>
+              <a:ext uri="{FF2B5EF4-FFF2-40B4-BE49-F238E27FC236}">
+                <a16:creationId xmlns:a16="http://schemas.microsoft.com/office/drawing/2014/main" id="{128F3742-E7F3-ED48-AA99-1B844DA2ACC8}"/>
+              </a:ext>
+            </a:extLst>
+          </p:cNvPr>
+          <p:cNvSpPr txBox="1"/>
+          <p:nvPr/>
+        </p:nvSpPr>
+        <p:spPr>
+          <a:xfrm>
+            <a:off x="2915816" y="188640"/>
+            <a:ext cx="3057247" cy="523220"/>
+          </a:xfrm>
+          <a:prstGeom prst="rect">
+            <a:avLst/>
+          </a:prstGeom>
+          <a:noFill/>
+        </p:spPr>
+        <p:txBody>
+          <a:bodyPr wrap="none" rtlCol="0">
+            <a:spAutoFit/>
+          </a:bodyPr>
+          <a:lstStyle/>
+          <a:p>
+            <a:r>
+              <a:rPr lang="ja-JP" altLang="en-US" sz="2800"/>
+              <a:t>リスト内包表記法</a:t>
+            </a:r>
+            <a:endParaRPr kumimoji="1" lang="ja-JP" altLang="en-US" sz="2800"/>
+          </a:p>
+        </p:txBody>
+      </p:sp>
+      <p:sp>
+        <p:nvSpPr>
+          <p:cNvPr id="3" name="正方形/長方形 2">
+            <a:extLst>
+              <a:ext uri="{FF2B5EF4-FFF2-40B4-BE49-F238E27FC236}">
+                <a16:creationId xmlns:a16="http://schemas.microsoft.com/office/drawing/2014/main" id="{154AEA60-BBCD-B842-9956-2417D02D838B}"/>
+              </a:ext>
+            </a:extLst>
+          </p:cNvPr>
+          <p:cNvSpPr/>
+          <p:nvPr/>
+        </p:nvSpPr>
+        <p:spPr>
+          <a:xfrm>
+            <a:off x="611560" y="908720"/>
+            <a:ext cx="7488832" cy="400110"/>
+          </a:xfrm>
+          <a:prstGeom prst="rect">
+            <a:avLst/>
+          </a:prstGeom>
+          <a:ln>
+            <a:noFill/>
+          </a:ln>
+        </p:spPr>
+        <p:txBody>
+          <a:bodyPr wrap="square">
+            <a:spAutoFit/>
+          </a:bodyPr>
+          <a:lstStyle/>
+          <a:p>
+            <a:r>
+              <a:rPr lang="ja-JP" altLang="en-US" sz="2000">
+                <a:solidFill>
+                  <a:srgbClr val="FF0000"/>
+                </a:solidFill>
+                <a:latin typeface="Menlo" panose="020B0609030804020204" pitchFamily="49" charset="0"/>
+                <a:cs typeface="Menlo" panose="020B0609030804020204" pitchFamily="49" charset="0"/>
+              </a:rPr>
+              <a:t>[</a:t>
+            </a:r>
+            <a:r>
+              <a:rPr lang="ja-JP" altLang="en-US" sz="2000">
+                <a:latin typeface="Menlo" panose="020B0609030804020204" pitchFamily="49" charset="0"/>
+                <a:cs typeface="Menlo" panose="020B0609030804020204" pitchFamily="49" charset="0"/>
+              </a:rPr>
+              <a:t>新しいリストの要素 </a:t>
+            </a:r>
+            <a:r>
+              <a:rPr lang="ja-JP" altLang="en-US" sz="2000">
+                <a:solidFill>
+                  <a:srgbClr val="0070C0"/>
+                </a:solidFill>
+                <a:latin typeface="Menlo" panose="020B0609030804020204" pitchFamily="49" charset="0"/>
+                <a:cs typeface="Menlo" panose="020B0609030804020204" pitchFamily="49" charset="0"/>
+              </a:rPr>
+              <a:t>for</a:t>
+            </a:r>
+            <a:r>
+              <a:rPr lang="ja-JP" altLang="en-US" sz="2000">
+                <a:latin typeface="Menlo" panose="020B0609030804020204" pitchFamily="49" charset="0"/>
+                <a:cs typeface="Menlo" panose="020B0609030804020204" pitchFamily="49" charset="0"/>
+              </a:rPr>
+              <a:t> 元のリストの要素 </a:t>
+            </a:r>
+            <a:r>
+              <a:rPr lang="ja-JP" altLang="en-US" sz="2000">
+                <a:solidFill>
+                  <a:srgbClr val="0070C0"/>
+                </a:solidFill>
+                <a:latin typeface="Menlo" panose="020B0609030804020204" pitchFamily="49" charset="0"/>
+                <a:cs typeface="Menlo" panose="020B0609030804020204" pitchFamily="49" charset="0"/>
+              </a:rPr>
+              <a:t>in</a:t>
+            </a:r>
+            <a:r>
+              <a:rPr lang="ja-JP" altLang="en-US" sz="2000">
+                <a:latin typeface="Menlo" panose="020B0609030804020204" pitchFamily="49" charset="0"/>
+                <a:cs typeface="Menlo" panose="020B0609030804020204" pitchFamily="49" charset="0"/>
+              </a:rPr>
+              <a:t> 元のリスト</a:t>
+            </a:r>
+            <a:r>
+              <a:rPr lang="ja-JP" altLang="en-US" sz="2000">
+                <a:solidFill>
+                  <a:srgbClr val="FF0000"/>
+                </a:solidFill>
+                <a:latin typeface="Menlo" panose="020B0609030804020204" pitchFamily="49" charset="0"/>
+                <a:cs typeface="Menlo" panose="020B0609030804020204" pitchFamily="49" charset="0"/>
+              </a:rPr>
+              <a:t>]</a:t>
+            </a:r>
+          </a:p>
+        </p:txBody>
+      </p:sp>
+      <p:sp>
+        <p:nvSpPr>
+          <p:cNvPr id="5" name="テキスト ボックス 4">
+            <a:extLst>
+              <a:ext uri="{FF2B5EF4-FFF2-40B4-BE49-F238E27FC236}">
+                <a16:creationId xmlns:a16="http://schemas.microsoft.com/office/drawing/2014/main" id="{F1387944-6D27-5044-9AAB-D0E4F282F873}"/>
+              </a:ext>
+            </a:extLst>
+          </p:cNvPr>
+          <p:cNvSpPr txBox="1"/>
+          <p:nvPr/>
+        </p:nvSpPr>
+        <p:spPr>
+          <a:xfrm>
+            <a:off x="1547664" y="1556792"/>
+            <a:ext cx="5929828" cy="523220"/>
+          </a:xfrm>
+          <a:prstGeom prst="rect">
+            <a:avLst/>
+          </a:prstGeom>
+          <a:noFill/>
+        </p:spPr>
+        <p:txBody>
+          <a:bodyPr wrap="none" rtlCol="0">
+            <a:spAutoFit/>
+          </a:bodyPr>
+          <a:lstStyle/>
+          <a:p>
+            <a:r>
+              <a:rPr lang="ja-JP" altLang="en-US" sz="2800"/>
+              <a:t>リスト内包表記は「後ろから」読む</a:t>
+            </a:r>
+            <a:endParaRPr kumimoji="1" lang="ja-JP" altLang="en-US" sz="2800"/>
+          </a:p>
+        </p:txBody>
+      </p:sp>
+      <p:sp>
+        <p:nvSpPr>
+          <p:cNvPr id="6" name="正方形/長方形 5">
+            <a:extLst>
+              <a:ext uri="{FF2B5EF4-FFF2-40B4-BE49-F238E27FC236}">
+                <a16:creationId xmlns:a16="http://schemas.microsoft.com/office/drawing/2014/main" id="{A81FEBA2-5CB2-6844-99FB-80CDAEE82EA9}"/>
+              </a:ext>
+            </a:extLst>
+          </p:cNvPr>
+          <p:cNvSpPr/>
+          <p:nvPr/>
+        </p:nvSpPr>
+        <p:spPr>
+          <a:xfrm>
+            <a:off x="1907704" y="2852936"/>
+            <a:ext cx="5112568" cy="523220"/>
+          </a:xfrm>
+          <a:prstGeom prst="rect">
+            <a:avLst/>
+          </a:prstGeom>
+          <a:ln>
+            <a:noFill/>
+          </a:ln>
+        </p:spPr>
+        <p:txBody>
+          <a:bodyPr wrap="square">
+            <a:spAutoFit/>
+          </a:bodyPr>
+          <a:lstStyle/>
+          <a:p>
+            <a:r>
+              <a:rPr lang="ja-JP" altLang="en-US" sz="2800">
+                <a:solidFill>
+                  <a:srgbClr val="FF0000"/>
+                </a:solidFill>
+                <a:latin typeface="Menlo" panose="020B0609030804020204" pitchFamily="49" charset="0"/>
+                <a:cs typeface="Menlo" panose="020B0609030804020204" pitchFamily="49" charset="0"/>
+              </a:rPr>
+              <a:t>[</a:t>
+            </a:r>
+            <a:r>
+              <a:rPr lang="en-US" altLang="ja-JP" sz="2800">
+                <a:latin typeface="Menlo" panose="020B0609030804020204" pitchFamily="49" charset="0"/>
+                <a:cs typeface="Menlo" panose="020B0609030804020204" pitchFamily="49" charset="0"/>
+              </a:rPr>
+              <a:t>2*i</a:t>
+            </a:r>
+            <a:r>
+              <a:rPr lang="ja-JP" altLang="en-US" sz="2800">
+                <a:latin typeface="Menlo" panose="020B0609030804020204" pitchFamily="49" charset="0"/>
+                <a:cs typeface="Menlo" panose="020B0609030804020204" pitchFamily="49" charset="0"/>
+              </a:rPr>
+              <a:t> </a:t>
+            </a:r>
+            <a:r>
+              <a:rPr lang="ja-JP" altLang="en-US" sz="2800">
+                <a:solidFill>
+                  <a:srgbClr val="0070C0"/>
+                </a:solidFill>
+                <a:latin typeface="Menlo" panose="020B0609030804020204" pitchFamily="49" charset="0"/>
+                <a:cs typeface="Menlo" panose="020B0609030804020204" pitchFamily="49" charset="0"/>
+              </a:rPr>
+              <a:t>for</a:t>
+            </a:r>
+            <a:r>
+              <a:rPr lang="ja-JP" altLang="en-US" sz="2800">
+                <a:latin typeface="Menlo" panose="020B0609030804020204" pitchFamily="49" charset="0"/>
+                <a:cs typeface="Menlo" panose="020B0609030804020204" pitchFamily="49" charset="0"/>
+              </a:rPr>
+              <a:t> </a:t>
+            </a:r>
+            <a:r>
+              <a:rPr lang="en-US" altLang="ja-JP" sz="2800">
+                <a:latin typeface="Menlo" panose="020B0609030804020204" pitchFamily="49" charset="0"/>
+                <a:cs typeface="Menlo" panose="020B0609030804020204" pitchFamily="49" charset="0"/>
+              </a:rPr>
+              <a:t>i </a:t>
+            </a:r>
+            <a:r>
+              <a:rPr lang="ja-JP" altLang="en-US" sz="2800">
+                <a:solidFill>
+                  <a:srgbClr val="0070C0"/>
+                </a:solidFill>
+                <a:latin typeface="Menlo" panose="020B0609030804020204" pitchFamily="49" charset="0"/>
+                <a:cs typeface="Menlo" panose="020B0609030804020204" pitchFamily="49" charset="0"/>
+              </a:rPr>
+              <a:t>in</a:t>
+            </a:r>
+            <a:r>
+              <a:rPr lang="ja-JP" altLang="en-US" sz="2800">
+                <a:latin typeface="Menlo" panose="020B0609030804020204" pitchFamily="49" charset="0"/>
+                <a:cs typeface="Menlo" panose="020B0609030804020204" pitchFamily="49" charset="0"/>
+              </a:rPr>
+              <a:t> </a:t>
+            </a:r>
+            <a:r>
+              <a:rPr lang="en-US" altLang="ja-JP" sz="2800">
+                <a:latin typeface="Menlo" panose="020B0609030804020204" pitchFamily="49" charset="0"/>
+                <a:cs typeface="Menlo" panose="020B0609030804020204" pitchFamily="49" charset="0"/>
+              </a:rPr>
+              <a:t>source</a:t>
+            </a:r>
+            <a:r>
+              <a:rPr lang="ja-JP" altLang="en-US" sz="2800">
+                <a:solidFill>
+                  <a:srgbClr val="FF0000"/>
+                </a:solidFill>
+                <a:latin typeface="Menlo" panose="020B0609030804020204" pitchFamily="49" charset="0"/>
+                <a:cs typeface="Menlo" panose="020B0609030804020204" pitchFamily="49" charset="0"/>
+              </a:rPr>
+              <a:t>]</a:t>
+            </a:r>
+          </a:p>
+        </p:txBody>
+      </p:sp>
+      <p:sp>
+        <p:nvSpPr>
+          <p:cNvPr id="8" name="テキスト ボックス 7">
+            <a:extLst>
+              <a:ext uri="{FF2B5EF4-FFF2-40B4-BE49-F238E27FC236}">
+                <a16:creationId xmlns:a16="http://schemas.microsoft.com/office/drawing/2014/main" id="{68509AEA-2BB8-B948-9FFB-BCAAC628D6DC}"/>
+              </a:ext>
+            </a:extLst>
+          </p:cNvPr>
+          <p:cNvSpPr txBox="1"/>
+          <p:nvPr/>
+        </p:nvSpPr>
+        <p:spPr>
+          <a:xfrm>
+            <a:off x="5580112" y="2420888"/>
+            <a:ext cx="442750" cy="369332"/>
+          </a:xfrm>
+          <a:prstGeom prst="rect">
+            <a:avLst/>
+          </a:prstGeom>
+          <a:noFill/>
+        </p:spPr>
+        <p:txBody>
+          <a:bodyPr wrap="none" rtlCol="0">
+            <a:spAutoFit/>
+          </a:bodyPr>
+          <a:lstStyle/>
+          <a:p>
+            <a:r>
+              <a:rPr lang="en-US" altLang="ja-JP"/>
+              <a:t>(1)</a:t>
+            </a:r>
+            <a:endParaRPr kumimoji="1" lang="ja-JP" altLang="en-US"/>
+          </a:p>
+        </p:txBody>
+      </p:sp>
+      <p:sp>
+        <p:nvSpPr>
+          <p:cNvPr id="9" name="テキスト ボックス 8">
+            <a:extLst>
+              <a:ext uri="{FF2B5EF4-FFF2-40B4-BE49-F238E27FC236}">
+                <a16:creationId xmlns:a16="http://schemas.microsoft.com/office/drawing/2014/main" id="{8A5DEC3A-C196-6648-9CC4-B8A484572EEE}"/>
+              </a:ext>
+            </a:extLst>
+          </p:cNvPr>
+          <p:cNvSpPr txBox="1"/>
+          <p:nvPr/>
+        </p:nvSpPr>
+        <p:spPr>
+          <a:xfrm>
+            <a:off x="3851920" y="2420888"/>
+            <a:ext cx="442750" cy="369332"/>
+          </a:xfrm>
+          <a:prstGeom prst="rect">
+            <a:avLst/>
+          </a:prstGeom>
+          <a:noFill/>
+        </p:spPr>
+        <p:txBody>
+          <a:bodyPr wrap="none" rtlCol="0">
+            <a:spAutoFit/>
+          </a:bodyPr>
+          <a:lstStyle/>
+          <a:p>
+            <a:r>
+              <a:rPr lang="en-US" altLang="ja-JP"/>
+              <a:t>(2)</a:t>
+            </a:r>
+            <a:endParaRPr kumimoji="1" lang="ja-JP" altLang="en-US"/>
+          </a:p>
+        </p:txBody>
+      </p:sp>
+      <p:sp>
+        <p:nvSpPr>
+          <p:cNvPr id="10" name="テキスト ボックス 9">
+            <a:extLst>
+              <a:ext uri="{FF2B5EF4-FFF2-40B4-BE49-F238E27FC236}">
+                <a16:creationId xmlns:a16="http://schemas.microsoft.com/office/drawing/2014/main" id="{E540B100-E6FF-8044-AFCF-97C6C71C0FE7}"/>
+              </a:ext>
+            </a:extLst>
+          </p:cNvPr>
+          <p:cNvSpPr txBox="1"/>
+          <p:nvPr/>
+        </p:nvSpPr>
+        <p:spPr>
+          <a:xfrm>
+            <a:off x="2267744" y="2420888"/>
+            <a:ext cx="442750" cy="369332"/>
+          </a:xfrm>
+          <a:prstGeom prst="rect">
+            <a:avLst/>
+          </a:prstGeom>
+          <a:noFill/>
+        </p:spPr>
+        <p:txBody>
+          <a:bodyPr wrap="none" rtlCol="0">
+            <a:spAutoFit/>
+          </a:bodyPr>
+          <a:lstStyle/>
+          <a:p>
+            <a:r>
+              <a:rPr lang="en-US" altLang="ja-JP"/>
+              <a:t>(3)</a:t>
+            </a:r>
+            <a:endParaRPr kumimoji="1" lang="ja-JP" altLang="en-US"/>
+          </a:p>
+        </p:txBody>
+      </p:sp>
+      <p:sp>
+        <p:nvSpPr>
+          <p:cNvPr id="11" name="テキスト ボックス 10">
+            <a:extLst>
+              <a:ext uri="{FF2B5EF4-FFF2-40B4-BE49-F238E27FC236}">
+                <a16:creationId xmlns:a16="http://schemas.microsoft.com/office/drawing/2014/main" id="{B59DB070-0A61-6044-A8C9-110B1B41658B}"/>
+              </a:ext>
+            </a:extLst>
+          </p:cNvPr>
+          <p:cNvSpPr txBox="1"/>
+          <p:nvPr/>
+        </p:nvSpPr>
+        <p:spPr>
+          <a:xfrm>
+            <a:off x="1043608" y="3573016"/>
+            <a:ext cx="6803466" cy="1015663"/>
+          </a:xfrm>
+          <a:prstGeom prst="rect">
+            <a:avLst/>
+          </a:prstGeom>
+          <a:noFill/>
+        </p:spPr>
+        <p:txBody>
+          <a:bodyPr wrap="none" rtlCol="0">
+            <a:spAutoFit/>
+          </a:bodyPr>
+          <a:lstStyle/>
+          <a:p>
+            <a:r>
+              <a:rPr kumimoji="1" lang="en-US" altLang="ja-JP" sz="2000"/>
+              <a:t>(1)  source</a:t>
+            </a:r>
+            <a:r>
+              <a:rPr lang="ja-JP" altLang="en-US" sz="2000"/>
+              <a:t>というリストに含まれる</a:t>
+            </a:r>
+            <a:r>
+              <a:rPr lang="en-US" altLang="ja-JP" sz="2000"/>
+              <a:t>(</a:t>
+            </a:r>
+            <a:r>
+              <a:rPr lang="en-US" altLang="ja-JP" sz="2000">
+                <a:solidFill>
+                  <a:srgbClr val="0070C0"/>
+                </a:solidFill>
+              </a:rPr>
+              <a:t>in </a:t>
+            </a:r>
+            <a:r>
+              <a:rPr lang="en-US" altLang="ja-JP" sz="2000"/>
+              <a:t>source)</a:t>
+            </a:r>
+          </a:p>
+          <a:p>
+            <a:r>
+              <a:rPr kumimoji="1" lang="en-US" altLang="ja-JP" sz="2000"/>
+              <a:t>(2) </a:t>
+            </a:r>
+            <a:r>
+              <a:rPr kumimoji="1" lang="ja-JP" altLang="en-US" sz="2000"/>
+              <a:t>それぞれの要素</a:t>
+            </a:r>
+            <a:r>
+              <a:rPr kumimoji="1" lang="en-US" altLang="ja-JP" sz="2000"/>
+              <a:t> i </a:t>
+            </a:r>
+            <a:r>
+              <a:rPr kumimoji="1" lang="ja-JP" altLang="en-US" sz="2000"/>
+              <a:t>について</a:t>
+            </a:r>
+            <a:r>
+              <a:rPr kumimoji="1" lang="en-US" altLang="ja-JP" sz="2000"/>
+              <a:t>(</a:t>
+            </a:r>
+            <a:r>
+              <a:rPr kumimoji="1" lang="en-US" altLang="ja-JP" sz="2000">
+                <a:solidFill>
+                  <a:srgbClr val="0070C0"/>
+                </a:solidFill>
+              </a:rPr>
+              <a:t>for</a:t>
+            </a:r>
+            <a:r>
+              <a:rPr kumimoji="1" lang="en-US" altLang="ja-JP" sz="2000"/>
+              <a:t> i)</a:t>
+            </a:r>
+          </a:p>
+          <a:p>
+            <a:r>
+              <a:rPr lang="en-US" altLang="ja-JP" sz="2000"/>
+              <a:t>(3) 2*i</a:t>
+            </a:r>
+            <a:r>
+              <a:rPr lang="ja-JP" altLang="en-US" sz="2000"/>
+              <a:t>を要素とするような新しいリストを作ってください</a:t>
+            </a:r>
+            <a:r>
+              <a:rPr lang="en-US" altLang="ja-JP" sz="2000"/>
+              <a:t> </a:t>
+            </a:r>
+            <a:endParaRPr kumimoji="1" lang="ja-JP" altLang="en-US" sz="2000"/>
+          </a:p>
+        </p:txBody>
+      </p:sp>
+    </p:spTree>
+    <p:extLst>
+      <p:ext uri="{BB962C8B-B14F-4D97-AF65-F5344CB8AC3E}">
+        <p14:creationId xmlns:p14="http://schemas.microsoft.com/office/powerpoint/2010/main" val="1700809279"/>
+      </p:ext>
+    </p:extLst>
+  </p:cSld>
+  <p:clrMapOvr>
+    <a:masterClrMapping/>
+  </p:clrMapOvr>
+</p:sld>
+</file>
+
 <file path=ppt/slides/slide2.xml><?xml version="1.0" encoding="utf-8"?>
 <p:sld xmlns:a="http://schemas.openxmlformats.org/drawingml/2006/main" xmlns:r="http://schemas.openxmlformats.org/officeDocument/2006/relationships" xmlns:p="http://schemas.openxmlformats.org/presentationml/2006/main">
   <p:cSld>
